--- a/発表用スライド/1821144_yoshii_thesis.pptx
+++ b/発表用スライド/1821144_yoshii_thesis.pptx
@@ -234,7 +234,7 @@
           <a:p>
             <a:fld id="{27571B5F-C8EC-4379-AD76-80FD414F3861}" type="datetimeFigureOut">
               <a:rPr kumimoji="1" lang="ja-JP" altLang="en-US" smtClean="0"/>
-              <a:t>2021/10/3</a:t>
+              <a:t>2021/10/4</a:t>
             </a:fld>
             <a:endParaRPr kumimoji="1" lang="ja-JP" altLang="en-US"/>
           </a:p>
@@ -664,7 +664,7 @@
           <a:p>
             <a:fld id="{22C6F9C5-C6AA-409B-AF03-98D7346F1423}" type="datetime1">
               <a:rPr kumimoji="1" lang="ja-JP" altLang="en-US" smtClean="0"/>
-              <a:t>2021/10/3</a:t>
+              <a:t>2021/10/4</a:t>
             </a:fld>
             <a:endParaRPr kumimoji="1" lang="ja-JP" altLang="en-US"/>
           </a:p>
@@ -867,7 +867,7 @@
           <a:p>
             <a:fld id="{22E0F957-B7A6-49B1-8F7C-E83B3F2002DA}" type="datetime1">
               <a:rPr kumimoji="1" lang="ja-JP" altLang="en-US" smtClean="0"/>
-              <a:t>2021/10/3</a:t>
+              <a:t>2021/10/4</a:t>
             </a:fld>
             <a:endParaRPr kumimoji="1" lang="ja-JP" altLang="en-US"/>
           </a:p>
@@ -1080,7 +1080,7 @@
           <a:p>
             <a:fld id="{DE6F7DB3-2648-413C-8B2E-93728F539CCD}" type="datetime1">
               <a:rPr kumimoji="1" lang="ja-JP" altLang="en-US" smtClean="0"/>
-              <a:t>2021/10/3</a:t>
+              <a:t>2021/10/4</a:t>
             </a:fld>
             <a:endParaRPr kumimoji="1" lang="ja-JP" altLang="en-US"/>
           </a:p>
@@ -1283,7 +1283,7 @@
           <a:p>
             <a:fld id="{A2D1DE2A-14E7-4A39-B37E-D38A93E354FC}" type="datetime1">
               <a:rPr kumimoji="1" lang="ja-JP" altLang="en-US" smtClean="0"/>
-              <a:t>2021/10/3</a:t>
+              <a:t>2021/10/4</a:t>
             </a:fld>
             <a:endParaRPr kumimoji="1" lang="ja-JP" altLang="en-US"/>
           </a:p>
@@ -1532,7 +1532,7 @@
           <a:p>
             <a:fld id="{991EEB29-6570-4D17-BF07-A0C0B34BA0FB}" type="datetime1">
               <a:rPr kumimoji="1" lang="ja-JP" altLang="en-US" smtClean="0"/>
-              <a:t>2021/10/3</a:t>
+              <a:t>2021/10/4</a:t>
             </a:fld>
             <a:endParaRPr kumimoji="1" lang="ja-JP" altLang="en-US"/>
           </a:p>
@@ -1829,7 +1829,7 @@
           <a:p>
             <a:fld id="{892B6420-66A4-43C3-BA46-EBDFB60516F0}" type="datetime1">
               <a:rPr kumimoji="1" lang="ja-JP" altLang="en-US" smtClean="0"/>
-              <a:t>2021/10/3</a:t>
+              <a:t>2021/10/4</a:t>
             </a:fld>
             <a:endParaRPr kumimoji="1" lang="ja-JP" altLang="en-US"/>
           </a:p>
@@ -2261,7 +2261,7 @@
           <a:p>
             <a:fld id="{5BE63C90-8833-49EB-8DFB-3A87587C56DF}" type="datetime1">
               <a:rPr kumimoji="1" lang="ja-JP" altLang="en-US" smtClean="0"/>
-              <a:t>2021/10/3</a:t>
+              <a:t>2021/10/4</a:t>
             </a:fld>
             <a:endParaRPr kumimoji="1" lang="ja-JP" altLang="en-US"/>
           </a:p>
@@ -2380,7 +2380,7 @@
           <a:p>
             <a:fld id="{FDB7B118-9258-4B93-98B1-2227223B18EF}" type="datetime1">
               <a:rPr kumimoji="1" lang="ja-JP" altLang="en-US" smtClean="0"/>
-              <a:t>2021/10/3</a:t>
+              <a:t>2021/10/4</a:t>
             </a:fld>
             <a:endParaRPr kumimoji="1" lang="ja-JP" altLang="en-US"/>
           </a:p>
@@ -2476,7 +2476,7 @@
           <a:p>
             <a:fld id="{9C334A37-8FFC-49D6-A0F3-FC06101E023C}" type="datetime1">
               <a:rPr kumimoji="1" lang="ja-JP" altLang="en-US" smtClean="0"/>
-              <a:t>2021/10/3</a:t>
+              <a:t>2021/10/4</a:t>
             </a:fld>
             <a:endParaRPr kumimoji="1" lang="ja-JP" altLang="en-US"/>
           </a:p>
@@ -2786,7 +2786,7 @@
           <a:p>
             <a:fld id="{0FAD949F-32A5-4343-9078-C3A89D3064D3}" type="datetime1">
               <a:rPr kumimoji="1" lang="ja-JP" altLang="en-US" smtClean="0"/>
-              <a:t>2021/10/3</a:t>
+              <a:t>2021/10/4</a:t>
             </a:fld>
             <a:endParaRPr kumimoji="1" lang="ja-JP" altLang="en-US"/>
           </a:p>
@@ -3044,7 +3044,7 @@
           <a:p>
             <a:fld id="{58C4534D-9999-497B-9C6B-5769B1D800E5}" type="datetime1">
               <a:rPr kumimoji="1" lang="ja-JP" altLang="en-US" smtClean="0"/>
-              <a:t>2021/10/3</a:t>
+              <a:t>2021/10/4</a:t>
             </a:fld>
             <a:endParaRPr kumimoji="1" lang="ja-JP" altLang="en-US"/>
           </a:p>
@@ -3290,7 +3290,7 @@
           <a:p>
             <a:fld id="{D73E1257-0E7D-4620-84B9-7FC7BB2FC946}" type="datetime1">
               <a:rPr kumimoji="1" lang="ja-JP" altLang="en-US" smtClean="0"/>
-              <a:t>2021/10/3</a:t>
+              <a:t>2021/10/4</a:t>
             </a:fld>
             <a:endParaRPr kumimoji="1" lang="ja-JP" altLang="en-US"/>
           </a:p>
@@ -4378,7 +4378,63 @@
               <a:rPr lang="en-US" altLang="ja-JP" dirty="0">
                 <a:hlinkClick r:id="rId2"/>
               </a:rPr>
-              <a:t>https://qiita.com/1plus4/items/e8a102b349b5ae16f97d</a:t>
+              <a:t>https://</a:t>
+            </a:r>
+            <a:r>
+              <a:rPr lang="en-US" altLang="ja-JP" dirty="0" smtClean="0">
+                <a:hlinkClick r:id="rId2"/>
+              </a:rPr>
+              <a:t>qiita.com/1plus4/items/e8a102b349b5ae16f97d</a:t>
+            </a:r>
+            <a:endParaRPr lang="en-US" altLang="ja-JP" dirty="0" smtClean="0"/>
+          </a:p>
+          <a:p>
+            <a:pPr marL="0" indent="0">
+              <a:buNone/>
+            </a:pPr>
+            <a:endParaRPr kumimoji="1" lang="en-US" altLang="ja-JP" dirty="0"/>
+          </a:p>
+          <a:p>
+            <a:pPr marL="0" indent="0">
+              <a:buNone/>
+            </a:pPr>
+            <a:r>
+              <a:rPr lang="ja-JP" altLang="en-US" dirty="0" smtClean="0"/>
+              <a:t>・</a:t>
+            </a:r>
+            <a:r>
+              <a:rPr lang="en-US" altLang="ja-JP" dirty="0" err="1" smtClean="0"/>
+              <a:t>raspberrypi</a:t>
+            </a:r>
+            <a:r>
+              <a:rPr lang="ja-JP" altLang="en-US" dirty="0" smtClean="0"/>
+              <a:t>の</a:t>
+            </a:r>
+            <a:r>
+              <a:rPr lang="en-US" altLang="ja-JP" dirty="0" smtClean="0"/>
+              <a:t>1</a:t>
+            </a:r>
+            <a:r>
+              <a:rPr lang="ja-JP" altLang="en-US" dirty="0" smtClean="0"/>
+              <a:t>機に</a:t>
+            </a:r>
+            <a:r>
+              <a:rPr lang="en-US" altLang="ja-JP" dirty="0" err="1" smtClean="0"/>
+              <a:t>nginx</a:t>
+            </a:r>
+            <a:r>
+              <a:rPr lang="ja-JP" altLang="en-US" dirty="0" smtClean="0"/>
+              <a:t>をインストール</a:t>
+            </a:r>
+            <a:endParaRPr lang="en-US" altLang="ja-JP" dirty="0" smtClean="0"/>
+          </a:p>
+          <a:p>
+            <a:pPr marL="0" indent="0">
+              <a:buNone/>
+            </a:pPr>
+            <a:r>
+              <a:rPr kumimoji="1" lang="ja-JP" altLang="en-US" smtClean="0"/>
+              <a:t>（水曜日の実習）</a:t>
             </a:r>
             <a:endParaRPr kumimoji="1" lang="ja-JP" altLang="en-US" dirty="0"/>
           </a:p>

--- a/発表用スライド/1821144_yoshii_thesis.pptx
+++ b/発表用スライド/1821144_yoshii_thesis.pptx
@@ -5,18 +5,17 @@
     <p:sldMasterId id="2147483660" r:id="rId1"/>
   </p:sldMasterIdLst>
   <p:notesMasterIdLst>
-    <p:notesMasterId r:id="rId11"/>
+    <p:notesMasterId r:id="rId10"/>
   </p:notesMasterIdLst>
   <p:sldIdLst>
     <p:sldId id="257" r:id="rId2"/>
-    <p:sldId id="267" r:id="rId3"/>
-    <p:sldId id="266" r:id="rId4"/>
-    <p:sldId id="258" r:id="rId5"/>
-    <p:sldId id="260" r:id="rId6"/>
-    <p:sldId id="261" r:id="rId7"/>
-    <p:sldId id="262" r:id="rId8"/>
-    <p:sldId id="259" r:id="rId9"/>
-    <p:sldId id="265" r:id="rId10"/>
+    <p:sldId id="258" r:id="rId3"/>
+    <p:sldId id="260" r:id="rId4"/>
+    <p:sldId id="261" r:id="rId5"/>
+    <p:sldId id="262" r:id="rId6"/>
+    <p:sldId id="259" r:id="rId7"/>
+    <p:sldId id="265" r:id="rId8"/>
+    <p:sldId id="267" r:id="rId9"/>
   </p:sldIdLst>
   <p:sldSz cx="9144000" cy="6858000" type="screen4x3"/>
   <p:notesSz cx="6858000" cy="9144000"/>
@@ -234,7 +233,7 @@
           <a:p>
             <a:fld id="{27571B5F-C8EC-4379-AD76-80FD414F3861}" type="datetimeFigureOut">
               <a:rPr kumimoji="1" lang="ja-JP" altLang="en-US" smtClean="0"/>
-              <a:t>2021/10/4</a:t>
+              <a:t>2021/10/11</a:t>
             </a:fld>
             <a:endParaRPr kumimoji="1" lang="ja-JP" altLang="en-US"/>
           </a:p>
@@ -664,7 +663,7 @@
           <a:p>
             <a:fld id="{22C6F9C5-C6AA-409B-AF03-98D7346F1423}" type="datetime1">
               <a:rPr kumimoji="1" lang="ja-JP" altLang="en-US" smtClean="0"/>
-              <a:t>2021/10/4</a:t>
+              <a:t>2021/10/11</a:t>
             </a:fld>
             <a:endParaRPr kumimoji="1" lang="ja-JP" altLang="en-US"/>
           </a:p>
@@ -867,7 +866,7 @@
           <a:p>
             <a:fld id="{22E0F957-B7A6-49B1-8F7C-E83B3F2002DA}" type="datetime1">
               <a:rPr kumimoji="1" lang="ja-JP" altLang="en-US" smtClean="0"/>
-              <a:t>2021/10/4</a:t>
+              <a:t>2021/10/11</a:t>
             </a:fld>
             <a:endParaRPr kumimoji="1" lang="ja-JP" altLang="en-US"/>
           </a:p>
@@ -1080,7 +1079,7 @@
           <a:p>
             <a:fld id="{DE6F7DB3-2648-413C-8B2E-93728F539CCD}" type="datetime1">
               <a:rPr kumimoji="1" lang="ja-JP" altLang="en-US" smtClean="0"/>
-              <a:t>2021/10/4</a:t>
+              <a:t>2021/10/11</a:t>
             </a:fld>
             <a:endParaRPr kumimoji="1" lang="ja-JP" altLang="en-US"/>
           </a:p>
@@ -1283,7 +1282,7 @@
           <a:p>
             <a:fld id="{A2D1DE2A-14E7-4A39-B37E-D38A93E354FC}" type="datetime1">
               <a:rPr kumimoji="1" lang="ja-JP" altLang="en-US" smtClean="0"/>
-              <a:t>2021/10/4</a:t>
+              <a:t>2021/10/11</a:t>
             </a:fld>
             <a:endParaRPr kumimoji="1" lang="ja-JP" altLang="en-US"/>
           </a:p>
@@ -1532,7 +1531,7 @@
           <a:p>
             <a:fld id="{991EEB29-6570-4D17-BF07-A0C0B34BA0FB}" type="datetime1">
               <a:rPr kumimoji="1" lang="ja-JP" altLang="en-US" smtClean="0"/>
-              <a:t>2021/10/4</a:t>
+              <a:t>2021/10/11</a:t>
             </a:fld>
             <a:endParaRPr kumimoji="1" lang="ja-JP" altLang="en-US"/>
           </a:p>
@@ -1829,7 +1828,7 @@
           <a:p>
             <a:fld id="{892B6420-66A4-43C3-BA46-EBDFB60516F0}" type="datetime1">
               <a:rPr kumimoji="1" lang="ja-JP" altLang="en-US" smtClean="0"/>
-              <a:t>2021/10/4</a:t>
+              <a:t>2021/10/11</a:t>
             </a:fld>
             <a:endParaRPr kumimoji="1" lang="ja-JP" altLang="en-US"/>
           </a:p>
@@ -2261,7 +2260,7 @@
           <a:p>
             <a:fld id="{5BE63C90-8833-49EB-8DFB-3A87587C56DF}" type="datetime1">
               <a:rPr kumimoji="1" lang="ja-JP" altLang="en-US" smtClean="0"/>
-              <a:t>2021/10/4</a:t>
+              <a:t>2021/10/11</a:t>
             </a:fld>
             <a:endParaRPr kumimoji="1" lang="ja-JP" altLang="en-US"/>
           </a:p>
@@ -2380,7 +2379,7 @@
           <a:p>
             <a:fld id="{FDB7B118-9258-4B93-98B1-2227223B18EF}" type="datetime1">
               <a:rPr kumimoji="1" lang="ja-JP" altLang="en-US" smtClean="0"/>
-              <a:t>2021/10/4</a:t>
+              <a:t>2021/10/11</a:t>
             </a:fld>
             <a:endParaRPr kumimoji="1" lang="ja-JP" altLang="en-US"/>
           </a:p>
@@ -2476,7 +2475,7 @@
           <a:p>
             <a:fld id="{9C334A37-8FFC-49D6-A0F3-FC06101E023C}" type="datetime1">
               <a:rPr kumimoji="1" lang="ja-JP" altLang="en-US" smtClean="0"/>
-              <a:t>2021/10/4</a:t>
+              <a:t>2021/10/11</a:t>
             </a:fld>
             <a:endParaRPr kumimoji="1" lang="ja-JP" altLang="en-US"/>
           </a:p>
@@ -2786,7 +2785,7 @@
           <a:p>
             <a:fld id="{0FAD949F-32A5-4343-9078-C3A89D3064D3}" type="datetime1">
               <a:rPr kumimoji="1" lang="ja-JP" altLang="en-US" smtClean="0"/>
-              <a:t>2021/10/4</a:t>
+              <a:t>2021/10/11</a:t>
             </a:fld>
             <a:endParaRPr kumimoji="1" lang="ja-JP" altLang="en-US"/>
           </a:p>
@@ -3044,7 +3043,7 @@
           <a:p>
             <a:fld id="{58C4534D-9999-497B-9C6B-5769B1D800E5}" type="datetime1">
               <a:rPr kumimoji="1" lang="ja-JP" altLang="en-US" smtClean="0"/>
-              <a:t>2021/10/4</a:t>
+              <a:t>2021/10/11</a:t>
             </a:fld>
             <a:endParaRPr kumimoji="1" lang="ja-JP" altLang="en-US"/>
           </a:p>
@@ -3290,7 +3289,7 @@
           <a:p>
             <a:fld id="{D73E1257-0E7D-4620-84B9-7FC7BB2FC946}" type="datetime1">
               <a:rPr kumimoji="1" lang="ja-JP" altLang="en-US" smtClean="0"/>
-              <a:t>2021/10/4</a:t>
+              <a:t>2021/10/11</a:t>
             </a:fld>
             <a:endParaRPr kumimoji="1" lang="ja-JP" altLang="en-US"/>
           </a:p>
@@ -3967,44 +3966,6 @@
           </a:p>
         </p:txBody>
       </p:sp>
-      <p:sp>
-        <p:nvSpPr>
-          <p:cNvPr id="7" name="テキスト ボックス 6"/>
-          <p:cNvSpPr txBox="1"/>
-          <p:nvPr/>
-        </p:nvSpPr>
-        <p:spPr>
-          <a:xfrm>
-            <a:off x="5981322" y="1446550"/>
-            <a:ext cx="3162677" cy="369332"/>
-          </a:xfrm>
-          <a:prstGeom prst="rect">
-            <a:avLst/>
-          </a:prstGeom>
-          <a:noFill/>
-        </p:spPr>
-        <p:txBody>
-          <a:bodyPr wrap="square" rtlCol="0">
-            <a:spAutoFit/>
-          </a:bodyPr>
-          <a:lstStyle/>
-          <a:p>
-            <a:r>
-              <a:rPr lang="ja-JP" altLang="en-US" dirty="0"/>
-              <a:t>情報工学科　中間発表　</a:t>
-            </a:r>
-            <a:r>
-              <a:rPr lang="en-US" altLang="ja-JP" dirty="0"/>
-              <a:t>2021</a:t>
-            </a:r>
-            <a:r>
-              <a:rPr lang="ja-JP" altLang="en-US" dirty="0"/>
-              <a:t>　</a:t>
-            </a:r>
-            <a:endParaRPr kumimoji="1" lang="ja-JP" altLang="en-US" dirty="0"/>
-          </a:p>
-        </p:txBody>
-      </p:sp>
       <p:pic>
         <p:nvPicPr>
           <p:cNvPr id="32" name="図 31"/>
@@ -4330,63 +4291,401 @@
           <a:lstStyle/>
           <a:p>
             <a:r>
+              <a:rPr kumimoji="1" lang="ja-JP" altLang="en-US" dirty="0"/>
+              <a:t>関連研究</a:t>
+            </a:r>
+          </a:p>
+        </p:txBody>
+      </p:sp>
+      <p:sp>
+        <p:nvSpPr>
+          <p:cNvPr id="3" name="コンテンツ プレースホルダー 2"/>
+          <p:cNvSpPr>
+            <a:spLocks noGrp="1"/>
+          </p:cNvSpPr>
+          <p:nvPr>
+            <p:ph idx="1"/>
+          </p:nvPr>
+        </p:nvSpPr>
+        <p:spPr>
+          <a:xfrm>
+            <a:off x="628650" y="1399430"/>
+            <a:ext cx="7886700" cy="5128591"/>
+          </a:xfrm>
+        </p:spPr>
+        <p:txBody>
+          <a:bodyPr>
+            <a:normAutofit fontScale="85000" lnSpcReduction="20000"/>
+          </a:bodyPr>
+          <a:lstStyle/>
+          <a:p>
+            <a:r>
+              <a:rPr lang="ja-JP" altLang="en-US" u="sng" dirty="0">
+                <a:latin typeface="+mn-ea"/>
+              </a:rPr>
+              <a:t>動画の</a:t>
+            </a:r>
+            <a:r>
+              <a:rPr lang="ja-JP" altLang="en-US" u="sng" dirty="0" smtClean="0">
+                <a:latin typeface="+mn-ea"/>
+              </a:rPr>
+              <a:t>印象評価データセット</a:t>
+            </a:r>
+            <a:endParaRPr lang="en-US" altLang="ja-JP" u="sng" dirty="0">
+              <a:latin typeface="+mn-ea"/>
+            </a:endParaRPr>
+          </a:p>
+          <a:p>
+            <a:pPr marL="0" indent="0">
+              <a:buNone/>
+            </a:pPr>
+            <a:r>
+              <a:rPr lang="en-US" altLang="ja-JP" dirty="0" smtClean="0">
+                <a:latin typeface="+mn-ea"/>
+              </a:rPr>
+              <a:t>[</a:t>
+            </a:r>
+            <a:r>
+              <a:rPr lang="en-US" altLang="ja-JP" dirty="0">
+                <a:latin typeface="+mn-ea"/>
+              </a:rPr>
+              <a:t>2015 </a:t>
+            </a:r>
+            <a:r>
+              <a:rPr lang="ja-JP" altLang="en-US" dirty="0">
+                <a:latin typeface="+mn-ea"/>
+              </a:rPr>
+              <a:t>大野</a:t>
+            </a:r>
+            <a:r>
+              <a:rPr lang="en-US" altLang="ja-JP" dirty="0">
+                <a:latin typeface="+mn-ea"/>
+              </a:rPr>
+              <a:t>]</a:t>
+            </a:r>
+            <a:r>
+              <a:rPr lang="ja-JP" altLang="en-US" dirty="0">
+                <a:latin typeface="+mn-ea"/>
+              </a:rPr>
+              <a:t>大野直樹，中村聡史，山本岳洋</a:t>
+            </a:r>
+            <a:r>
+              <a:rPr lang="ja-JP" altLang="en-US" dirty="0" smtClean="0">
+                <a:latin typeface="+mn-ea"/>
+              </a:rPr>
+              <a:t>，後藤</a:t>
+            </a:r>
+            <a:r>
+              <a:rPr lang="ja-JP" altLang="en-US" dirty="0">
+                <a:latin typeface="+mn-ea"/>
+              </a:rPr>
+              <a:t>真孝</a:t>
+            </a:r>
+            <a:r>
+              <a:rPr lang="ja-JP" altLang="en-US" dirty="0" smtClean="0">
+                <a:latin typeface="+mn-ea"/>
+              </a:rPr>
+              <a:t>，</a:t>
+            </a:r>
+            <a:endParaRPr lang="en-US" altLang="ja-JP" dirty="0" smtClean="0">
+              <a:latin typeface="+mn-ea"/>
+            </a:endParaRPr>
+          </a:p>
+          <a:p>
+            <a:pPr marL="0" indent="0">
+              <a:buNone/>
+            </a:pPr>
+            <a:r>
+              <a:rPr kumimoji="1" lang="ja-JP" altLang="en-US" dirty="0" smtClean="0">
+                <a:latin typeface="+mn-ea"/>
+              </a:rPr>
+              <a:t>「</a:t>
+            </a:r>
+            <a:r>
+              <a:rPr kumimoji="1" lang="ja-JP" altLang="en-US" dirty="0">
+                <a:latin typeface="+mn-ea"/>
+              </a:rPr>
+              <a:t>音楽動画への印象評価データセット構築とその特性の</a:t>
+            </a:r>
+            <a:r>
+              <a:rPr kumimoji="1" lang="ja-JP" altLang="en-US" dirty="0" smtClean="0">
+                <a:latin typeface="+mn-ea"/>
+              </a:rPr>
+              <a:t>調査</a:t>
+            </a:r>
+            <a:r>
+              <a:rPr kumimoji="1" lang="ja-JP" altLang="en-US" dirty="0">
+                <a:latin typeface="+mn-ea"/>
+              </a:rPr>
+              <a:t>」</a:t>
+            </a:r>
+            <a:r>
+              <a:rPr lang="ja-JP" altLang="en-US" dirty="0">
+                <a:latin typeface="+mn-ea"/>
+              </a:rPr>
+              <a:t>，情報処理学会，</a:t>
+            </a:r>
+            <a:r>
+              <a:rPr lang="en-US" altLang="ja-JP" dirty="0">
+                <a:latin typeface="+mn-ea"/>
+              </a:rPr>
+              <a:t>2015</a:t>
+            </a:r>
+            <a:endParaRPr kumimoji="1" lang="en-US" altLang="ja-JP" dirty="0">
+              <a:latin typeface="+mn-ea"/>
+            </a:endParaRPr>
+          </a:p>
+          <a:p>
+            <a:pPr marL="0" indent="0">
+              <a:buNone/>
+            </a:pPr>
+            <a:endParaRPr kumimoji="1" lang="en-US" altLang="ja-JP" dirty="0">
+              <a:latin typeface="+mn-ea"/>
+            </a:endParaRPr>
+          </a:p>
+          <a:p>
+            <a:r>
+              <a:rPr lang="ja-JP" altLang="en-US" u="sng" dirty="0" smtClean="0">
+                <a:latin typeface="+mn-ea"/>
+              </a:rPr>
+              <a:t>動画からの印象推定</a:t>
+            </a:r>
+            <a:endParaRPr lang="en-US" altLang="ja-JP" u="sng" dirty="0">
+              <a:latin typeface="+mn-ea"/>
+            </a:endParaRPr>
+          </a:p>
+          <a:p>
+            <a:pPr marL="0" indent="0">
+              <a:buNone/>
+            </a:pPr>
+            <a:r>
+              <a:rPr lang="en-US" altLang="ja-JP" dirty="0" smtClean="0">
+                <a:latin typeface="+mn-ea"/>
+              </a:rPr>
+              <a:t>[</a:t>
+            </a:r>
+            <a:r>
+              <a:rPr lang="en-US" altLang="ja-JP" dirty="0">
+                <a:latin typeface="+mn-ea"/>
+              </a:rPr>
+              <a:t>2016 </a:t>
+            </a:r>
+            <a:r>
+              <a:rPr lang="ja-JP" altLang="en-US" dirty="0">
+                <a:latin typeface="+mn-ea"/>
+              </a:rPr>
+              <a:t>清水</a:t>
+            </a:r>
+            <a:r>
+              <a:rPr lang="en-US" altLang="ja-JP" dirty="0">
+                <a:latin typeface="+mn-ea"/>
+              </a:rPr>
+              <a:t>]</a:t>
+            </a:r>
+            <a:r>
+              <a:rPr lang="ja-JP" altLang="en-US" dirty="0">
+                <a:latin typeface="+mn-ea"/>
+              </a:rPr>
+              <a:t>清水</a:t>
+            </a:r>
+            <a:r>
               <a:rPr lang="ja-JP" altLang="en-US" dirty="0"/>
-              <a:t>今週</a:t>
-            </a:r>
+              <a:t>柚里奈</a:t>
+            </a:r>
+            <a:r>
+              <a:rPr lang="ja-JP" altLang="en-US" dirty="0">
+                <a:latin typeface="+mn-ea"/>
+              </a:rPr>
+              <a:t>，菅野</a:t>
+            </a:r>
+            <a:r>
+              <a:rPr lang="ja-JP" altLang="en-US" dirty="0"/>
+              <a:t>沙也</a:t>
+            </a:r>
+            <a:r>
+              <a:rPr lang="ja-JP" altLang="en-US" dirty="0">
+                <a:latin typeface="+mn-ea"/>
+              </a:rPr>
+              <a:t>，伊藤</a:t>
+            </a:r>
+            <a:r>
+              <a:rPr lang="ja-JP" altLang="en-US" dirty="0"/>
+              <a:t>貴之</a:t>
+            </a:r>
+            <a:r>
+              <a:rPr lang="en-US" altLang="ja-JP" dirty="0"/>
+              <a:t> </a:t>
+            </a:r>
+            <a:r>
+              <a:rPr lang="ja-JP" altLang="en-US" dirty="0" err="1">
+                <a:latin typeface="+mn-ea"/>
+              </a:rPr>
+              <a:t>，</a:t>
+            </a:r>
+            <a:r>
+              <a:rPr lang="ja-JP" altLang="en-US" dirty="0" smtClean="0">
+                <a:latin typeface="+mn-ea"/>
+              </a:rPr>
+              <a:t>嵯峨山</a:t>
+            </a:r>
+            <a:endParaRPr lang="en-US" altLang="ja-JP" dirty="0" smtClean="0">
+              <a:latin typeface="+mn-ea"/>
+            </a:endParaRPr>
+          </a:p>
+          <a:p>
+            <a:pPr marL="0" indent="0">
+              <a:buNone/>
+            </a:pPr>
             <a:r>
               <a:rPr lang="ja-JP" altLang="en-US" dirty="0" smtClean="0"/>
-              <a:t>の進捗</a:t>
-            </a:r>
-            <a:endParaRPr kumimoji="1" lang="ja-JP" altLang="en-US" dirty="0"/>
-          </a:p>
-        </p:txBody>
-      </p:sp>
-      <p:sp>
-        <p:nvSpPr>
-          <p:cNvPr id="3" name="コンテンツ プレースホルダー 2"/>
-          <p:cNvSpPr>
-            <a:spLocks noGrp="1"/>
-          </p:cNvSpPr>
-          <p:nvPr>
-            <p:ph idx="1"/>
-          </p:nvPr>
-        </p:nvSpPr>
-        <p:spPr/>
-        <p:txBody>
-          <a:bodyPr/>
-          <a:lstStyle/>
+              <a:t>茂樹</a:t>
+            </a:r>
+            <a:r>
+              <a:rPr lang="ja-JP" altLang="en-US" dirty="0">
+                <a:latin typeface="+mn-ea"/>
+              </a:rPr>
+              <a:t>，高塚</a:t>
+            </a:r>
+            <a:r>
+              <a:rPr lang="ja-JP" altLang="en-US" dirty="0"/>
+              <a:t>正浩</a:t>
+            </a:r>
+            <a:r>
+              <a:rPr lang="ja-JP" altLang="en-US" dirty="0">
+                <a:latin typeface="+mn-ea"/>
+              </a:rPr>
+              <a:t>，「動画特徴量からの印象推定に</a:t>
+            </a:r>
+            <a:r>
+              <a:rPr lang="ja-JP" altLang="en-US" dirty="0" smtClean="0">
+                <a:latin typeface="+mn-ea"/>
+              </a:rPr>
+              <a:t>基づく</a:t>
+            </a:r>
+            <a:endParaRPr lang="en-US" altLang="ja-JP" dirty="0" smtClean="0">
+              <a:latin typeface="+mn-ea"/>
+            </a:endParaRPr>
+          </a:p>
           <a:p>
             <a:pPr marL="0" indent="0">
               <a:buNone/>
             </a:pPr>
             <a:r>
-              <a:rPr lang="ja-JP" altLang="en-US" dirty="0"/>
-              <a:t>下記の記事を参考にしつつ、音楽のジャンル分けをするプログラムの</a:t>
-            </a:r>
-            <a:r>
-              <a:rPr lang="ja-JP" altLang="en-US" dirty="0" smtClean="0"/>
-              <a:t>作成したがエラーが出ている</a:t>
-            </a:r>
-            <a:r>
-              <a:rPr lang="ja-JP" altLang="en-US" dirty="0"/>
-              <a:t/>
-            </a:r>
-            <a:br>
-              <a:rPr lang="ja-JP" altLang="en-US" dirty="0"/>
-            </a:br>
+              <a:rPr lang="ja-JP" altLang="en-US" dirty="0" smtClean="0">
+                <a:latin typeface="+mn-ea"/>
+              </a:rPr>
+              <a:t>動画</a:t>
+            </a:r>
             <a:r>
               <a:rPr lang="en-US" altLang="ja-JP" dirty="0">
-                <a:hlinkClick r:id="rId2"/>
+                <a:latin typeface="+mn-ea"/>
               </a:rPr>
-              <a:t>https://</a:t>
-            </a:r>
+              <a:t>BGM</a:t>
+            </a:r>
+            <a:r>
+              <a:rPr lang="ja-JP" altLang="en-US" dirty="0">
+                <a:latin typeface="+mn-ea"/>
+              </a:rPr>
+              <a:t>の自動素材選出」，</a:t>
+            </a:r>
+            <a:r>
+              <a:rPr lang="en-US" altLang="ja-JP" dirty="0">
+                <a:latin typeface="+mn-ea"/>
+              </a:rPr>
+              <a:t> NICOGRAPH 2016</a:t>
+            </a:r>
+          </a:p>
+          <a:p>
+            <a:pPr marL="0" indent="0">
+              <a:buNone/>
+            </a:pPr>
+            <a:endParaRPr lang="en-US" altLang="ja-JP" dirty="0">
+              <a:latin typeface="+mn-ea"/>
+            </a:endParaRPr>
+          </a:p>
+          <a:p>
+            <a:r>
+              <a:rPr lang="ja-JP" altLang="en-US" u="sng" dirty="0" smtClean="0">
+                <a:latin typeface="+mn-ea"/>
+              </a:rPr>
+              <a:t>印象に合わせた音楽のアレンジ</a:t>
+            </a:r>
+            <a:endParaRPr lang="en-US" altLang="ja-JP" u="sng" dirty="0">
+              <a:latin typeface="+mn-ea"/>
+            </a:endParaRPr>
+          </a:p>
+          <a:p>
+            <a:pPr marL="0" indent="0">
+              <a:buNone/>
+            </a:pPr>
             <a:r>
               <a:rPr lang="en-US" altLang="ja-JP" dirty="0" smtClean="0">
-                <a:hlinkClick r:id="rId2"/>
+                <a:latin typeface="+mn-ea"/>
               </a:rPr>
-              <a:t>qiita.com/1plus4/items/e8a102b349b5ae16f97d</a:t>
-            </a:r>
-            <a:endParaRPr lang="en-US" altLang="ja-JP" dirty="0" smtClean="0"/>
+              <a:t>[</a:t>
+            </a:r>
+            <a:r>
+              <a:rPr lang="en-US" altLang="ja-JP" dirty="0">
+                <a:latin typeface="+mn-ea"/>
+              </a:rPr>
+              <a:t>2007 </a:t>
+            </a:r>
+            <a:r>
+              <a:rPr lang="ja-JP" altLang="en-US" dirty="0">
+                <a:latin typeface="+mn-ea"/>
+              </a:rPr>
+              <a:t>大山</a:t>
+            </a:r>
+            <a:r>
+              <a:rPr lang="en-US" altLang="ja-JP" dirty="0">
+                <a:latin typeface="+mn-ea"/>
+              </a:rPr>
+              <a:t>]</a:t>
+            </a:r>
+            <a:r>
+              <a:rPr lang="ja-JP" altLang="en-US" dirty="0">
+                <a:latin typeface="+mn-ea"/>
+              </a:rPr>
+              <a:t>大山喜冴，伊藤貴之</a:t>
+            </a:r>
+            <a:r>
+              <a:rPr lang="ja-JP" altLang="en-US" dirty="0" smtClean="0">
+                <a:latin typeface="+mn-ea"/>
+              </a:rPr>
+              <a:t>，</a:t>
+            </a:r>
+            <a:endParaRPr lang="en-US" altLang="ja-JP" dirty="0">
+              <a:latin typeface="+mn-ea"/>
+            </a:endParaRPr>
+          </a:p>
+          <a:p>
+            <a:pPr marL="0" indent="0">
+              <a:buNone/>
+            </a:pPr>
+            <a:r>
+              <a:rPr lang="ja-JP" altLang="en-US" dirty="0" smtClean="0">
+                <a:latin typeface="+mn-ea"/>
+              </a:rPr>
+              <a:t>「</a:t>
+            </a:r>
+            <a:r>
+              <a:rPr lang="en-US" altLang="ja-JP" dirty="0">
+                <a:latin typeface="+mn-ea"/>
+              </a:rPr>
+              <a:t>DIVA</a:t>
+            </a:r>
+            <a:r>
+              <a:rPr lang="ja-JP" altLang="en-US" dirty="0">
+                <a:latin typeface="+mn-ea"/>
+              </a:rPr>
+              <a:t>：画像の印象に合わせた音楽自動アレンジの一手法の提案」，芸術科学会論文誌，</a:t>
+            </a:r>
+            <a:r>
+              <a:rPr lang="en-US" altLang="ja-JP" dirty="0">
+                <a:latin typeface="+mn-ea"/>
+              </a:rPr>
+              <a:t>2007</a:t>
+            </a:r>
           </a:p>
           <a:p>
             <a:pPr marL="0" indent="0">
@@ -4398,76 +4697,37 @@
             <a:pPr marL="0" indent="0">
               <a:buNone/>
             </a:pPr>
-            <a:r>
-              <a:rPr lang="ja-JP" altLang="en-US" dirty="0" smtClean="0"/>
-              <a:t>・</a:t>
-            </a:r>
-            <a:r>
-              <a:rPr lang="en-US" altLang="ja-JP" dirty="0" err="1" smtClean="0"/>
-              <a:t>raspberrypi</a:t>
-            </a:r>
-            <a:r>
-              <a:rPr lang="ja-JP" altLang="en-US" dirty="0" smtClean="0"/>
-              <a:t>の</a:t>
-            </a:r>
-            <a:r>
-              <a:rPr lang="en-US" altLang="ja-JP" dirty="0" smtClean="0"/>
-              <a:t>1</a:t>
-            </a:r>
-            <a:r>
-              <a:rPr lang="ja-JP" altLang="en-US" dirty="0" smtClean="0"/>
-              <a:t>機に</a:t>
-            </a:r>
-            <a:r>
-              <a:rPr lang="en-US" altLang="ja-JP" dirty="0" err="1" smtClean="0"/>
-              <a:t>nginx</a:t>
-            </a:r>
-            <a:r>
-              <a:rPr lang="ja-JP" altLang="en-US" dirty="0" smtClean="0"/>
-              <a:t>をインストール</a:t>
-            </a:r>
-            <a:endParaRPr lang="en-US" altLang="ja-JP" dirty="0" smtClean="0"/>
-          </a:p>
-          <a:p>
-            <a:pPr marL="0" indent="0">
-              <a:buNone/>
-            </a:pPr>
-            <a:r>
+            <a:endParaRPr kumimoji="1" lang="ja-JP" altLang="en-US" dirty="0"/>
+          </a:p>
+        </p:txBody>
+      </p:sp>
+      <p:sp>
+        <p:nvSpPr>
+          <p:cNvPr id="4" name="スライド番号プレースホルダー 3"/>
+          <p:cNvSpPr>
+            <a:spLocks noGrp="1"/>
+          </p:cNvSpPr>
+          <p:nvPr>
+            <p:ph type="sldNum" sz="quarter" idx="12"/>
+          </p:nvPr>
+        </p:nvSpPr>
+        <p:spPr/>
+        <p:txBody>
+          <a:bodyPr/>
+          <a:lstStyle/>
+          <a:p>
+            <a:fld id="{B4451160-128F-4DAD-AE29-4A8CC0E7B9E9}" type="slidenum">
               <a:rPr kumimoji="1" lang="ja-JP" altLang="en-US" smtClean="0"/>
-              <a:t>（水曜日の実習）</a:t>
-            </a:r>
-            <a:endParaRPr kumimoji="1" lang="ja-JP" altLang="en-US" dirty="0"/>
-          </a:p>
-        </p:txBody>
-      </p:sp>
-      <p:sp>
-        <p:nvSpPr>
-          <p:cNvPr id="4" name="スライド番号プレースホルダー 3"/>
-          <p:cNvSpPr>
-            <a:spLocks noGrp="1"/>
-          </p:cNvSpPr>
-          <p:nvPr>
-            <p:ph type="sldNum" sz="quarter" idx="12"/>
-          </p:nvPr>
-        </p:nvSpPr>
-        <p:spPr/>
-        <p:txBody>
-          <a:bodyPr/>
-          <a:lstStyle/>
-          <a:p>
-            <a:fld id="{B4451160-128F-4DAD-AE29-4A8CC0E7B9E9}" type="slidenum">
-              <a:rPr lang="ja-JP" altLang="en-US" smtClean="0"/>
-              <a:pPr/>
               <a:t>2</a:t>
             </a:fld>
-            <a:endParaRPr lang="ja-JP" altLang="en-US" dirty="0"/>
+            <a:endParaRPr kumimoji="1" lang="ja-JP" altLang="en-US"/>
           </a:p>
         </p:txBody>
       </p:sp>
     </p:spTree>
     <p:extLst>
       <p:ext uri="{BB962C8B-B14F-4D97-AF65-F5344CB8AC3E}">
-        <p14:creationId xmlns:p14="http://schemas.microsoft.com/office/powerpoint/2010/main" val="2020481824"/>
+        <p14:creationId xmlns:p14="http://schemas.microsoft.com/office/powerpoint/2010/main" val="3769541672"/>
       </p:ext>
     </p:extLst>
   </p:cSld>
@@ -4510,638 +4770,6 @@
           <a:lstStyle/>
           <a:p>
             <a:r>
-              <a:rPr kumimoji="1" lang="ja-JP" altLang="en-US" dirty="0" smtClean="0"/>
-              <a:t>ジャンル分けシステム</a:t>
-            </a:r>
-            <a:endParaRPr kumimoji="1" lang="ja-JP" altLang="en-US" dirty="0"/>
-          </a:p>
-        </p:txBody>
-      </p:sp>
-      <p:sp>
-        <p:nvSpPr>
-          <p:cNvPr id="3" name="コンテンツ プレースホルダー 2"/>
-          <p:cNvSpPr>
-            <a:spLocks noGrp="1"/>
-          </p:cNvSpPr>
-          <p:nvPr>
-            <p:ph idx="1"/>
-          </p:nvPr>
-        </p:nvSpPr>
-        <p:spPr/>
-        <p:txBody>
-          <a:bodyPr/>
-          <a:lstStyle/>
-          <a:p>
-            <a:pPr marL="0" indent="0">
-              <a:buNone/>
-            </a:pPr>
-            <a:r>
-              <a:rPr kumimoji="1" lang="ja-JP" altLang="en-US" dirty="0" smtClean="0"/>
-              <a:t>・今回作成したジャンル分けシステムはサンプルにならって</a:t>
-            </a:r>
-            <a:r>
-              <a:rPr kumimoji="1" lang="en-US" altLang="ja-JP" dirty="0" smtClean="0"/>
-              <a:t>Folk</a:t>
-            </a:r>
-            <a:r>
-              <a:rPr kumimoji="1" lang="ja-JP" altLang="en-US" dirty="0" smtClean="0"/>
-              <a:t>と</a:t>
-            </a:r>
-            <a:r>
-              <a:rPr kumimoji="1" lang="en-US" altLang="ja-JP" dirty="0" smtClean="0"/>
-              <a:t>Electronic</a:t>
-            </a:r>
-            <a:r>
-              <a:rPr kumimoji="1" lang="ja-JP" altLang="en-US" dirty="0" err="1" smtClean="0"/>
-              <a:t>のに</a:t>
-            </a:r>
-            <a:r>
-              <a:rPr kumimoji="1" lang="ja-JP" altLang="en-US" dirty="0" smtClean="0"/>
-              <a:t>ジャンルで分類できるかを実験しようと思っている。いずれは８つに分けれるようにするつもりである。</a:t>
-            </a:r>
-            <a:endParaRPr kumimoji="1" lang="en-US" altLang="ja-JP" dirty="0" smtClean="0"/>
-          </a:p>
-          <a:p>
-            <a:pPr marL="0" indent="0">
-              <a:buNone/>
-            </a:pPr>
-            <a:endParaRPr lang="en-US" altLang="ja-JP" dirty="0"/>
-          </a:p>
-          <a:p>
-            <a:pPr marL="0" indent="0">
-              <a:buNone/>
-            </a:pPr>
-            <a:r>
-              <a:rPr kumimoji="1" lang="ja-JP" altLang="en-US" dirty="0" smtClean="0"/>
-              <a:t>作成したプログラムに</a:t>
-            </a:r>
-            <a:endParaRPr kumimoji="1" lang="en-US" altLang="ja-JP" dirty="0" smtClean="0"/>
-          </a:p>
-          <a:p>
-            <a:pPr marL="0" indent="0">
-              <a:buNone/>
-            </a:pPr>
-            <a:r>
-              <a:rPr lang="en-US" altLang="ja-JP" dirty="0" smtClean="0"/>
-              <a:t>Permission error no13 </a:t>
-            </a:r>
-            <a:r>
-              <a:rPr lang="ja-JP" altLang="en-US" dirty="0" smtClean="0"/>
-              <a:t>が出てしまい治すのに試行錯誤している。</a:t>
-            </a:r>
-            <a:endParaRPr kumimoji="1" lang="ja-JP" altLang="en-US" dirty="0"/>
-          </a:p>
-        </p:txBody>
-      </p:sp>
-      <p:sp>
-        <p:nvSpPr>
-          <p:cNvPr id="4" name="スライド番号プレースホルダー 3"/>
-          <p:cNvSpPr>
-            <a:spLocks noGrp="1"/>
-          </p:cNvSpPr>
-          <p:nvPr>
-            <p:ph type="sldNum" sz="quarter" idx="12"/>
-          </p:nvPr>
-        </p:nvSpPr>
-        <p:spPr/>
-        <p:txBody>
-          <a:bodyPr/>
-          <a:lstStyle/>
-          <a:p>
-            <a:fld id="{B4451160-128F-4DAD-AE29-4A8CC0E7B9E9}" type="slidenum">
-              <a:rPr lang="ja-JP" altLang="en-US" smtClean="0"/>
-              <a:pPr/>
-              <a:t>3</a:t>
-            </a:fld>
-            <a:endParaRPr lang="ja-JP" altLang="en-US" dirty="0"/>
-          </a:p>
-        </p:txBody>
-      </p:sp>
-    </p:spTree>
-    <p:extLst>
-      <p:ext uri="{BB962C8B-B14F-4D97-AF65-F5344CB8AC3E}">
-        <p14:creationId xmlns:p14="http://schemas.microsoft.com/office/powerpoint/2010/main" val="2438329161"/>
-      </p:ext>
-    </p:extLst>
-  </p:cSld>
-  <p:clrMapOvr>
-    <a:masterClrMapping/>
-  </p:clrMapOvr>
-</p:sld>
-</file>
-
-<file path=ppt/slides/slide4.xml><?xml version="1.0" encoding="utf-8"?>
-<p:sld xmlns:a="http://schemas.openxmlformats.org/drawingml/2006/main" xmlns:r="http://schemas.openxmlformats.org/officeDocument/2006/relationships" xmlns:p="http://schemas.openxmlformats.org/presentationml/2006/main">
-  <p:cSld>
-    <p:spTree>
-      <p:nvGrpSpPr>
-        <p:cNvPr id="1" name=""/>
-        <p:cNvGrpSpPr/>
-        <p:nvPr/>
-      </p:nvGrpSpPr>
-      <p:grpSpPr>
-        <a:xfrm>
-          <a:off x="0" y="0"/>
-          <a:ext cx="0" cy="0"/>
-          <a:chOff x="0" y="0"/>
-          <a:chExt cx="0" cy="0"/>
-        </a:xfrm>
-      </p:grpSpPr>
-      <p:sp>
-        <p:nvSpPr>
-          <p:cNvPr id="2" name="タイトル 1"/>
-          <p:cNvSpPr>
-            <a:spLocks noGrp="1"/>
-          </p:cNvSpPr>
-          <p:nvPr>
-            <p:ph type="title"/>
-          </p:nvPr>
-        </p:nvSpPr>
-        <p:spPr/>
-        <p:txBody>
-          <a:bodyPr/>
-          <a:lstStyle/>
-          <a:p>
-            <a:r>
-              <a:rPr kumimoji="1" lang="ja-JP" altLang="en-US" dirty="0"/>
-              <a:t>関連研究</a:t>
-            </a:r>
-          </a:p>
-        </p:txBody>
-      </p:sp>
-      <p:sp>
-        <p:nvSpPr>
-          <p:cNvPr id="3" name="コンテンツ プレースホルダー 2"/>
-          <p:cNvSpPr>
-            <a:spLocks noGrp="1"/>
-          </p:cNvSpPr>
-          <p:nvPr>
-            <p:ph idx="1"/>
-          </p:nvPr>
-        </p:nvSpPr>
-        <p:spPr>
-          <a:xfrm>
-            <a:off x="628650" y="1399430"/>
-            <a:ext cx="7886700" cy="5128591"/>
-          </a:xfrm>
-        </p:spPr>
-        <p:txBody>
-          <a:bodyPr>
-            <a:normAutofit fontScale="85000" lnSpcReduction="20000"/>
-          </a:bodyPr>
-          <a:lstStyle/>
-          <a:p>
-            <a:r>
-              <a:rPr lang="ja-JP" altLang="en-US" u="sng" dirty="0">
-                <a:latin typeface="+mn-ea"/>
-              </a:rPr>
-              <a:t>動画の</a:t>
-            </a:r>
-            <a:r>
-              <a:rPr lang="ja-JP" altLang="en-US" u="sng" dirty="0" smtClean="0">
-                <a:latin typeface="+mn-ea"/>
-              </a:rPr>
-              <a:t>印象評価データセット</a:t>
-            </a:r>
-            <a:endParaRPr lang="en-US" altLang="ja-JP" u="sng" dirty="0">
-              <a:latin typeface="+mn-ea"/>
-            </a:endParaRPr>
-          </a:p>
-          <a:p>
-            <a:pPr marL="0" indent="0">
-              <a:buNone/>
-            </a:pPr>
-            <a:r>
-              <a:rPr lang="en-US" altLang="ja-JP" dirty="0" smtClean="0">
-                <a:latin typeface="+mn-ea"/>
-              </a:rPr>
-              <a:t>[</a:t>
-            </a:r>
-            <a:r>
-              <a:rPr lang="en-US" altLang="ja-JP" dirty="0">
-                <a:latin typeface="+mn-ea"/>
-              </a:rPr>
-              <a:t>2015 </a:t>
-            </a:r>
-            <a:r>
-              <a:rPr lang="ja-JP" altLang="en-US" dirty="0">
-                <a:latin typeface="+mn-ea"/>
-              </a:rPr>
-              <a:t>大野</a:t>
-            </a:r>
-            <a:r>
-              <a:rPr lang="en-US" altLang="ja-JP" dirty="0">
-                <a:latin typeface="+mn-ea"/>
-              </a:rPr>
-              <a:t>]</a:t>
-            </a:r>
-            <a:r>
-              <a:rPr lang="ja-JP" altLang="en-US" dirty="0">
-                <a:latin typeface="+mn-ea"/>
-              </a:rPr>
-              <a:t>大野直樹，中村聡史，山本岳洋</a:t>
-            </a:r>
-            <a:r>
-              <a:rPr lang="ja-JP" altLang="en-US" dirty="0" smtClean="0">
-                <a:latin typeface="+mn-ea"/>
-              </a:rPr>
-              <a:t>，後藤</a:t>
-            </a:r>
-            <a:r>
-              <a:rPr lang="ja-JP" altLang="en-US" dirty="0">
-                <a:latin typeface="+mn-ea"/>
-              </a:rPr>
-              <a:t>真孝</a:t>
-            </a:r>
-            <a:r>
-              <a:rPr lang="ja-JP" altLang="en-US" dirty="0" smtClean="0">
-                <a:latin typeface="+mn-ea"/>
-              </a:rPr>
-              <a:t>，</a:t>
-            </a:r>
-            <a:endParaRPr lang="en-US" altLang="ja-JP" dirty="0" smtClean="0">
-              <a:latin typeface="+mn-ea"/>
-            </a:endParaRPr>
-          </a:p>
-          <a:p>
-            <a:pPr marL="0" indent="0">
-              <a:buNone/>
-            </a:pPr>
-            <a:r>
-              <a:rPr kumimoji="1" lang="ja-JP" altLang="en-US" dirty="0" smtClean="0">
-                <a:latin typeface="+mn-ea"/>
-              </a:rPr>
-              <a:t>「</a:t>
-            </a:r>
-            <a:r>
-              <a:rPr kumimoji="1" lang="ja-JP" altLang="en-US" dirty="0">
-                <a:latin typeface="+mn-ea"/>
-              </a:rPr>
-              <a:t>音楽動画への印象評価データセット構築とその特性の</a:t>
-            </a:r>
-            <a:r>
-              <a:rPr kumimoji="1" lang="ja-JP" altLang="en-US" dirty="0" smtClean="0">
-                <a:latin typeface="+mn-ea"/>
-              </a:rPr>
-              <a:t>調査</a:t>
-            </a:r>
-            <a:r>
-              <a:rPr kumimoji="1" lang="ja-JP" altLang="en-US" dirty="0">
-                <a:latin typeface="+mn-ea"/>
-              </a:rPr>
-              <a:t>」</a:t>
-            </a:r>
-            <a:r>
-              <a:rPr lang="ja-JP" altLang="en-US" dirty="0">
-                <a:latin typeface="+mn-ea"/>
-              </a:rPr>
-              <a:t>，情報処理学会，</a:t>
-            </a:r>
-            <a:r>
-              <a:rPr lang="en-US" altLang="ja-JP" dirty="0">
-                <a:latin typeface="+mn-ea"/>
-              </a:rPr>
-              <a:t>2015</a:t>
-            </a:r>
-            <a:endParaRPr kumimoji="1" lang="en-US" altLang="ja-JP" dirty="0">
-              <a:latin typeface="+mn-ea"/>
-            </a:endParaRPr>
-          </a:p>
-          <a:p>
-            <a:pPr marL="0" indent="0">
-              <a:buNone/>
-            </a:pPr>
-            <a:endParaRPr kumimoji="1" lang="en-US" altLang="ja-JP" dirty="0">
-              <a:latin typeface="+mn-ea"/>
-            </a:endParaRPr>
-          </a:p>
-          <a:p>
-            <a:r>
-              <a:rPr lang="ja-JP" altLang="en-US" u="sng" dirty="0" smtClean="0">
-                <a:latin typeface="+mn-ea"/>
-              </a:rPr>
-              <a:t>動画からの印象推定</a:t>
-            </a:r>
-            <a:endParaRPr lang="en-US" altLang="ja-JP" u="sng" dirty="0">
-              <a:latin typeface="+mn-ea"/>
-            </a:endParaRPr>
-          </a:p>
-          <a:p>
-            <a:pPr marL="0" indent="0">
-              <a:buNone/>
-            </a:pPr>
-            <a:r>
-              <a:rPr lang="en-US" altLang="ja-JP" dirty="0" smtClean="0">
-                <a:latin typeface="+mn-ea"/>
-              </a:rPr>
-              <a:t>[</a:t>
-            </a:r>
-            <a:r>
-              <a:rPr lang="en-US" altLang="ja-JP" dirty="0">
-                <a:latin typeface="+mn-ea"/>
-              </a:rPr>
-              <a:t>2016 </a:t>
-            </a:r>
-            <a:r>
-              <a:rPr lang="ja-JP" altLang="en-US" dirty="0">
-                <a:latin typeface="+mn-ea"/>
-              </a:rPr>
-              <a:t>清水</a:t>
-            </a:r>
-            <a:r>
-              <a:rPr lang="en-US" altLang="ja-JP" dirty="0">
-                <a:latin typeface="+mn-ea"/>
-              </a:rPr>
-              <a:t>]</a:t>
-            </a:r>
-            <a:r>
-              <a:rPr lang="ja-JP" altLang="en-US" dirty="0">
-                <a:latin typeface="+mn-ea"/>
-              </a:rPr>
-              <a:t>清水</a:t>
-            </a:r>
-            <a:r>
-              <a:rPr lang="ja-JP" altLang="en-US" dirty="0"/>
-              <a:t>柚里奈</a:t>
-            </a:r>
-            <a:r>
-              <a:rPr lang="ja-JP" altLang="en-US" dirty="0">
-                <a:latin typeface="+mn-ea"/>
-              </a:rPr>
-              <a:t>，菅野</a:t>
-            </a:r>
-            <a:r>
-              <a:rPr lang="ja-JP" altLang="en-US" dirty="0"/>
-              <a:t>沙也</a:t>
-            </a:r>
-            <a:r>
-              <a:rPr lang="ja-JP" altLang="en-US" dirty="0">
-                <a:latin typeface="+mn-ea"/>
-              </a:rPr>
-              <a:t>，伊藤</a:t>
-            </a:r>
-            <a:r>
-              <a:rPr lang="ja-JP" altLang="en-US" dirty="0"/>
-              <a:t>貴之</a:t>
-            </a:r>
-            <a:r>
-              <a:rPr lang="en-US" altLang="ja-JP" dirty="0"/>
-              <a:t> </a:t>
-            </a:r>
-            <a:r>
-              <a:rPr lang="ja-JP" altLang="en-US" dirty="0" err="1">
-                <a:latin typeface="+mn-ea"/>
-              </a:rPr>
-              <a:t>，</a:t>
-            </a:r>
-            <a:r>
-              <a:rPr lang="ja-JP" altLang="en-US" dirty="0" smtClean="0">
-                <a:latin typeface="+mn-ea"/>
-              </a:rPr>
-              <a:t>嵯峨山</a:t>
-            </a:r>
-            <a:endParaRPr lang="en-US" altLang="ja-JP" dirty="0" smtClean="0">
-              <a:latin typeface="+mn-ea"/>
-            </a:endParaRPr>
-          </a:p>
-          <a:p>
-            <a:pPr marL="0" indent="0">
-              <a:buNone/>
-            </a:pPr>
-            <a:r>
-              <a:rPr lang="ja-JP" altLang="en-US" dirty="0" smtClean="0"/>
-              <a:t>茂樹</a:t>
-            </a:r>
-            <a:r>
-              <a:rPr lang="ja-JP" altLang="en-US" dirty="0">
-                <a:latin typeface="+mn-ea"/>
-              </a:rPr>
-              <a:t>，高塚</a:t>
-            </a:r>
-            <a:r>
-              <a:rPr lang="ja-JP" altLang="en-US" dirty="0"/>
-              <a:t>正浩</a:t>
-            </a:r>
-            <a:r>
-              <a:rPr lang="ja-JP" altLang="en-US" dirty="0">
-                <a:latin typeface="+mn-ea"/>
-              </a:rPr>
-              <a:t>，「動画特徴量からの印象推定に</a:t>
-            </a:r>
-            <a:r>
-              <a:rPr lang="ja-JP" altLang="en-US" dirty="0" smtClean="0">
-                <a:latin typeface="+mn-ea"/>
-              </a:rPr>
-              <a:t>基づく</a:t>
-            </a:r>
-            <a:endParaRPr lang="en-US" altLang="ja-JP" dirty="0" smtClean="0">
-              <a:latin typeface="+mn-ea"/>
-            </a:endParaRPr>
-          </a:p>
-          <a:p>
-            <a:pPr marL="0" indent="0">
-              <a:buNone/>
-            </a:pPr>
-            <a:r>
-              <a:rPr lang="ja-JP" altLang="en-US" dirty="0" smtClean="0">
-                <a:latin typeface="+mn-ea"/>
-              </a:rPr>
-              <a:t>動画</a:t>
-            </a:r>
-            <a:r>
-              <a:rPr lang="en-US" altLang="ja-JP" dirty="0">
-                <a:latin typeface="+mn-ea"/>
-              </a:rPr>
-              <a:t>BGM</a:t>
-            </a:r>
-            <a:r>
-              <a:rPr lang="ja-JP" altLang="en-US" dirty="0">
-                <a:latin typeface="+mn-ea"/>
-              </a:rPr>
-              <a:t>の自動素材選出」，</a:t>
-            </a:r>
-            <a:r>
-              <a:rPr lang="en-US" altLang="ja-JP" dirty="0">
-                <a:latin typeface="+mn-ea"/>
-              </a:rPr>
-              <a:t> NICOGRAPH 2016</a:t>
-            </a:r>
-          </a:p>
-          <a:p>
-            <a:pPr marL="0" indent="0">
-              <a:buNone/>
-            </a:pPr>
-            <a:endParaRPr lang="en-US" altLang="ja-JP" dirty="0">
-              <a:latin typeface="+mn-ea"/>
-            </a:endParaRPr>
-          </a:p>
-          <a:p>
-            <a:r>
-              <a:rPr lang="ja-JP" altLang="en-US" u="sng" dirty="0" smtClean="0">
-                <a:latin typeface="+mn-ea"/>
-              </a:rPr>
-              <a:t>印象に合わせた音楽のアレンジ</a:t>
-            </a:r>
-            <a:endParaRPr lang="en-US" altLang="ja-JP" u="sng" dirty="0">
-              <a:latin typeface="+mn-ea"/>
-            </a:endParaRPr>
-          </a:p>
-          <a:p>
-            <a:pPr marL="0" indent="0">
-              <a:buNone/>
-            </a:pPr>
-            <a:r>
-              <a:rPr lang="en-US" altLang="ja-JP" dirty="0" smtClean="0">
-                <a:latin typeface="+mn-ea"/>
-              </a:rPr>
-              <a:t>[</a:t>
-            </a:r>
-            <a:r>
-              <a:rPr lang="en-US" altLang="ja-JP" dirty="0">
-                <a:latin typeface="+mn-ea"/>
-              </a:rPr>
-              <a:t>2007 </a:t>
-            </a:r>
-            <a:r>
-              <a:rPr lang="ja-JP" altLang="en-US" dirty="0">
-                <a:latin typeface="+mn-ea"/>
-              </a:rPr>
-              <a:t>大山</a:t>
-            </a:r>
-            <a:r>
-              <a:rPr lang="en-US" altLang="ja-JP" dirty="0">
-                <a:latin typeface="+mn-ea"/>
-              </a:rPr>
-              <a:t>]</a:t>
-            </a:r>
-            <a:r>
-              <a:rPr lang="ja-JP" altLang="en-US" dirty="0">
-                <a:latin typeface="+mn-ea"/>
-              </a:rPr>
-              <a:t>大山喜冴，伊藤貴之</a:t>
-            </a:r>
-            <a:r>
-              <a:rPr lang="ja-JP" altLang="en-US" dirty="0" smtClean="0">
-                <a:latin typeface="+mn-ea"/>
-              </a:rPr>
-              <a:t>，</a:t>
-            </a:r>
-            <a:endParaRPr lang="en-US" altLang="ja-JP" dirty="0">
-              <a:latin typeface="+mn-ea"/>
-            </a:endParaRPr>
-          </a:p>
-          <a:p>
-            <a:pPr marL="0" indent="0">
-              <a:buNone/>
-            </a:pPr>
-            <a:r>
-              <a:rPr lang="ja-JP" altLang="en-US" dirty="0" smtClean="0">
-                <a:latin typeface="+mn-ea"/>
-              </a:rPr>
-              <a:t>「</a:t>
-            </a:r>
-            <a:r>
-              <a:rPr lang="en-US" altLang="ja-JP" dirty="0">
-                <a:latin typeface="+mn-ea"/>
-              </a:rPr>
-              <a:t>DIVA</a:t>
-            </a:r>
-            <a:r>
-              <a:rPr lang="ja-JP" altLang="en-US" dirty="0">
-                <a:latin typeface="+mn-ea"/>
-              </a:rPr>
-              <a:t>：画像の印象に合わせた音楽自動アレンジの一手法の提案」，芸術科学会論文誌，</a:t>
-            </a:r>
-            <a:r>
-              <a:rPr lang="en-US" altLang="ja-JP" dirty="0">
-                <a:latin typeface="+mn-ea"/>
-              </a:rPr>
-              <a:t>2007</a:t>
-            </a:r>
-          </a:p>
-          <a:p>
-            <a:pPr marL="0" indent="0">
-              <a:buNone/>
-            </a:pPr>
-            <a:endParaRPr kumimoji="1" lang="en-US" altLang="ja-JP" dirty="0"/>
-          </a:p>
-          <a:p>
-            <a:pPr marL="0" indent="0">
-              <a:buNone/>
-            </a:pPr>
-            <a:endParaRPr kumimoji="1" lang="ja-JP" altLang="en-US" dirty="0"/>
-          </a:p>
-        </p:txBody>
-      </p:sp>
-      <p:sp>
-        <p:nvSpPr>
-          <p:cNvPr id="4" name="スライド番号プレースホルダー 3"/>
-          <p:cNvSpPr>
-            <a:spLocks noGrp="1"/>
-          </p:cNvSpPr>
-          <p:nvPr>
-            <p:ph type="sldNum" sz="quarter" idx="12"/>
-          </p:nvPr>
-        </p:nvSpPr>
-        <p:spPr/>
-        <p:txBody>
-          <a:bodyPr/>
-          <a:lstStyle/>
-          <a:p>
-            <a:fld id="{B4451160-128F-4DAD-AE29-4A8CC0E7B9E9}" type="slidenum">
-              <a:rPr kumimoji="1" lang="ja-JP" altLang="en-US" smtClean="0"/>
-              <a:t>4</a:t>
-            </a:fld>
-            <a:endParaRPr kumimoji="1" lang="ja-JP" altLang="en-US"/>
-          </a:p>
-        </p:txBody>
-      </p:sp>
-    </p:spTree>
-    <p:extLst>
-      <p:ext uri="{BB962C8B-B14F-4D97-AF65-F5344CB8AC3E}">
-        <p14:creationId xmlns:p14="http://schemas.microsoft.com/office/powerpoint/2010/main" val="3769541672"/>
-      </p:ext>
-    </p:extLst>
-  </p:cSld>
-  <p:clrMapOvr>
-    <a:masterClrMapping/>
-  </p:clrMapOvr>
-</p:sld>
-</file>
-
-<file path=ppt/slides/slide5.xml><?xml version="1.0" encoding="utf-8"?>
-<p:sld xmlns:a="http://schemas.openxmlformats.org/drawingml/2006/main" xmlns:r="http://schemas.openxmlformats.org/officeDocument/2006/relationships" xmlns:p="http://schemas.openxmlformats.org/presentationml/2006/main">
-  <p:cSld>
-    <p:spTree>
-      <p:nvGrpSpPr>
-        <p:cNvPr id="1" name=""/>
-        <p:cNvGrpSpPr/>
-        <p:nvPr/>
-      </p:nvGrpSpPr>
-      <p:grpSpPr>
-        <a:xfrm>
-          <a:off x="0" y="0"/>
-          <a:ext cx="0" cy="0"/>
-          <a:chOff x="0" y="0"/>
-          <a:chExt cx="0" cy="0"/>
-        </a:xfrm>
-      </p:grpSpPr>
-      <p:sp>
-        <p:nvSpPr>
-          <p:cNvPr id="2" name="タイトル 1"/>
-          <p:cNvSpPr>
-            <a:spLocks noGrp="1"/>
-          </p:cNvSpPr>
-          <p:nvPr>
-            <p:ph type="title"/>
-          </p:nvPr>
-        </p:nvSpPr>
-        <p:spPr/>
-        <p:txBody>
-          <a:bodyPr/>
-          <a:lstStyle/>
-          <a:p>
-            <a:r>
               <a:rPr kumimoji="1" lang="ja-JP" altLang="en-US" dirty="0"/>
               <a:t>研究課題</a:t>
             </a:r>
@@ -5186,7 +4814,23 @@
             </a:r>
             <a:r>
               <a:rPr lang="ja-JP" altLang="en-US" dirty="0"/>
-              <a:t>台のサーバーで処理すると応答時間にも限界が生じるため，並列で処理する仕組みが必要である．</a:t>
+              <a:t>台のサーバーで処理する</a:t>
+            </a:r>
+            <a:r>
+              <a:rPr lang="ja-JP" altLang="en-US" dirty="0" smtClean="0"/>
+              <a:t>と</a:t>
+            </a:r>
+            <a:r>
+              <a:rPr lang="ja-JP" altLang="en-US" dirty="0"/>
+              <a:t>処理</a:t>
+            </a:r>
+            <a:r>
+              <a:rPr lang="ja-JP" altLang="en-US" dirty="0" smtClean="0"/>
+              <a:t>時間</a:t>
+            </a:r>
+            <a:r>
+              <a:rPr lang="ja-JP" altLang="en-US" dirty="0"/>
+              <a:t>にも限界が生じるため，並列で処理する仕組みが必要である．</a:t>
             </a:r>
             <a:endParaRPr lang="en-US" altLang="ja-JP" dirty="0"/>
           </a:p>
@@ -5222,7 +4866,7 @@
           <a:p>
             <a:fld id="{B4451160-128F-4DAD-AE29-4A8CC0E7B9E9}" type="slidenum">
               <a:rPr kumimoji="1" lang="ja-JP" altLang="en-US" smtClean="0"/>
-              <a:t>5</a:t>
+              <a:t>3</a:t>
             </a:fld>
             <a:endParaRPr kumimoji="1" lang="ja-JP" altLang="en-US"/>
           </a:p>
@@ -5811,6 +5455,1009 @@
 </p:sld>
 </file>
 
+<file path=ppt/slides/slide4.xml><?xml version="1.0" encoding="utf-8"?>
+<p:sld xmlns:a="http://schemas.openxmlformats.org/drawingml/2006/main" xmlns:r="http://schemas.openxmlformats.org/officeDocument/2006/relationships" xmlns:p="http://schemas.openxmlformats.org/presentationml/2006/main">
+  <p:cSld>
+    <p:spTree>
+      <p:nvGrpSpPr>
+        <p:cNvPr id="1" name=""/>
+        <p:cNvGrpSpPr/>
+        <p:nvPr/>
+      </p:nvGrpSpPr>
+      <p:grpSpPr>
+        <a:xfrm>
+          <a:off x="0" y="0"/>
+          <a:ext cx="0" cy="0"/>
+          <a:chOff x="0" y="0"/>
+          <a:chExt cx="0" cy="0"/>
+        </a:xfrm>
+      </p:grpSpPr>
+      <p:sp>
+        <p:nvSpPr>
+          <p:cNvPr id="2" name="タイトル 1"/>
+          <p:cNvSpPr>
+            <a:spLocks noGrp="1"/>
+          </p:cNvSpPr>
+          <p:nvPr>
+            <p:ph type="title"/>
+          </p:nvPr>
+        </p:nvSpPr>
+        <p:spPr/>
+        <p:txBody>
+          <a:bodyPr/>
+          <a:lstStyle/>
+          <a:p>
+            <a:r>
+              <a:rPr kumimoji="1" lang="ja-JP" altLang="en-US" dirty="0"/>
+              <a:t>研究目的</a:t>
+            </a:r>
+          </a:p>
+        </p:txBody>
+      </p:sp>
+      <p:sp>
+        <p:nvSpPr>
+          <p:cNvPr id="3" name="コンテンツ プレースホルダー 2"/>
+          <p:cNvSpPr>
+            <a:spLocks noGrp="1"/>
+          </p:cNvSpPr>
+          <p:nvPr>
+            <p:ph idx="1"/>
+          </p:nvPr>
+        </p:nvSpPr>
+        <p:spPr>
+          <a:xfrm>
+            <a:off x="628650" y="1846645"/>
+            <a:ext cx="7886700" cy="4351338"/>
+          </a:xfrm>
+        </p:spPr>
+        <p:txBody>
+          <a:bodyPr/>
+          <a:lstStyle/>
+          <a:p>
+            <a:r>
+              <a:rPr lang="ja-JP" altLang="en-US" sz="2800" dirty="0"/>
+              <a:t>楽曲</a:t>
+            </a:r>
+            <a:r>
+              <a:rPr lang="en-US" altLang="ja-JP" sz="2800" dirty="0"/>
+              <a:t>SNS</a:t>
+            </a:r>
+            <a:r>
+              <a:rPr lang="ja-JP" altLang="en-US" sz="2800" dirty="0"/>
+              <a:t>における楽曲コンテンツと動画コンテンツの並列マッチング処理システムの</a:t>
+            </a:r>
+            <a:r>
+              <a:rPr lang="ja-JP" altLang="en-US" dirty="0"/>
+              <a:t>提案</a:t>
+            </a:r>
+            <a:endParaRPr kumimoji="1" lang="en-US" altLang="ja-JP" dirty="0"/>
+          </a:p>
+          <a:p>
+            <a:pPr marL="0" indent="0">
+              <a:buNone/>
+            </a:pPr>
+            <a:endParaRPr lang="en-US" altLang="ja-JP" dirty="0"/>
+          </a:p>
+          <a:p>
+            <a:r>
+              <a:rPr kumimoji="1" lang="ja-JP" altLang="en-US" dirty="0"/>
+              <a:t>実験システムの</a:t>
+            </a:r>
+            <a:r>
+              <a:rPr lang="ja-JP" altLang="en-US" dirty="0"/>
+              <a:t>構築</a:t>
+            </a:r>
+            <a:endParaRPr kumimoji="1" lang="en-US" altLang="ja-JP" dirty="0"/>
+          </a:p>
+          <a:p>
+            <a:pPr marL="0" indent="0">
+              <a:buNone/>
+            </a:pPr>
+            <a:endParaRPr kumimoji="1" lang="en-US" altLang="ja-JP" dirty="0"/>
+          </a:p>
+          <a:p>
+            <a:r>
+              <a:rPr lang="ja-JP" altLang="en-US" dirty="0"/>
+              <a:t>実験による，提案システムの実現可能性の評価</a:t>
+            </a:r>
+            <a:endParaRPr kumimoji="1" lang="ja-JP" altLang="en-US" dirty="0"/>
+          </a:p>
+        </p:txBody>
+      </p:sp>
+      <p:sp>
+        <p:nvSpPr>
+          <p:cNvPr id="4" name="スライド番号プレースホルダー 3"/>
+          <p:cNvSpPr>
+            <a:spLocks noGrp="1"/>
+          </p:cNvSpPr>
+          <p:nvPr>
+            <p:ph type="sldNum" sz="quarter" idx="12"/>
+          </p:nvPr>
+        </p:nvSpPr>
+        <p:spPr/>
+        <p:txBody>
+          <a:bodyPr/>
+          <a:lstStyle/>
+          <a:p>
+            <a:fld id="{B4451160-128F-4DAD-AE29-4A8CC0E7B9E9}" type="slidenum">
+              <a:rPr kumimoji="1" lang="ja-JP" altLang="en-US" smtClean="0"/>
+              <a:t>4</a:t>
+            </a:fld>
+            <a:endParaRPr kumimoji="1" lang="ja-JP" altLang="en-US"/>
+          </a:p>
+        </p:txBody>
+      </p:sp>
+    </p:spTree>
+    <p:extLst>
+      <p:ext uri="{BB962C8B-B14F-4D97-AF65-F5344CB8AC3E}">
+        <p14:creationId xmlns:p14="http://schemas.microsoft.com/office/powerpoint/2010/main" val="114472190"/>
+      </p:ext>
+    </p:extLst>
+  </p:cSld>
+  <p:clrMapOvr>
+    <a:masterClrMapping/>
+  </p:clrMapOvr>
+</p:sld>
+</file>
+
+<file path=ppt/slides/slide5.xml><?xml version="1.0" encoding="utf-8"?>
+<p:sld xmlns:a="http://schemas.openxmlformats.org/drawingml/2006/main" xmlns:r="http://schemas.openxmlformats.org/officeDocument/2006/relationships" xmlns:p="http://schemas.openxmlformats.org/presentationml/2006/main">
+  <p:cSld>
+    <p:spTree>
+      <p:nvGrpSpPr>
+        <p:cNvPr id="1" name=""/>
+        <p:cNvGrpSpPr/>
+        <p:nvPr/>
+      </p:nvGrpSpPr>
+      <p:grpSpPr>
+        <a:xfrm>
+          <a:off x="0" y="0"/>
+          <a:ext cx="0" cy="0"/>
+          <a:chOff x="0" y="0"/>
+          <a:chExt cx="0" cy="0"/>
+        </a:xfrm>
+      </p:grpSpPr>
+      <p:sp>
+        <p:nvSpPr>
+          <p:cNvPr id="2" name="タイトル 1"/>
+          <p:cNvSpPr>
+            <a:spLocks noGrp="1"/>
+          </p:cNvSpPr>
+          <p:nvPr>
+            <p:ph type="title"/>
+          </p:nvPr>
+        </p:nvSpPr>
+        <p:spPr>
+          <a:xfrm>
+            <a:off x="628650" y="365127"/>
+            <a:ext cx="4910611" cy="891180"/>
+          </a:xfrm>
+        </p:spPr>
+        <p:txBody>
+          <a:bodyPr>
+            <a:normAutofit fontScale="90000"/>
+          </a:bodyPr>
+          <a:lstStyle/>
+          <a:p>
+            <a:r>
+              <a:rPr lang="ja-JP" altLang="en-US" dirty="0"/>
+              <a:t>提案システムの概要</a:t>
+            </a:r>
+            <a:endParaRPr kumimoji="1" lang="ja-JP" altLang="en-US" dirty="0"/>
+          </a:p>
+        </p:txBody>
+      </p:sp>
+      <p:sp>
+        <p:nvSpPr>
+          <p:cNvPr id="3" name="コンテンツ プレースホルダー 2"/>
+          <p:cNvSpPr>
+            <a:spLocks noGrp="1"/>
+          </p:cNvSpPr>
+          <p:nvPr>
+            <p:ph idx="1"/>
+          </p:nvPr>
+        </p:nvSpPr>
+        <p:spPr/>
+        <p:txBody>
+          <a:bodyPr/>
+          <a:lstStyle/>
+          <a:p>
+            <a:pPr marL="0" indent="0">
+              <a:buNone/>
+            </a:pPr>
+            <a:endParaRPr kumimoji="1" lang="en-US" altLang="ja-JP" dirty="0"/>
+          </a:p>
+          <a:p>
+            <a:pPr marL="0" indent="0">
+              <a:buNone/>
+            </a:pPr>
+            <a:endParaRPr lang="en-US" altLang="ja-JP" dirty="0"/>
+          </a:p>
+          <a:p>
+            <a:pPr marL="0" indent="0">
+              <a:buNone/>
+            </a:pPr>
+            <a:endParaRPr kumimoji="1" lang="ja-JP" altLang="en-US" dirty="0"/>
+          </a:p>
+        </p:txBody>
+      </p:sp>
+      <p:sp>
+        <p:nvSpPr>
+          <p:cNvPr id="4" name="スライド番号プレースホルダー 3"/>
+          <p:cNvSpPr>
+            <a:spLocks noGrp="1"/>
+          </p:cNvSpPr>
+          <p:nvPr>
+            <p:ph type="sldNum" sz="quarter" idx="12"/>
+          </p:nvPr>
+        </p:nvSpPr>
+        <p:spPr/>
+        <p:txBody>
+          <a:bodyPr/>
+          <a:lstStyle/>
+          <a:p>
+            <a:fld id="{B4451160-128F-4DAD-AE29-4A8CC0E7B9E9}" type="slidenum">
+              <a:rPr kumimoji="1" lang="ja-JP" altLang="en-US" smtClean="0"/>
+              <a:t>5</a:t>
+            </a:fld>
+            <a:endParaRPr kumimoji="1" lang="ja-JP" altLang="en-US"/>
+          </a:p>
+        </p:txBody>
+      </p:sp>
+      <p:sp>
+        <p:nvSpPr>
+          <p:cNvPr id="6" name="フローチャート: 磁気ディスク 5"/>
+          <p:cNvSpPr/>
+          <p:nvPr/>
+        </p:nvSpPr>
+        <p:spPr>
+          <a:xfrm>
+            <a:off x="1456572" y="1671210"/>
+            <a:ext cx="1518699" cy="811034"/>
+          </a:xfrm>
+          <a:prstGeom prst="flowChartMagneticDisk">
+            <a:avLst/>
+          </a:prstGeom>
+        </p:spPr>
+        <p:style>
+          <a:lnRef idx="2">
+            <a:schemeClr val="accent1">
+              <a:shade val="50000"/>
+            </a:schemeClr>
+          </a:lnRef>
+          <a:fillRef idx="1">
+            <a:schemeClr val="accent1"/>
+          </a:fillRef>
+          <a:effectRef idx="0">
+            <a:schemeClr val="accent1"/>
+          </a:effectRef>
+          <a:fontRef idx="minor">
+            <a:schemeClr val="lt1"/>
+          </a:fontRef>
+        </p:style>
+        <p:txBody>
+          <a:bodyPr rtlCol="0" anchor="ctr"/>
+          <a:lstStyle/>
+          <a:p>
+            <a:pPr algn="ctr"/>
+            <a:r>
+              <a:rPr kumimoji="1" lang="ja-JP" altLang="en-US" dirty="0"/>
+              <a:t>音楽データベース</a:t>
+            </a:r>
+          </a:p>
+        </p:txBody>
+      </p:sp>
+      <p:sp>
+        <p:nvSpPr>
+          <p:cNvPr id="8" name="下矢印 7"/>
+          <p:cNvSpPr/>
+          <p:nvPr/>
+        </p:nvSpPr>
+        <p:spPr>
+          <a:xfrm rot="16200000">
+            <a:off x="611889" y="1523290"/>
+            <a:ext cx="239041" cy="1087591"/>
+          </a:xfrm>
+          <a:prstGeom prst="downArrow">
+            <a:avLst/>
+          </a:prstGeom>
+        </p:spPr>
+        <p:style>
+          <a:lnRef idx="2">
+            <a:schemeClr val="accent1">
+              <a:shade val="50000"/>
+            </a:schemeClr>
+          </a:lnRef>
+          <a:fillRef idx="1">
+            <a:schemeClr val="accent1"/>
+          </a:fillRef>
+          <a:effectRef idx="0">
+            <a:schemeClr val="accent1"/>
+          </a:effectRef>
+          <a:fontRef idx="minor">
+            <a:schemeClr val="lt1"/>
+          </a:fontRef>
+        </p:style>
+        <p:txBody>
+          <a:bodyPr rtlCol="0" anchor="ctr"/>
+          <a:lstStyle/>
+          <a:p>
+            <a:pPr algn="ctr"/>
+            <a:endParaRPr kumimoji="1" lang="ja-JP" altLang="en-US"/>
+          </a:p>
+        </p:txBody>
+      </p:sp>
+      <p:sp>
+        <p:nvSpPr>
+          <p:cNvPr id="9" name="テキスト ボックス 8"/>
+          <p:cNvSpPr txBox="1"/>
+          <p:nvPr/>
+        </p:nvSpPr>
+        <p:spPr>
+          <a:xfrm>
+            <a:off x="25460" y="1331060"/>
+            <a:ext cx="2115048" cy="646331"/>
+          </a:xfrm>
+          <a:prstGeom prst="rect">
+            <a:avLst/>
+          </a:prstGeom>
+          <a:noFill/>
+        </p:spPr>
+        <p:txBody>
+          <a:bodyPr wrap="square" rtlCol="0">
+            <a:spAutoFit/>
+          </a:bodyPr>
+          <a:lstStyle/>
+          <a:p>
+            <a:r>
+              <a:rPr kumimoji="1" lang="ja-JP" altLang="en-US" dirty="0"/>
+              <a:t>投稿された著作権フリーの音楽</a:t>
+            </a:r>
+          </a:p>
+        </p:txBody>
+      </p:sp>
+      <p:sp>
+        <p:nvSpPr>
+          <p:cNvPr id="11" name="フローチャート: 磁気ディスク 10"/>
+          <p:cNvSpPr/>
+          <p:nvPr/>
+        </p:nvSpPr>
+        <p:spPr>
+          <a:xfrm>
+            <a:off x="383146" y="3646758"/>
+            <a:ext cx="2146852" cy="811034"/>
+          </a:xfrm>
+          <a:prstGeom prst="flowChartMagneticDisk">
+            <a:avLst/>
+          </a:prstGeom>
+        </p:spPr>
+        <p:style>
+          <a:lnRef idx="2">
+            <a:schemeClr val="accent1">
+              <a:shade val="50000"/>
+            </a:schemeClr>
+          </a:lnRef>
+          <a:fillRef idx="1">
+            <a:schemeClr val="accent1"/>
+          </a:fillRef>
+          <a:effectRef idx="0">
+            <a:schemeClr val="accent1"/>
+          </a:effectRef>
+          <a:fontRef idx="minor">
+            <a:schemeClr val="lt1"/>
+          </a:fontRef>
+        </p:style>
+        <p:txBody>
+          <a:bodyPr rtlCol="0" anchor="ctr"/>
+          <a:lstStyle/>
+          <a:p>
+            <a:pPr algn="ctr"/>
+            <a:r>
+              <a:rPr lang="ja-JP" altLang="en-US" dirty="0"/>
+              <a:t>観光地推薦動画データベース</a:t>
+            </a:r>
+            <a:endParaRPr kumimoji="1" lang="ja-JP" altLang="en-US" dirty="0"/>
+          </a:p>
+        </p:txBody>
+      </p:sp>
+      <p:sp>
+        <p:nvSpPr>
+          <p:cNvPr id="12" name="下矢印 11"/>
+          <p:cNvSpPr/>
+          <p:nvPr/>
+        </p:nvSpPr>
+        <p:spPr>
+          <a:xfrm rot="16200000">
+            <a:off x="3482217" y="1661743"/>
+            <a:ext cx="178807" cy="829964"/>
+          </a:xfrm>
+          <a:prstGeom prst="downArrow">
+            <a:avLst/>
+          </a:prstGeom>
+        </p:spPr>
+        <p:style>
+          <a:lnRef idx="2">
+            <a:schemeClr val="accent1">
+              <a:shade val="50000"/>
+            </a:schemeClr>
+          </a:lnRef>
+          <a:fillRef idx="1">
+            <a:schemeClr val="accent1"/>
+          </a:fillRef>
+          <a:effectRef idx="0">
+            <a:schemeClr val="accent1"/>
+          </a:effectRef>
+          <a:fontRef idx="minor">
+            <a:schemeClr val="lt1"/>
+          </a:fontRef>
+        </p:style>
+        <p:txBody>
+          <a:bodyPr rtlCol="0" anchor="ctr"/>
+          <a:lstStyle/>
+          <a:p>
+            <a:pPr algn="ctr"/>
+            <a:endParaRPr kumimoji="1" lang="ja-JP" altLang="en-US"/>
+          </a:p>
+        </p:txBody>
+      </p:sp>
+      <p:sp>
+        <p:nvSpPr>
+          <p:cNvPr id="14" name="フローチャート: 磁気ディスク 13"/>
+          <p:cNvSpPr/>
+          <p:nvPr/>
+        </p:nvSpPr>
+        <p:spPr>
+          <a:xfrm>
+            <a:off x="6758857" y="1658722"/>
+            <a:ext cx="2202014" cy="836008"/>
+          </a:xfrm>
+          <a:prstGeom prst="flowChartMagneticDisk">
+            <a:avLst/>
+          </a:prstGeom>
+        </p:spPr>
+        <p:style>
+          <a:lnRef idx="2">
+            <a:schemeClr val="accent1">
+              <a:shade val="50000"/>
+            </a:schemeClr>
+          </a:lnRef>
+          <a:fillRef idx="1">
+            <a:schemeClr val="accent1"/>
+          </a:fillRef>
+          <a:effectRef idx="0">
+            <a:schemeClr val="accent1"/>
+          </a:effectRef>
+          <a:fontRef idx="minor">
+            <a:schemeClr val="lt1"/>
+          </a:fontRef>
+        </p:style>
+        <p:txBody>
+          <a:bodyPr rtlCol="0" anchor="ctr"/>
+          <a:lstStyle/>
+          <a:p>
+            <a:pPr algn="ctr"/>
+            <a:r>
+              <a:rPr kumimoji="1" lang="ja-JP" altLang="en-US" dirty="0"/>
+              <a:t>ジャンル分けされた音楽データベース</a:t>
+            </a:r>
+          </a:p>
+        </p:txBody>
+      </p:sp>
+      <p:sp>
+        <p:nvSpPr>
+          <p:cNvPr id="15" name="右矢印 14"/>
+          <p:cNvSpPr/>
+          <p:nvPr/>
+        </p:nvSpPr>
+        <p:spPr>
+          <a:xfrm>
+            <a:off x="5830850" y="1924981"/>
+            <a:ext cx="779412" cy="241148"/>
+          </a:xfrm>
+          <a:prstGeom prst="rightArrow">
+            <a:avLst/>
+          </a:prstGeom>
+        </p:spPr>
+        <p:style>
+          <a:lnRef idx="2">
+            <a:schemeClr val="accent1">
+              <a:shade val="50000"/>
+            </a:schemeClr>
+          </a:lnRef>
+          <a:fillRef idx="1">
+            <a:schemeClr val="accent1"/>
+          </a:fillRef>
+          <a:effectRef idx="0">
+            <a:schemeClr val="accent1"/>
+          </a:effectRef>
+          <a:fontRef idx="minor">
+            <a:schemeClr val="lt1"/>
+          </a:fontRef>
+        </p:style>
+        <p:txBody>
+          <a:bodyPr rtlCol="0" anchor="ctr"/>
+          <a:lstStyle/>
+          <a:p>
+            <a:pPr algn="ctr"/>
+            <a:endParaRPr kumimoji="1" lang="ja-JP" altLang="en-US"/>
+          </a:p>
+        </p:txBody>
+      </p:sp>
+      <p:sp>
+        <p:nvSpPr>
+          <p:cNvPr id="16" name="テキスト ボックス 15"/>
+          <p:cNvSpPr txBox="1"/>
+          <p:nvPr/>
+        </p:nvSpPr>
+        <p:spPr>
+          <a:xfrm>
+            <a:off x="4792025" y="4583877"/>
+            <a:ext cx="2472607" cy="646331"/>
+          </a:xfrm>
+          <a:prstGeom prst="rect">
+            <a:avLst/>
+          </a:prstGeom>
+          <a:noFill/>
+        </p:spPr>
+        <p:txBody>
+          <a:bodyPr wrap="square" rtlCol="0">
+            <a:spAutoFit/>
+          </a:bodyPr>
+          <a:lstStyle/>
+          <a:p>
+            <a:r>
+              <a:rPr kumimoji="1" lang="ja-JP" altLang="en-US" dirty="0"/>
+              <a:t>観光地の印象と音楽のジャンルでマッチング</a:t>
+            </a:r>
+          </a:p>
+        </p:txBody>
+      </p:sp>
+      <p:sp>
+        <p:nvSpPr>
+          <p:cNvPr id="19" name="フローチャート: 磁気ディスク 18"/>
+          <p:cNvSpPr/>
+          <p:nvPr/>
+        </p:nvSpPr>
+        <p:spPr>
+          <a:xfrm>
+            <a:off x="6758857" y="5480191"/>
+            <a:ext cx="2202014" cy="868438"/>
+          </a:xfrm>
+          <a:prstGeom prst="flowChartMagneticDisk">
+            <a:avLst/>
+          </a:prstGeom>
+        </p:spPr>
+        <p:style>
+          <a:lnRef idx="2">
+            <a:schemeClr val="accent1">
+              <a:shade val="50000"/>
+            </a:schemeClr>
+          </a:lnRef>
+          <a:fillRef idx="1">
+            <a:schemeClr val="accent1"/>
+          </a:fillRef>
+          <a:effectRef idx="0">
+            <a:schemeClr val="accent1"/>
+          </a:effectRef>
+          <a:fontRef idx="minor">
+            <a:schemeClr val="lt1"/>
+          </a:fontRef>
+        </p:style>
+        <p:txBody>
+          <a:bodyPr rtlCol="0" anchor="ctr"/>
+          <a:lstStyle/>
+          <a:p>
+            <a:pPr algn="ctr"/>
+            <a:r>
+              <a:rPr lang="en-US" altLang="ja-JP" dirty="0"/>
+              <a:t>BGM</a:t>
+            </a:r>
+            <a:r>
+              <a:rPr lang="ja-JP" altLang="en-US" dirty="0"/>
+              <a:t>付き観光地推薦動画データベース</a:t>
+            </a:r>
+            <a:endParaRPr kumimoji="1" lang="ja-JP" altLang="en-US" dirty="0"/>
+          </a:p>
+        </p:txBody>
+      </p:sp>
+      <p:sp>
+        <p:nvSpPr>
+          <p:cNvPr id="20" name="縦巻き 19"/>
+          <p:cNvSpPr/>
+          <p:nvPr/>
+        </p:nvSpPr>
+        <p:spPr>
+          <a:xfrm>
+            <a:off x="4009620" y="1469755"/>
+            <a:ext cx="1750990" cy="1213940"/>
+          </a:xfrm>
+          <a:prstGeom prst="verticalScroll">
+            <a:avLst/>
+          </a:prstGeom>
+          <a:solidFill>
+            <a:srgbClr val="00B050"/>
+          </a:solidFill>
+        </p:spPr>
+        <p:style>
+          <a:lnRef idx="2">
+            <a:schemeClr val="accent1">
+              <a:shade val="50000"/>
+            </a:schemeClr>
+          </a:lnRef>
+          <a:fillRef idx="1">
+            <a:schemeClr val="accent1"/>
+          </a:fillRef>
+          <a:effectRef idx="0">
+            <a:schemeClr val="accent1"/>
+          </a:effectRef>
+          <a:fontRef idx="minor">
+            <a:schemeClr val="lt1"/>
+          </a:fontRef>
+        </p:style>
+        <p:txBody>
+          <a:bodyPr rtlCol="0" anchor="ctr"/>
+          <a:lstStyle/>
+          <a:p>
+            <a:pPr algn="ctr"/>
+            <a:r>
+              <a:rPr kumimoji="1" lang="ja-JP" altLang="en-US" dirty="0"/>
+              <a:t>ジャンル</a:t>
+            </a:r>
+            <a:r>
+              <a:rPr lang="ja-JP" altLang="en-US" dirty="0"/>
+              <a:t>分けシステム</a:t>
+            </a:r>
+            <a:endParaRPr kumimoji="1" lang="ja-JP" altLang="en-US" dirty="0"/>
+          </a:p>
+        </p:txBody>
+      </p:sp>
+      <p:sp>
+        <p:nvSpPr>
+          <p:cNvPr id="21" name="縦巻き 20"/>
+          <p:cNvSpPr/>
+          <p:nvPr/>
+        </p:nvSpPr>
+        <p:spPr>
+          <a:xfrm>
+            <a:off x="6610261" y="3337233"/>
+            <a:ext cx="2302904" cy="1213940"/>
+          </a:xfrm>
+          <a:prstGeom prst="verticalScroll">
+            <a:avLst/>
+          </a:prstGeom>
+          <a:solidFill>
+            <a:srgbClr val="00B050"/>
+          </a:solidFill>
+        </p:spPr>
+        <p:style>
+          <a:lnRef idx="2">
+            <a:schemeClr val="accent1">
+              <a:shade val="50000"/>
+            </a:schemeClr>
+          </a:lnRef>
+          <a:fillRef idx="1">
+            <a:schemeClr val="accent1"/>
+          </a:fillRef>
+          <a:effectRef idx="0">
+            <a:schemeClr val="accent1"/>
+          </a:effectRef>
+          <a:fontRef idx="minor">
+            <a:schemeClr val="lt1"/>
+          </a:fontRef>
+        </p:style>
+        <p:txBody>
+          <a:bodyPr rtlCol="0" anchor="ctr"/>
+          <a:lstStyle/>
+          <a:p>
+            <a:pPr algn="ctr"/>
+            <a:r>
+              <a:rPr lang="ja-JP" altLang="en-US" dirty="0"/>
+              <a:t>動画と音楽のマッチングシステム</a:t>
+            </a:r>
+            <a:endParaRPr kumimoji="1" lang="ja-JP" altLang="en-US" dirty="0"/>
+          </a:p>
+        </p:txBody>
+      </p:sp>
+      <p:sp>
+        <p:nvSpPr>
+          <p:cNvPr id="22" name="右矢印 21"/>
+          <p:cNvSpPr/>
+          <p:nvPr/>
+        </p:nvSpPr>
+        <p:spPr>
+          <a:xfrm>
+            <a:off x="2822713" y="3933006"/>
+            <a:ext cx="3635237" cy="238539"/>
+          </a:xfrm>
+          <a:prstGeom prst="rightArrow">
+            <a:avLst/>
+          </a:prstGeom>
+        </p:spPr>
+        <p:style>
+          <a:lnRef idx="2">
+            <a:schemeClr val="accent1">
+              <a:shade val="50000"/>
+            </a:schemeClr>
+          </a:lnRef>
+          <a:fillRef idx="1">
+            <a:schemeClr val="accent1"/>
+          </a:fillRef>
+          <a:effectRef idx="0">
+            <a:schemeClr val="accent1"/>
+          </a:effectRef>
+          <a:fontRef idx="minor">
+            <a:schemeClr val="lt1"/>
+          </a:fontRef>
+        </p:style>
+        <p:txBody>
+          <a:bodyPr rtlCol="0" anchor="ctr"/>
+          <a:lstStyle/>
+          <a:p>
+            <a:pPr algn="ctr"/>
+            <a:endParaRPr kumimoji="1" lang="ja-JP" altLang="en-US"/>
+          </a:p>
+        </p:txBody>
+      </p:sp>
+      <p:sp>
+        <p:nvSpPr>
+          <p:cNvPr id="23" name="下矢印 22"/>
+          <p:cNvSpPr/>
+          <p:nvPr/>
+        </p:nvSpPr>
+        <p:spPr>
+          <a:xfrm>
+            <a:off x="7092564" y="4745546"/>
+            <a:ext cx="1393957" cy="666808"/>
+          </a:xfrm>
+          <a:prstGeom prst="downArrow">
+            <a:avLst/>
+          </a:prstGeom>
+        </p:spPr>
+        <p:style>
+          <a:lnRef idx="2">
+            <a:schemeClr val="accent1">
+              <a:shade val="50000"/>
+            </a:schemeClr>
+          </a:lnRef>
+          <a:fillRef idx="1">
+            <a:schemeClr val="accent1"/>
+          </a:fillRef>
+          <a:effectRef idx="0">
+            <a:schemeClr val="accent1"/>
+          </a:effectRef>
+          <a:fontRef idx="minor">
+            <a:schemeClr val="lt1"/>
+          </a:fontRef>
+        </p:style>
+        <p:txBody>
+          <a:bodyPr rtlCol="0" anchor="ctr"/>
+          <a:lstStyle/>
+          <a:p>
+            <a:pPr algn="ctr"/>
+            <a:endParaRPr kumimoji="1" lang="ja-JP" altLang="en-US"/>
+          </a:p>
+        </p:txBody>
+      </p:sp>
+      <p:sp>
+        <p:nvSpPr>
+          <p:cNvPr id="24" name="下矢印 23"/>
+          <p:cNvSpPr/>
+          <p:nvPr/>
+        </p:nvSpPr>
+        <p:spPr>
+          <a:xfrm>
+            <a:off x="7036905" y="2649145"/>
+            <a:ext cx="1542552" cy="516422"/>
+          </a:xfrm>
+          <a:prstGeom prst="downArrow">
+            <a:avLst/>
+          </a:prstGeom>
+        </p:spPr>
+        <p:style>
+          <a:lnRef idx="2">
+            <a:schemeClr val="accent1">
+              <a:shade val="50000"/>
+            </a:schemeClr>
+          </a:lnRef>
+          <a:fillRef idx="1">
+            <a:schemeClr val="accent1"/>
+          </a:fillRef>
+          <a:effectRef idx="0">
+            <a:schemeClr val="accent1"/>
+          </a:effectRef>
+          <a:fontRef idx="minor">
+            <a:schemeClr val="lt1"/>
+          </a:fontRef>
+        </p:style>
+        <p:txBody>
+          <a:bodyPr rtlCol="0" anchor="ctr"/>
+          <a:lstStyle/>
+          <a:p>
+            <a:pPr algn="ctr"/>
+            <a:endParaRPr kumimoji="1" lang="ja-JP" altLang="en-US"/>
+          </a:p>
+        </p:txBody>
+      </p:sp>
+      <p:sp>
+        <p:nvSpPr>
+          <p:cNvPr id="25" name="テキスト ボックス 24"/>
+          <p:cNvSpPr txBox="1"/>
+          <p:nvPr/>
+        </p:nvSpPr>
+        <p:spPr>
+          <a:xfrm>
+            <a:off x="2342728" y="2455311"/>
+            <a:ext cx="1756094" cy="738664"/>
+          </a:xfrm>
+          <a:prstGeom prst="rect">
+            <a:avLst/>
+          </a:prstGeom>
+          <a:noFill/>
+        </p:spPr>
+        <p:txBody>
+          <a:bodyPr wrap="square" rtlCol="0">
+            <a:spAutoFit/>
+          </a:bodyPr>
+          <a:lstStyle/>
+          <a:p>
+            <a:r>
+              <a:rPr lang="ja-JP" altLang="en-US" sz="1400" dirty="0"/>
+              <a:t>ラウンドロビンを利用し，</a:t>
+            </a:r>
+            <a:r>
+              <a:rPr kumimoji="1" lang="ja-JP" altLang="en-US" sz="1400" dirty="0"/>
+              <a:t>いくつかのサーバーに処理</a:t>
+            </a:r>
+            <a:r>
+              <a:rPr kumimoji="1" lang="ja-JP" altLang="en-US" sz="1400" dirty="0" smtClean="0"/>
+              <a:t>を分散</a:t>
+            </a:r>
+            <a:endParaRPr kumimoji="1" lang="ja-JP" altLang="en-US" sz="1400" dirty="0"/>
+          </a:p>
+        </p:txBody>
+      </p:sp>
+      <p:pic>
+        <p:nvPicPr>
+          <p:cNvPr id="5" name="図 4"/>
+          <p:cNvPicPr>
+            <a:picLocks noChangeAspect="1"/>
+          </p:cNvPicPr>
+          <p:nvPr/>
+        </p:nvPicPr>
+        <p:blipFill>
+          <a:blip r:embed="rId2" cstate="print">
+            <a:extLst>
+              <a:ext uri="{28A0092B-C50C-407E-A947-70E740481C1C}">
+                <a14:useLocalDpi xmlns:a14="http://schemas.microsoft.com/office/drawing/2010/main" val="0"/>
+              </a:ext>
+            </a:extLst>
+          </a:blip>
+          <a:stretch>
+            <a:fillRect/>
+          </a:stretch>
+        </p:blipFill>
+        <p:spPr>
+          <a:xfrm>
+            <a:off x="784689" y="5412494"/>
+            <a:ext cx="1745309" cy="1308982"/>
+          </a:xfrm>
+          <a:prstGeom prst="rect">
+            <a:avLst/>
+          </a:prstGeom>
+        </p:spPr>
+      </p:pic>
+      <p:cxnSp>
+        <p:nvCxnSpPr>
+          <p:cNvPr id="10" name="直線コネクタ 9"/>
+          <p:cNvCxnSpPr/>
+          <p:nvPr/>
+        </p:nvCxnSpPr>
+        <p:spPr>
+          <a:xfrm flipH="1">
+            <a:off x="858741" y="4863342"/>
+            <a:ext cx="3781590" cy="479935"/>
+          </a:xfrm>
+          <a:prstGeom prst="line">
+            <a:avLst/>
+          </a:prstGeom>
+          <a:ln>
+            <a:solidFill>
+              <a:schemeClr val="tx1"/>
+            </a:solidFill>
+          </a:ln>
+        </p:spPr>
+        <p:style>
+          <a:lnRef idx="1">
+            <a:schemeClr val="accent1"/>
+          </a:lnRef>
+          <a:fillRef idx="0">
+            <a:schemeClr val="accent1"/>
+          </a:fillRef>
+          <a:effectRef idx="0">
+            <a:schemeClr val="accent1"/>
+          </a:effectRef>
+          <a:fontRef idx="minor">
+            <a:schemeClr val="tx1"/>
+          </a:fontRef>
+        </p:style>
+      </p:cxnSp>
+      <p:cxnSp>
+        <p:nvCxnSpPr>
+          <p:cNvPr id="17" name="直線コネクタ 16"/>
+          <p:cNvCxnSpPr/>
+          <p:nvPr/>
+        </p:nvCxnSpPr>
+        <p:spPr>
+          <a:xfrm flipH="1">
+            <a:off x="5984782" y="5301356"/>
+            <a:ext cx="352408" cy="320950"/>
+          </a:xfrm>
+          <a:prstGeom prst="line">
+            <a:avLst/>
+          </a:prstGeom>
+          <a:ln>
+            <a:solidFill>
+              <a:schemeClr val="tx1"/>
+            </a:solidFill>
+          </a:ln>
+        </p:spPr>
+        <p:style>
+          <a:lnRef idx="1">
+            <a:schemeClr val="accent1"/>
+          </a:lnRef>
+          <a:fillRef idx="0">
+            <a:schemeClr val="accent1"/>
+          </a:fillRef>
+          <a:effectRef idx="0">
+            <a:schemeClr val="accent1"/>
+          </a:effectRef>
+          <a:fontRef idx="minor">
+            <a:schemeClr val="tx1"/>
+          </a:fontRef>
+        </p:style>
+      </p:cxnSp>
+      <p:sp>
+        <p:nvSpPr>
+          <p:cNvPr id="18" name="テキスト ボックス 17"/>
+          <p:cNvSpPr txBox="1"/>
+          <p:nvPr/>
+        </p:nvSpPr>
+        <p:spPr>
+          <a:xfrm>
+            <a:off x="2775502" y="5412353"/>
+            <a:ext cx="2763759" cy="943997"/>
+          </a:xfrm>
+          <a:prstGeom prst="rect">
+            <a:avLst/>
+          </a:prstGeom>
+          <a:noFill/>
+        </p:spPr>
+        <p:txBody>
+          <a:bodyPr wrap="square" rtlCol="0">
+            <a:spAutoFit/>
+          </a:bodyPr>
+          <a:lstStyle/>
+          <a:p>
+            <a:r>
+              <a:rPr kumimoji="1" lang="ja-JP" altLang="en-US" dirty="0"/>
+              <a:t>観光地から明るい印象を受けるので，“元気が出る”音楽とマッチング</a:t>
+            </a:r>
+          </a:p>
+        </p:txBody>
+      </p:sp>
+    </p:spTree>
+    <p:extLst>
+      <p:ext uri="{BB962C8B-B14F-4D97-AF65-F5344CB8AC3E}">
+        <p14:creationId xmlns:p14="http://schemas.microsoft.com/office/powerpoint/2010/main" val="4224668961"/>
+      </p:ext>
+    </p:extLst>
+  </p:cSld>
+  <p:clrMapOvr>
+    <a:masterClrMapping/>
+  </p:clrMapOvr>
+</p:sld>
+</file>
+
 <file path=ppt/slides/slide6.xml><?xml version="1.0" encoding="utf-8"?>
 <p:sld xmlns:a="http://schemas.openxmlformats.org/drawingml/2006/main" xmlns:r="http://schemas.openxmlformats.org/officeDocument/2006/relationships" xmlns:p="http://schemas.openxmlformats.org/presentationml/2006/main">
   <p:cSld>
@@ -5840,83 +6487,168 @@
         </p:nvSpPr>
         <p:spPr/>
         <p:txBody>
-          <a:bodyPr/>
-          <a:lstStyle/>
-          <a:p>
+          <a:bodyPr>
+            <a:normAutofit/>
+          </a:bodyPr>
+          <a:lstStyle/>
+          <a:p>
+            <a:r>
+              <a:rPr lang="ja-JP" altLang="en-US" sz="4000" dirty="0"/>
+              <a:t>印象による楽曲と動画のマッチング</a:t>
+            </a:r>
+            <a:endParaRPr kumimoji="1" lang="ja-JP" altLang="en-US" sz="4000" dirty="0"/>
+          </a:p>
+        </p:txBody>
+      </p:sp>
+      <p:sp>
+        <p:nvSpPr>
+          <p:cNvPr id="3" name="コンテンツ プレースホルダー 2"/>
+          <p:cNvSpPr>
+            <a:spLocks noGrp="1"/>
+          </p:cNvSpPr>
+          <p:nvPr>
+            <p:ph idx="1"/>
+          </p:nvPr>
+        </p:nvSpPr>
+        <p:spPr>
+          <a:xfrm>
+            <a:off x="314325" y="1847851"/>
+            <a:ext cx="8515350" cy="3228646"/>
+          </a:xfrm>
+        </p:spPr>
+        <p:txBody>
+          <a:bodyPr>
+            <a:normAutofit/>
+          </a:bodyPr>
+          <a:lstStyle/>
+          <a:p>
+            <a:r>
+              <a:rPr lang="ja-JP" altLang="en-US" dirty="0"/>
+              <a:t>楽曲</a:t>
+            </a:r>
             <a:r>
               <a:rPr kumimoji="1" lang="ja-JP" altLang="en-US" dirty="0"/>
-              <a:t>研究目的</a:t>
-            </a:r>
-          </a:p>
-        </p:txBody>
-      </p:sp>
-      <p:sp>
-        <p:nvSpPr>
-          <p:cNvPr id="3" name="コンテンツ プレースホルダー 2"/>
-          <p:cNvSpPr>
-            <a:spLocks noGrp="1"/>
-          </p:cNvSpPr>
-          <p:nvPr>
-            <p:ph idx="1"/>
-          </p:nvPr>
-        </p:nvSpPr>
-        <p:spPr>
-          <a:xfrm>
-            <a:off x="628650" y="1846645"/>
-            <a:ext cx="7886700" cy="4351338"/>
-          </a:xfrm>
-        </p:spPr>
-        <p:txBody>
-          <a:bodyPr/>
-          <a:lstStyle/>
-          <a:p>
-            <a:r>
-              <a:rPr lang="ja-JP" altLang="en-US" sz="2800" dirty="0"/>
+              <a:t>と動画を印象によりマッチングする．</a:t>
+            </a:r>
+            <a:r>
+              <a:rPr kumimoji="1" lang="en-US" altLang="ja-JP" dirty="0"/>
+              <a:t>	</a:t>
+            </a:r>
+          </a:p>
+          <a:p>
+            <a:pPr lvl="1"/>
+            <a:r>
+              <a:rPr lang="ja-JP" altLang="en-US" dirty="0"/>
+              <a:t>動画</a:t>
+            </a:r>
+            <a:r>
+              <a:rPr lang="en-US" altLang="ja-JP" dirty="0"/>
+              <a:t>:</a:t>
+            </a:r>
+            <a:r>
+              <a:rPr kumimoji="1" lang="ja-JP" altLang="en-US" dirty="0"/>
+              <a:t>観光地動画</a:t>
+            </a:r>
+            <a:endParaRPr kumimoji="1" lang="en-US" altLang="ja-JP" dirty="0"/>
+          </a:p>
+          <a:p>
+            <a:pPr lvl="1"/>
+            <a:r>
+              <a:rPr lang="ja-JP" altLang="en-US" dirty="0"/>
               <a:t>楽曲</a:t>
             </a:r>
             <a:r>
-              <a:rPr lang="en-US" altLang="ja-JP" sz="2800" dirty="0"/>
-              <a:t>SNS</a:t>
-            </a:r>
-            <a:r>
-              <a:rPr lang="ja-JP" altLang="en-US" sz="2800" dirty="0"/>
-              <a:t>における楽曲コンテンツと動画コンテンツの並列マッチング処理システムの</a:t>
+              <a:rPr lang="en-US" altLang="ja-JP" dirty="0"/>
+              <a:t>: </a:t>
             </a:r>
             <a:r>
               <a:rPr lang="ja-JP" altLang="en-US" dirty="0"/>
-              <a:t>提案</a:t>
-            </a:r>
-            <a:endParaRPr kumimoji="1" lang="en-US" altLang="ja-JP" dirty="0"/>
-          </a:p>
-          <a:p>
-            <a:pPr marL="0" indent="0">
-              <a:buNone/>
-            </a:pPr>
+              <a:t>クラシックや</a:t>
+            </a:r>
+            <a:r>
+              <a:rPr lang="ja-JP" altLang="en-US" dirty="0" smtClean="0"/>
+              <a:t>インストルメンタルなど</a:t>
+            </a:r>
             <a:endParaRPr lang="en-US" altLang="ja-JP" dirty="0"/>
           </a:p>
           <a:p>
             <a:r>
+              <a:rPr kumimoji="1" lang="en-US" altLang="ja-JP" dirty="0"/>
+              <a:t>8</a:t>
+            </a:r>
+            <a:r>
               <a:rPr kumimoji="1" lang="ja-JP" altLang="en-US" dirty="0"/>
-              <a:t>実験システムの</a:t>
-            </a:r>
+              <a:t>つの印象軸 </a:t>
+            </a:r>
+            <a:r>
+              <a:rPr kumimoji="1" lang="en-US" altLang="ja-JP" dirty="0"/>
+              <a:t>(6</a:t>
+            </a:r>
+            <a:r>
+              <a:rPr kumimoji="1" lang="ja-JP" altLang="en-US" dirty="0"/>
+              <a:t>つの印象 </a:t>
+            </a:r>
+            <a:r>
+              <a:rPr kumimoji="1" lang="en-US" altLang="ja-JP" dirty="0"/>
+              <a:t>+ 2</a:t>
+            </a:r>
+            <a:r>
+              <a:rPr kumimoji="1" lang="ja-JP" altLang="en-US" dirty="0"/>
+              <a:t>つの複合印象</a:t>
+            </a:r>
+            <a:r>
+              <a:rPr kumimoji="1" lang="en-US" altLang="ja-JP" dirty="0"/>
+              <a:t>)</a:t>
+            </a:r>
+            <a:endParaRPr lang="en-US" altLang="ja-JP" dirty="0"/>
+          </a:p>
+          <a:p>
+            <a:pPr lvl="1"/>
             <a:r>
               <a:rPr lang="ja-JP" altLang="en-US" dirty="0"/>
-              <a:t>構築</a:t>
-            </a:r>
-            <a:endParaRPr kumimoji="1" lang="en-US" altLang="ja-JP" dirty="0"/>
-          </a:p>
-          <a:p>
-            <a:pPr marL="0" indent="0">
-              <a:buNone/>
-            </a:pPr>
-            <a:endParaRPr kumimoji="1" lang="en-US" altLang="ja-JP" dirty="0"/>
-          </a:p>
-          <a:p>
+              <a:t>印象</a:t>
+            </a:r>
+            <a:r>
+              <a:rPr lang="en-US" altLang="ja-JP" dirty="0"/>
+              <a:t>: </a:t>
+            </a:r>
             <a:r>
               <a:rPr lang="ja-JP" altLang="en-US" dirty="0"/>
-              <a:t>実験による，提案システムの実現可能性の評価</a:t>
-            </a:r>
-            <a:endParaRPr kumimoji="1" lang="ja-JP" altLang="en-US" dirty="0"/>
+              <a:t>堂々，元気が出る，切ない，激しい，滑稽，かわいい</a:t>
+            </a:r>
+            <a:endParaRPr lang="en-US" altLang="ja-JP" sz="2800" dirty="0"/>
+          </a:p>
+          <a:p>
+            <a:pPr lvl="1"/>
+            <a:r>
+              <a:rPr kumimoji="1" lang="en-US" altLang="ja-JP" sz="2200" dirty="0"/>
+              <a:t>Valance</a:t>
+            </a:r>
+            <a:r>
+              <a:rPr kumimoji="1" lang="ja-JP" altLang="en-US" sz="2200" dirty="0"/>
+              <a:t>（</a:t>
+            </a:r>
+            <a:r>
+              <a:rPr lang="ja-JP" altLang="en-US" sz="2200" dirty="0"/>
+              <a:t>明るい気持になる，楽しい，暗い気持ちになる，悲しい）</a:t>
+            </a:r>
+            <a:endParaRPr lang="en-US" altLang="ja-JP" sz="2200" dirty="0"/>
+          </a:p>
+          <a:p>
+            <a:pPr lvl="1"/>
+            <a:r>
+              <a:rPr kumimoji="1" lang="en-US" altLang="ja-JP" sz="2100" dirty="0"/>
+              <a:t>Arousal</a:t>
+            </a:r>
+            <a:r>
+              <a:rPr kumimoji="1" lang="ja-JP" altLang="en-US" sz="2100" dirty="0"/>
+              <a:t>（</a:t>
+            </a:r>
+            <a:r>
+              <a:rPr lang="ja-JP" altLang="en-US" sz="2100" dirty="0"/>
+              <a:t>激しい，積極的な，強気な，穏やかな，消極的な，弱気な）</a:t>
+            </a:r>
+            <a:endParaRPr kumimoji="1" lang="ja-JP" altLang="en-US" sz="2100" dirty="0"/>
           </a:p>
         </p:txBody>
       </p:sp>
@@ -5943,10 +6675,100 @@
           </a:p>
         </p:txBody>
       </p:sp>
+      <p:pic>
+        <p:nvPicPr>
+          <p:cNvPr id="5" name="図 4">
+            <a:extLst>
+              <a:ext uri="{FF2B5EF4-FFF2-40B4-BE49-F238E27FC236}">
+                <a16:creationId xmlns:a16="http://schemas.microsoft.com/office/drawing/2014/main" id="{5F616502-13CA-4AC2-9176-2EAF28070D88}"/>
+              </a:ext>
+            </a:extLst>
+          </p:cNvPr>
+          <p:cNvPicPr>
+            <a:picLocks noChangeAspect="1"/>
+          </p:cNvPicPr>
+          <p:nvPr/>
+        </p:nvPicPr>
+        <p:blipFill>
+          <a:blip r:embed="rId2" cstate="print">
+            <a:extLst>
+              <a:ext uri="{28A0092B-C50C-407E-A947-70E740481C1C}">
+                <a14:useLocalDpi xmlns:a14="http://schemas.microsoft.com/office/drawing/2010/main" val="0"/>
+              </a:ext>
+            </a:extLst>
+          </a:blip>
+          <a:stretch>
+            <a:fillRect/>
+          </a:stretch>
+        </p:blipFill>
+        <p:spPr>
+          <a:xfrm>
+            <a:off x="1536026" y="5066704"/>
+            <a:ext cx="2151052" cy="1613289"/>
+          </a:xfrm>
+          <a:prstGeom prst="rect">
+            <a:avLst/>
+          </a:prstGeom>
+        </p:spPr>
+      </p:pic>
+      <p:sp>
+        <p:nvSpPr>
+          <p:cNvPr id="6" name="テキスト ボックス 17">
+            <a:extLst>
+              <a:ext uri="{FF2B5EF4-FFF2-40B4-BE49-F238E27FC236}">
+                <a16:creationId xmlns:a16="http://schemas.microsoft.com/office/drawing/2014/main" id="{8FD7CA2B-0522-4BC2-9F68-2A28E2C6FA3D}"/>
+              </a:ext>
+            </a:extLst>
+          </p:cNvPr>
+          <p:cNvSpPr txBox="1"/>
+          <p:nvPr/>
+        </p:nvSpPr>
+        <p:spPr>
+          <a:xfrm>
+            <a:off x="3868578" y="5233659"/>
+            <a:ext cx="2984167" cy="943997"/>
+          </a:xfrm>
+          <a:prstGeom prst="rect">
+            <a:avLst/>
+          </a:prstGeom>
+          <a:noFill/>
+        </p:spPr>
+        <p:txBody>
+          <a:bodyPr wrap="square" rtlCol="0">
+            <a:spAutoFit/>
+          </a:bodyPr>
+          <a:lstStyle/>
+          <a:p>
+            <a:r>
+              <a:rPr kumimoji="1" lang="ja-JP" altLang="en-US" dirty="0"/>
+              <a:t>例</a:t>
+            </a:r>
+            <a:r>
+              <a:rPr kumimoji="1" lang="en-US" altLang="ja-JP" dirty="0"/>
+              <a:t>: </a:t>
+            </a:r>
+            <a:r>
+              <a:rPr kumimoji="1" lang="ja-JP" altLang="en-US" dirty="0"/>
+              <a:t>観光地から明るい印象を受けるので，“元気が出る”</a:t>
+            </a:r>
+            <a:r>
+              <a:rPr kumimoji="1" lang="en-US" altLang="ja-JP" dirty="0"/>
+              <a:t/>
+            </a:r>
+            <a:br>
+              <a:rPr kumimoji="1" lang="en-US" altLang="ja-JP" dirty="0"/>
+            </a:br>
+            <a:r>
+              <a:rPr kumimoji="1" lang="ja-JP" altLang="en-US" dirty="0"/>
+              <a:t>楽曲とマッチング</a:t>
+            </a:r>
+          </a:p>
+        </p:txBody>
+      </p:sp>
     </p:spTree>
     <p:extLst>
       <p:ext uri="{BB962C8B-B14F-4D97-AF65-F5344CB8AC3E}">
-        <p14:creationId xmlns:p14="http://schemas.microsoft.com/office/powerpoint/2010/main" val="114472190"/>
+        <p14:creationId xmlns:p14="http://schemas.microsoft.com/office/powerpoint/2010/main" val="1923407823"/>
       </p:ext>
     </p:extLst>
   </p:cSld>
@@ -5983,21 +6805,83 @@
             <p:ph type="title"/>
           </p:nvPr>
         </p:nvSpPr>
-        <p:spPr>
-          <a:xfrm>
-            <a:off x="628650" y="365127"/>
-            <a:ext cx="4910611" cy="891180"/>
-          </a:xfrm>
-        </p:spPr>
-        <p:txBody>
-          <a:bodyPr>
-            <a:normAutofit fontScale="90000"/>
-          </a:bodyPr>
+        <p:spPr/>
+        <p:txBody>
+          <a:bodyPr/>
+          <a:lstStyle/>
+          <a:p>
+            <a:r>
+              <a:rPr kumimoji="1" lang="ja-JP" altLang="en-US" dirty="0" smtClean="0"/>
+              <a:t>前期までの進捗</a:t>
+            </a:r>
+            <a:endParaRPr kumimoji="1" lang="ja-JP" altLang="en-US" dirty="0"/>
+          </a:p>
+        </p:txBody>
+      </p:sp>
+      <p:sp>
+        <p:nvSpPr>
+          <p:cNvPr id="3" name="コンテンツ プレースホルダー 2"/>
+          <p:cNvSpPr>
+            <a:spLocks noGrp="1"/>
+          </p:cNvSpPr>
+          <p:nvPr>
+            <p:ph idx="1"/>
+          </p:nvPr>
+        </p:nvSpPr>
+        <p:spPr/>
+        <p:txBody>
+          <a:bodyPr/>
           <a:lstStyle/>
           <a:p>
             <a:r>
               <a:rPr lang="ja-JP" altLang="en-US" dirty="0"/>
-              <a:t>提案システムの概要</a:t>
+              <a:t>楽曲</a:t>
+            </a:r>
+            <a:r>
+              <a:rPr kumimoji="1" lang="ja-JP" altLang="en-US" dirty="0"/>
+              <a:t>データを横軸に時間</a:t>
+            </a:r>
+            <a:r>
+              <a:rPr lang="ja-JP" altLang="en-US" dirty="0"/>
+              <a:t>，</a:t>
+            </a:r>
+            <a:r>
+              <a:rPr kumimoji="1" lang="ja-JP" altLang="en-US" dirty="0"/>
+              <a:t>縦軸に周波数を表した</a:t>
+            </a:r>
+            <a:r>
+              <a:rPr lang="en-US" altLang="ja-JP" dirty="0"/>
+              <a:t/>
+            </a:r>
+            <a:br>
+              <a:rPr lang="en-US" altLang="ja-JP" dirty="0"/>
+            </a:br>
+            <a:r>
+              <a:rPr kumimoji="1" lang="ja-JP" altLang="en-US" dirty="0"/>
+              <a:t>スペクトログラム</a:t>
+            </a:r>
+            <a:r>
+              <a:rPr lang="ja-JP" altLang="en-US" dirty="0"/>
+              <a:t>に</a:t>
+            </a:r>
+            <a:r>
+              <a:rPr kumimoji="1" lang="ja-JP" altLang="en-US" dirty="0"/>
+              <a:t>するプログラムの作成をした．</a:t>
+            </a:r>
+            <a:endParaRPr kumimoji="1" lang="en-US" altLang="ja-JP" dirty="0"/>
+          </a:p>
+          <a:p>
+            <a:r>
+              <a:rPr lang="ja-JP" altLang="en-US" dirty="0"/>
+              <a:t>深層学習</a:t>
+            </a:r>
+            <a:r>
+              <a:rPr lang="en-US" altLang="ja-JP" dirty="0"/>
+              <a:t>(Convolutional Neural Network)</a:t>
+            </a:r>
+            <a:r>
+              <a:rPr lang="ja-JP" altLang="en-US" dirty="0"/>
+              <a:t>で，印象の学習を行う予定である．</a:t>
             </a:r>
             <a:endParaRPr kumimoji="1" lang="ja-JP" altLang="en-US" dirty="0"/>
           </a:p>
@@ -6005,12 +6889,12 @@
       </p:sp>
       <p:sp>
         <p:nvSpPr>
-          <p:cNvPr id="3" name="コンテンツ プレースホルダー 2"/>
-          <p:cNvSpPr>
-            <a:spLocks noGrp="1"/>
-          </p:cNvSpPr>
-          <p:nvPr>
-            <p:ph idx="1"/>
+          <p:cNvPr id="4" name="スライド番号プレースホルダー 3"/>
+          <p:cNvSpPr>
+            <a:spLocks noGrp="1"/>
+          </p:cNvSpPr>
+          <p:nvPr>
+            <p:ph type="sldNum" sz="quarter" idx="12"/>
           </p:nvPr>
         </p:nvSpPr>
         <p:spPr/>
@@ -6018,670 +6902,25 @@
           <a:bodyPr/>
           <a:lstStyle/>
           <a:p>
-            <a:pPr marL="0" indent="0">
-              <a:buNone/>
-            </a:pPr>
-            <a:endParaRPr kumimoji="1" lang="en-US" altLang="ja-JP" dirty="0"/>
-          </a:p>
-          <a:p>
-            <a:pPr marL="0" indent="0">
-              <a:buNone/>
-            </a:pPr>
-            <a:endParaRPr lang="en-US" altLang="ja-JP" dirty="0"/>
-          </a:p>
-          <a:p>
-            <a:pPr marL="0" indent="0">
-              <a:buNone/>
-            </a:pPr>
-            <a:endParaRPr kumimoji="1" lang="ja-JP" altLang="en-US" dirty="0"/>
-          </a:p>
-        </p:txBody>
-      </p:sp>
-      <p:sp>
-        <p:nvSpPr>
-          <p:cNvPr id="4" name="スライド番号プレースホルダー 3"/>
-          <p:cNvSpPr>
-            <a:spLocks noGrp="1"/>
-          </p:cNvSpPr>
-          <p:nvPr>
-            <p:ph type="sldNum" sz="quarter" idx="12"/>
-          </p:nvPr>
-        </p:nvSpPr>
-        <p:spPr/>
-        <p:txBody>
-          <a:bodyPr/>
-          <a:lstStyle/>
-          <a:p>
             <a:fld id="{B4451160-128F-4DAD-AE29-4A8CC0E7B9E9}" type="slidenum">
-              <a:rPr kumimoji="1" lang="ja-JP" altLang="en-US" smtClean="0"/>
+              <a:rPr lang="ja-JP" altLang="en-US" smtClean="0"/>
+              <a:pPr/>
               <a:t>7</a:t>
             </a:fld>
-            <a:endParaRPr kumimoji="1" lang="ja-JP" altLang="en-US"/>
-          </a:p>
-        </p:txBody>
-      </p:sp>
-      <p:sp>
-        <p:nvSpPr>
-          <p:cNvPr id="6" name="フローチャート: 磁気ディスク 5"/>
-          <p:cNvSpPr/>
-          <p:nvPr/>
-        </p:nvSpPr>
-        <p:spPr>
-          <a:xfrm>
-            <a:off x="1456572" y="1671210"/>
-            <a:ext cx="1518699" cy="811034"/>
-          </a:xfrm>
-          <a:prstGeom prst="flowChartMagneticDisk">
-            <a:avLst/>
-          </a:prstGeom>
-        </p:spPr>
-        <p:style>
-          <a:lnRef idx="2">
-            <a:schemeClr val="accent1">
-              <a:shade val="50000"/>
-            </a:schemeClr>
-          </a:lnRef>
-          <a:fillRef idx="1">
-            <a:schemeClr val="accent1"/>
-          </a:fillRef>
-          <a:effectRef idx="0">
-            <a:schemeClr val="accent1"/>
-          </a:effectRef>
-          <a:fontRef idx="minor">
-            <a:schemeClr val="lt1"/>
-          </a:fontRef>
-        </p:style>
-        <p:txBody>
-          <a:bodyPr rtlCol="0" anchor="ctr"/>
-          <a:lstStyle/>
-          <a:p>
-            <a:pPr algn="ctr"/>
-            <a:r>
-              <a:rPr kumimoji="1" lang="ja-JP" altLang="en-US" dirty="0"/>
-              <a:t>音楽データベース</a:t>
-            </a:r>
-          </a:p>
-        </p:txBody>
-      </p:sp>
-      <p:sp>
-        <p:nvSpPr>
-          <p:cNvPr id="8" name="下矢印 7"/>
-          <p:cNvSpPr/>
-          <p:nvPr/>
-        </p:nvSpPr>
-        <p:spPr>
-          <a:xfrm rot="16200000">
-            <a:off x="611889" y="1523290"/>
-            <a:ext cx="239041" cy="1087591"/>
-          </a:xfrm>
-          <a:prstGeom prst="downArrow">
-            <a:avLst/>
-          </a:prstGeom>
-        </p:spPr>
-        <p:style>
-          <a:lnRef idx="2">
-            <a:schemeClr val="accent1">
-              <a:shade val="50000"/>
-            </a:schemeClr>
-          </a:lnRef>
-          <a:fillRef idx="1">
-            <a:schemeClr val="accent1"/>
-          </a:fillRef>
-          <a:effectRef idx="0">
-            <a:schemeClr val="accent1"/>
-          </a:effectRef>
-          <a:fontRef idx="minor">
-            <a:schemeClr val="lt1"/>
-          </a:fontRef>
-        </p:style>
-        <p:txBody>
-          <a:bodyPr rtlCol="0" anchor="ctr"/>
-          <a:lstStyle/>
-          <a:p>
-            <a:pPr algn="ctr"/>
-            <a:endParaRPr kumimoji="1" lang="ja-JP" altLang="en-US"/>
-          </a:p>
-        </p:txBody>
-      </p:sp>
-      <p:sp>
-        <p:nvSpPr>
-          <p:cNvPr id="9" name="テキスト ボックス 8"/>
-          <p:cNvSpPr txBox="1"/>
-          <p:nvPr/>
-        </p:nvSpPr>
-        <p:spPr>
-          <a:xfrm>
-            <a:off x="25460" y="1331060"/>
-            <a:ext cx="2115048" cy="646331"/>
-          </a:xfrm>
-          <a:prstGeom prst="rect">
-            <a:avLst/>
-          </a:prstGeom>
-          <a:noFill/>
-        </p:spPr>
-        <p:txBody>
-          <a:bodyPr wrap="square" rtlCol="0">
-            <a:spAutoFit/>
-          </a:bodyPr>
-          <a:lstStyle/>
-          <a:p>
-            <a:r>
-              <a:rPr kumimoji="1" lang="ja-JP" altLang="en-US" dirty="0"/>
-              <a:t>投稿された著作権フリーの音楽</a:t>
-            </a:r>
-          </a:p>
-        </p:txBody>
-      </p:sp>
-      <p:sp>
-        <p:nvSpPr>
-          <p:cNvPr id="11" name="フローチャート: 磁気ディスク 10"/>
-          <p:cNvSpPr/>
-          <p:nvPr/>
-        </p:nvSpPr>
-        <p:spPr>
-          <a:xfrm>
-            <a:off x="383146" y="3646758"/>
-            <a:ext cx="2146852" cy="811034"/>
-          </a:xfrm>
-          <a:prstGeom prst="flowChartMagneticDisk">
-            <a:avLst/>
-          </a:prstGeom>
-        </p:spPr>
-        <p:style>
-          <a:lnRef idx="2">
-            <a:schemeClr val="accent1">
-              <a:shade val="50000"/>
-            </a:schemeClr>
-          </a:lnRef>
-          <a:fillRef idx="1">
-            <a:schemeClr val="accent1"/>
-          </a:fillRef>
-          <a:effectRef idx="0">
-            <a:schemeClr val="accent1"/>
-          </a:effectRef>
-          <a:fontRef idx="minor">
-            <a:schemeClr val="lt1"/>
-          </a:fontRef>
-        </p:style>
-        <p:txBody>
-          <a:bodyPr rtlCol="0" anchor="ctr"/>
-          <a:lstStyle/>
-          <a:p>
-            <a:pPr algn="ctr"/>
-            <a:r>
-              <a:rPr lang="ja-JP" altLang="en-US" dirty="0"/>
-              <a:t>観光地推薦動画データベース</a:t>
-            </a:r>
-            <a:endParaRPr kumimoji="1" lang="ja-JP" altLang="en-US" dirty="0"/>
-          </a:p>
-        </p:txBody>
-      </p:sp>
-      <p:sp>
-        <p:nvSpPr>
-          <p:cNvPr id="12" name="下矢印 11"/>
-          <p:cNvSpPr/>
-          <p:nvPr/>
-        </p:nvSpPr>
-        <p:spPr>
-          <a:xfrm rot="16200000">
-            <a:off x="3482217" y="1661743"/>
-            <a:ext cx="178807" cy="829964"/>
-          </a:xfrm>
-          <a:prstGeom prst="downArrow">
-            <a:avLst/>
-          </a:prstGeom>
-        </p:spPr>
-        <p:style>
-          <a:lnRef idx="2">
-            <a:schemeClr val="accent1">
-              <a:shade val="50000"/>
-            </a:schemeClr>
-          </a:lnRef>
-          <a:fillRef idx="1">
-            <a:schemeClr val="accent1"/>
-          </a:fillRef>
-          <a:effectRef idx="0">
-            <a:schemeClr val="accent1"/>
-          </a:effectRef>
-          <a:fontRef idx="minor">
-            <a:schemeClr val="lt1"/>
-          </a:fontRef>
-        </p:style>
-        <p:txBody>
-          <a:bodyPr rtlCol="0" anchor="ctr"/>
-          <a:lstStyle/>
-          <a:p>
-            <a:pPr algn="ctr"/>
-            <a:endParaRPr kumimoji="1" lang="ja-JP" altLang="en-US"/>
-          </a:p>
-        </p:txBody>
-      </p:sp>
-      <p:sp>
-        <p:nvSpPr>
-          <p:cNvPr id="14" name="フローチャート: 磁気ディスク 13"/>
-          <p:cNvSpPr/>
-          <p:nvPr/>
-        </p:nvSpPr>
-        <p:spPr>
-          <a:xfrm>
-            <a:off x="6758857" y="1658722"/>
-            <a:ext cx="2202014" cy="836008"/>
-          </a:xfrm>
-          <a:prstGeom prst="flowChartMagneticDisk">
-            <a:avLst/>
-          </a:prstGeom>
-        </p:spPr>
-        <p:style>
-          <a:lnRef idx="2">
-            <a:schemeClr val="accent1">
-              <a:shade val="50000"/>
-            </a:schemeClr>
-          </a:lnRef>
-          <a:fillRef idx="1">
-            <a:schemeClr val="accent1"/>
-          </a:fillRef>
-          <a:effectRef idx="0">
-            <a:schemeClr val="accent1"/>
-          </a:effectRef>
-          <a:fontRef idx="minor">
-            <a:schemeClr val="lt1"/>
-          </a:fontRef>
-        </p:style>
-        <p:txBody>
-          <a:bodyPr rtlCol="0" anchor="ctr"/>
-          <a:lstStyle/>
-          <a:p>
-            <a:pPr algn="ctr"/>
-            <a:r>
-              <a:rPr kumimoji="1" lang="ja-JP" altLang="en-US" dirty="0"/>
-              <a:t>ジャンル分けされた音楽データベース</a:t>
-            </a:r>
-          </a:p>
-        </p:txBody>
-      </p:sp>
-      <p:sp>
-        <p:nvSpPr>
-          <p:cNvPr id="15" name="右矢印 14"/>
-          <p:cNvSpPr/>
-          <p:nvPr/>
-        </p:nvSpPr>
-        <p:spPr>
-          <a:xfrm>
-            <a:off x="5830850" y="1924981"/>
-            <a:ext cx="779412" cy="241148"/>
-          </a:xfrm>
-          <a:prstGeom prst="rightArrow">
-            <a:avLst/>
-          </a:prstGeom>
-        </p:spPr>
-        <p:style>
-          <a:lnRef idx="2">
-            <a:schemeClr val="accent1">
-              <a:shade val="50000"/>
-            </a:schemeClr>
-          </a:lnRef>
-          <a:fillRef idx="1">
-            <a:schemeClr val="accent1"/>
-          </a:fillRef>
-          <a:effectRef idx="0">
-            <a:schemeClr val="accent1"/>
-          </a:effectRef>
-          <a:fontRef idx="minor">
-            <a:schemeClr val="lt1"/>
-          </a:fontRef>
-        </p:style>
-        <p:txBody>
-          <a:bodyPr rtlCol="0" anchor="ctr"/>
-          <a:lstStyle/>
-          <a:p>
-            <a:pPr algn="ctr"/>
-            <a:endParaRPr kumimoji="1" lang="ja-JP" altLang="en-US"/>
-          </a:p>
-        </p:txBody>
-      </p:sp>
-      <p:sp>
-        <p:nvSpPr>
-          <p:cNvPr id="16" name="テキスト ボックス 15"/>
-          <p:cNvSpPr txBox="1"/>
-          <p:nvPr/>
-        </p:nvSpPr>
-        <p:spPr>
-          <a:xfrm>
-            <a:off x="4792025" y="4583877"/>
-            <a:ext cx="2472607" cy="646331"/>
-          </a:xfrm>
-          <a:prstGeom prst="rect">
-            <a:avLst/>
-          </a:prstGeom>
-          <a:noFill/>
-        </p:spPr>
-        <p:txBody>
-          <a:bodyPr wrap="square" rtlCol="0">
-            <a:spAutoFit/>
-          </a:bodyPr>
-          <a:lstStyle/>
-          <a:p>
-            <a:r>
-              <a:rPr kumimoji="1" lang="ja-JP" altLang="en-US" dirty="0"/>
-              <a:t>観光地の印象と音楽のジャンルでマッチング</a:t>
-            </a:r>
-          </a:p>
-        </p:txBody>
-      </p:sp>
-      <p:sp>
-        <p:nvSpPr>
-          <p:cNvPr id="19" name="フローチャート: 磁気ディスク 18"/>
-          <p:cNvSpPr/>
-          <p:nvPr/>
-        </p:nvSpPr>
-        <p:spPr>
-          <a:xfrm>
-            <a:off x="6758857" y="5480191"/>
-            <a:ext cx="2202014" cy="868438"/>
-          </a:xfrm>
-          <a:prstGeom prst="flowChartMagneticDisk">
-            <a:avLst/>
-          </a:prstGeom>
-        </p:spPr>
-        <p:style>
-          <a:lnRef idx="2">
-            <a:schemeClr val="accent1">
-              <a:shade val="50000"/>
-            </a:schemeClr>
-          </a:lnRef>
-          <a:fillRef idx="1">
-            <a:schemeClr val="accent1"/>
-          </a:fillRef>
-          <a:effectRef idx="0">
-            <a:schemeClr val="accent1"/>
-          </a:effectRef>
-          <a:fontRef idx="minor">
-            <a:schemeClr val="lt1"/>
-          </a:fontRef>
-        </p:style>
-        <p:txBody>
-          <a:bodyPr rtlCol="0" anchor="ctr"/>
-          <a:lstStyle/>
-          <a:p>
-            <a:pPr algn="ctr"/>
-            <a:r>
-              <a:rPr lang="en-US" altLang="ja-JP" dirty="0"/>
-              <a:t>BGM</a:t>
-            </a:r>
-            <a:r>
-              <a:rPr lang="ja-JP" altLang="en-US" dirty="0"/>
-              <a:t>付き観光地推薦動画データベース</a:t>
-            </a:r>
-            <a:endParaRPr kumimoji="1" lang="ja-JP" altLang="en-US" dirty="0"/>
-          </a:p>
-        </p:txBody>
-      </p:sp>
-      <p:sp>
-        <p:nvSpPr>
-          <p:cNvPr id="20" name="縦巻き 19"/>
-          <p:cNvSpPr/>
-          <p:nvPr/>
-        </p:nvSpPr>
-        <p:spPr>
-          <a:xfrm>
-            <a:off x="4009620" y="1469755"/>
-            <a:ext cx="1750990" cy="1213940"/>
-          </a:xfrm>
-          <a:prstGeom prst="verticalScroll">
-            <a:avLst/>
-          </a:prstGeom>
-          <a:solidFill>
-            <a:srgbClr val="00B050"/>
-          </a:solidFill>
-        </p:spPr>
-        <p:style>
-          <a:lnRef idx="2">
-            <a:schemeClr val="accent1">
-              <a:shade val="50000"/>
-            </a:schemeClr>
-          </a:lnRef>
-          <a:fillRef idx="1">
-            <a:schemeClr val="accent1"/>
-          </a:fillRef>
-          <a:effectRef idx="0">
-            <a:schemeClr val="accent1"/>
-          </a:effectRef>
-          <a:fontRef idx="minor">
-            <a:schemeClr val="lt1"/>
-          </a:fontRef>
-        </p:style>
-        <p:txBody>
-          <a:bodyPr rtlCol="0" anchor="ctr"/>
-          <a:lstStyle/>
-          <a:p>
-            <a:pPr algn="ctr"/>
-            <a:r>
-              <a:rPr kumimoji="1" lang="ja-JP" altLang="en-US" dirty="0"/>
-              <a:t>ジャンル</a:t>
-            </a:r>
-            <a:r>
-              <a:rPr lang="ja-JP" altLang="en-US" dirty="0"/>
-              <a:t>分けシステム</a:t>
-            </a:r>
-            <a:endParaRPr kumimoji="1" lang="ja-JP" altLang="en-US" dirty="0"/>
-          </a:p>
-        </p:txBody>
-      </p:sp>
-      <p:sp>
-        <p:nvSpPr>
-          <p:cNvPr id="21" name="縦巻き 20"/>
-          <p:cNvSpPr/>
-          <p:nvPr/>
-        </p:nvSpPr>
-        <p:spPr>
-          <a:xfrm>
-            <a:off x="6610261" y="3337233"/>
-            <a:ext cx="2302904" cy="1213940"/>
-          </a:xfrm>
-          <a:prstGeom prst="verticalScroll">
-            <a:avLst/>
-          </a:prstGeom>
-          <a:solidFill>
-            <a:srgbClr val="00B050"/>
-          </a:solidFill>
-        </p:spPr>
-        <p:style>
-          <a:lnRef idx="2">
-            <a:schemeClr val="accent1">
-              <a:shade val="50000"/>
-            </a:schemeClr>
-          </a:lnRef>
-          <a:fillRef idx="1">
-            <a:schemeClr val="accent1"/>
-          </a:fillRef>
-          <a:effectRef idx="0">
-            <a:schemeClr val="accent1"/>
-          </a:effectRef>
-          <a:fontRef idx="minor">
-            <a:schemeClr val="lt1"/>
-          </a:fontRef>
-        </p:style>
-        <p:txBody>
-          <a:bodyPr rtlCol="0" anchor="ctr"/>
-          <a:lstStyle/>
-          <a:p>
-            <a:pPr algn="ctr"/>
-            <a:r>
-              <a:rPr lang="ja-JP" altLang="en-US" dirty="0"/>
-              <a:t>動画と音楽のマッチングシステム</a:t>
-            </a:r>
-            <a:endParaRPr kumimoji="1" lang="ja-JP" altLang="en-US" dirty="0"/>
-          </a:p>
-        </p:txBody>
-      </p:sp>
-      <p:sp>
-        <p:nvSpPr>
-          <p:cNvPr id="22" name="右矢印 21"/>
-          <p:cNvSpPr/>
-          <p:nvPr/>
-        </p:nvSpPr>
-        <p:spPr>
-          <a:xfrm>
-            <a:off x="2822713" y="3933006"/>
-            <a:ext cx="3635237" cy="238539"/>
-          </a:xfrm>
-          <a:prstGeom prst="rightArrow">
-            <a:avLst/>
-          </a:prstGeom>
-        </p:spPr>
-        <p:style>
-          <a:lnRef idx="2">
-            <a:schemeClr val="accent1">
-              <a:shade val="50000"/>
-            </a:schemeClr>
-          </a:lnRef>
-          <a:fillRef idx="1">
-            <a:schemeClr val="accent1"/>
-          </a:fillRef>
-          <a:effectRef idx="0">
-            <a:schemeClr val="accent1"/>
-          </a:effectRef>
-          <a:fontRef idx="minor">
-            <a:schemeClr val="lt1"/>
-          </a:fontRef>
-        </p:style>
-        <p:txBody>
-          <a:bodyPr rtlCol="0" anchor="ctr"/>
-          <a:lstStyle/>
-          <a:p>
-            <a:pPr algn="ctr"/>
-            <a:endParaRPr kumimoji="1" lang="ja-JP" altLang="en-US"/>
-          </a:p>
-        </p:txBody>
-      </p:sp>
-      <p:sp>
-        <p:nvSpPr>
-          <p:cNvPr id="23" name="下矢印 22"/>
-          <p:cNvSpPr/>
-          <p:nvPr/>
-        </p:nvSpPr>
-        <p:spPr>
-          <a:xfrm>
-            <a:off x="7092564" y="4745546"/>
-            <a:ext cx="1393957" cy="666808"/>
-          </a:xfrm>
-          <a:prstGeom prst="downArrow">
-            <a:avLst/>
-          </a:prstGeom>
-        </p:spPr>
-        <p:style>
-          <a:lnRef idx="2">
-            <a:schemeClr val="accent1">
-              <a:shade val="50000"/>
-            </a:schemeClr>
-          </a:lnRef>
-          <a:fillRef idx="1">
-            <a:schemeClr val="accent1"/>
-          </a:fillRef>
-          <a:effectRef idx="0">
-            <a:schemeClr val="accent1"/>
-          </a:effectRef>
-          <a:fontRef idx="minor">
-            <a:schemeClr val="lt1"/>
-          </a:fontRef>
-        </p:style>
-        <p:txBody>
-          <a:bodyPr rtlCol="0" anchor="ctr"/>
-          <a:lstStyle/>
-          <a:p>
-            <a:pPr algn="ctr"/>
-            <a:endParaRPr kumimoji="1" lang="ja-JP" altLang="en-US"/>
-          </a:p>
-        </p:txBody>
-      </p:sp>
-      <p:sp>
-        <p:nvSpPr>
-          <p:cNvPr id="24" name="下矢印 23"/>
-          <p:cNvSpPr/>
-          <p:nvPr/>
-        </p:nvSpPr>
-        <p:spPr>
-          <a:xfrm>
-            <a:off x="7036905" y="2649145"/>
-            <a:ext cx="1542552" cy="516422"/>
-          </a:xfrm>
-          <a:prstGeom prst="downArrow">
-            <a:avLst/>
-          </a:prstGeom>
-        </p:spPr>
-        <p:style>
-          <a:lnRef idx="2">
-            <a:schemeClr val="accent1">
-              <a:shade val="50000"/>
-            </a:schemeClr>
-          </a:lnRef>
-          <a:fillRef idx="1">
-            <a:schemeClr val="accent1"/>
-          </a:fillRef>
-          <a:effectRef idx="0">
-            <a:schemeClr val="accent1"/>
-          </a:effectRef>
-          <a:fontRef idx="minor">
-            <a:schemeClr val="lt1"/>
-          </a:fontRef>
-        </p:style>
-        <p:txBody>
-          <a:bodyPr rtlCol="0" anchor="ctr"/>
-          <a:lstStyle/>
-          <a:p>
-            <a:pPr algn="ctr"/>
-            <a:endParaRPr kumimoji="1" lang="ja-JP" altLang="en-US"/>
-          </a:p>
-        </p:txBody>
-      </p:sp>
-      <p:sp>
-        <p:nvSpPr>
-          <p:cNvPr id="25" name="テキスト ボックス 24"/>
-          <p:cNvSpPr txBox="1"/>
-          <p:nvPr/>
-        </p:nvSpPr>
-        <p:spPr>
-          <a:xfrm>
-            <a:off x="2342728" y="2455311"/>
-            <a:ext cx="1756094" cy="738664"/>
-          </a:xfrm>
-          <a:prstGeom prst="rect">
-            <a:avLst/>
-          </a:prstGeom>
-          <a:noFill/>
-        </p:spPr>
-        <p:txBody>
-          <a:bodyPr wrap="square" rtlCol="0">
-            <a:spAutoFit/>
-          </a:bodyPr>
-          <a:lstStyle/>
-          <a:p>
-            <a:r>
-              <a:rPr lang="ja-JP" altLang="en-US" sz="1400" dirty="0"/>
-              <a:t>ラウンドロビンを利用し，</a:t>
-            </a:r>
-            <a:r>
-              <a:rPr kumimoji="1" lang="ja-JP" altLang="en-US" sz="1400" dirty="0"/>
-              <a:t>いくつかのサーバーに処理</a:t>
-            </a:r>
-            <a:r>
-              <a:rPr kumimoji="1" lang="ja-JP" altLang="en-US" sz="1400" dirty="0" smtClean="0"/>
-              <a:t>を分散</a:t>
-            </a:r>
-            <a:endParaRPr kumimoji="1" lang="ja-JP" altLang="en-US" sz="1400" dirty="0"/>
+            <a:endParaRPr lang="ja-JP" altLang="en-US" dirty="0"/>
           </a:p>
         </p:txBody>
       </p:sp>
       <p:pic>
         <p:nvPicPr>
-          <p:cNvPr id="5" name="図 4"/>
+          <p:cNvPr id="6" name="図 5"/>
           <p:cNvPicPr>
             <a:picLocks noChangeAspect="1"/>
           </p:cNvPicPr>
           <p:nvPr/>
         </p:nvPicPr>
         <p:blipFill>
-          <a:blip r:embed="rId2" cstate="print">
+          <a:blip r:embed="rId2">
             <a:extLst>
               <a:ext uri="{28A0092B-C50C-407E-A947-70E740481C1C}">
                 <a14:useLocalDpi xmlns:a14="http://schemas.microsoft.com/office/drawing/2010/main" val="0"/>
@@ -6694,117 +6933,18 @@
         </p:blipFill>
         <p:spPr>
           <a:xfrm>
-            <a:off x="784689" y="5412494"/>
-            <a:ext cx="1745309" cy="1308982"/>
+            <a:off x="628650" y="3735002"/>
+            <a:ext cx="7324760" cy="2621349"/>
           </a:xfrm>
           <a:prstGeom prst="rect">
             <a:avLst/>
           </a:prstGeom>
         </p:spPr>
       </p:pic>
-      <p:cxnSp>
-        <p:nvCxnSpPr>
-          <p:cNvPr id="10" name="直線コネクタ 9"/>
-          <p:cNvCxnSpPr/>
-          <p:nvPr/>
-        </p:nvCxnSpPr>
-        <p:spPr>
-          <a:xfrm flipH="1">
-            <a:off x="858741" y="4863342"/>
-            <a:ext cx="3781590" cy="479935"/>
-          </a:xfrm>
-          <a:prstGeom prst="line">
-            <a:avLst/>
-          </a:prstGeom>
-          <a:ln>
-            <a:solidFill>
-              <a:schemeClr val="tx1"/>
-            </a:solidFill>
-          </a:ln>
-        </p:spPr>
-        <p:style>
-          <a:lnRef idx="1">
-            <a:schemeClr val="accent1"/>
-          </a:lnRef>
-          <a:fillRef idx="0">
-            <a:schemeClr val="accent1"/>
-          </a:fillRef>
-          <a:effectRef idx="0">
-            <a:schemeClr val="accent1"/>
-          </a:effectRef>
-          <a:fontRef idx="minor">
-            <a:schemeClr val="tx1"/>
-          </a:fontRef>
-        </p:style>
-      </p:cxnSp>
-      <p:cxnSp>
-        <p:nvCxnSpPr>
-          <p:cNvPr id="17" name="直線コネクタ 16"/>
-          <p:cNvCxnSpPr/>
-          <p:nvPr/>
-        </p:nvCxnSpPr>
-        <p:spPr>
-          <a:xfrm flipH="1">
-            <a:off x="5984782" y="5301356"/>
-            <a:ext cx="352408" cy="320950"/>
-          </a:xfrm>
-          <a:prstGeom prst="line">
-            <a:avLst/>
-          </a:prstGeom>
-          <a:ln>
-            <a:solidFill>
-              <a:schemeClr val="tx1"/>
-            </a:solidFill>
-          </a:ln>
-        </p:spPr>
-        <p:style>
-          <a:lnRef idx="1">
-            <a:schemeClr val="accent1"/>
-          </a:lnRef>
-          <a:fillRef idx="0">
-            <a:schemeClr val="accent1"/>
-          </a:fillRef>
-          <a:effectRef idx="0">
-            <a:schemeClr val="accent1"/>
-          </a:effectRef>
-          <a:fontRef idx="minor">
-            <a:schemeClr val="tx1"/>
-          </a:fontRef>
-        </p:style>
-      </p:cxnSp>
-      <p:sp>
-        <p:nvSpPr>
-          <p:cNvPr id="18" name="テキスト ボックス 17"/>
-          <p:cNvSpPr txBox="1"/>
-          <p:nvPr/>
-        </p:nvSpPr>
-        <p:spPr>
-          <a:xfrm>
-            <a:off x="2775502" y="5412353"/>
-            <a:ext cx="2763759" cy="943997"/>
-          </a:xfrm>
-          <a:prstGeom prst="rect">
-            <a:avLst/>
-          </a:prstGeom>
-          <a:noFill/>
-        </p:spPr>
-        <p:txBody>
-          <a:bodyPr wrap="square" rtlCol="0">
-            <a:spAutoFit/>
-          </a:bodyPr>
-          <a:lstStyle/>
-          <a:p>
-            <a:r>
-              <a:rPr kumimoji="1" lang="ja-JP" altLang="en-US" dirty="0"/>
-              <a:t>観光地から明るい印象を受けるので，“元気が出る”音楽とマッチング</a:t>
-            </a:r>
-          </a:p>
-        </p:txBody>
-      </p:sp>
     </p:spTree>
     <p:extLst>
       <p:ext uri="{BB962C8B-B14F-4D97-AF65-F5344CB8AC3E}">
-        <p14:creationId xmlns:p14="http://schemas.microsoft.com/office/powerpoint/2010/main" val="4224668961"/>
+        <p14:creationId xmlns:p14="http://schemas.microsoft.com/office/powerpoint/2010/main" val="3872963283"/>
       </p:ext>
     </p:extLst>
   </p:cSld>
@@ -6843,168 +6983,93 @@
         </p:nvSpPr>
         <p:spPr/>
         <p:txBody>
+          <a:bodyPr/>
+          <a:lstStyle/>
+          <a:p>
+            <a:r>
+              <a:rPr lang="ja-JP" altLang="en-US" dirty="0"/>
+              <a:t>今週</a:t>
+            </a:r>
+            <a:r>
+              <a:rPr lang="ja-JP" altLang="en-US" dirty="0" smtClean="0"/>
+              <a:t>の進捗</a:t>
+            </a:r>
+            <a:endParaRPr kumimoji="1" lang="ja-JP" altLang="en-US" dirty="0"/>
+          </a:p>
+        </p:txBody>
+      </p:sp>
+      <p:sp>
+        <p:nvSpPr>
+          <p:cNvPr id="3" name="コンテンツ プレースホルダー 2"/>
+          <p:cNvSpPr>
+            <a:spLocks noGrp="1"/>
+          </p:cNvSpPr>
+          <p:nvPr>
+            <p:ph idx="1"/>
+          </p:nvPr>
+        </p:nvSpPr>
+        <p:spPr>
+          <a:xfrm>
+            <a:off x="628650" y="1825624"/>
+            <a:ext cx="7886700" cy="1036845"/>
+          </a:xfrm>
+        </p:spPr>
+        <p:txBody>
           <a:bodyPr>
-            <a:normAutofit/>
+            <a:normAutofit fontScale="92500"/>
           </a:bodyPr>
           <a:lstStyle/>
           <a:p>
-            <a:r>
-              <a:rPr lang="ja-JP" altLang="en-US" sz="4000" dirty="0"/>
-              <a:t>印象による楽曲と動画のマッチング</a:t>
-            </a:r>
-            <a:endParaRPr kumimoji="1" lang="ja-JP" altLang="en-US" sz="4000" dirty="0"/>
-          </a:p>
-        </p:txBody>
-      </p:sp>
-      <p:sp>
-        <p:nvSpPr>
-          <p:cNvPr id="3" name="コンテンツ プレースホルダー 2"/>
-          <p:cNvSpPr>
-            <a:spLocks noGrp="1"/>
-          </p:cNvSpPr>
-          <p:nvPr>
-            <p:ph idx="1"/>
-          </p:nvPr>
-        </p:nvSpPr>
-        <p:spPr>
-          <a:xfrm>
-            <a:off x="314325" y="1847851"/>
-            <a:ext cx="8515350" cy="3228646"/>
-          </a:xfrm>
-        </p:spPr>
-        <p:txBody>
-          <a:bodyPr>
-            <a:normAutofit/>
-          </a:bodyPr>
-          <a:lstStyle/>
-          <a:p>
-            <a:r>
-              <a:rPr lang="ja-JP" altLang="en-US" dirty="0"/>
-              <a:t>楽曲</a:t>
-            </a:r>
-            <a:r>
-              <a:rPr kumimoji="1" lang="ja-JP" altLang="en-US" dirty="0"/>
-              <a:t>と動画を印象によりマッチングする．</a:t>
-            </a:r>
-            <a:r>
-              <a:rPr kumimoji="1" lang="en-US" altLang="ja-JP" dirty="0"/>
-              <a:t>	</a:t>
-            </a:r>
-          </a:p>
-          <a:p>
-            <a:pPr lvl="1"/>
-            <a:r>
-              <a:rPr lang="ja-JP" altLang="en-US" dirty="0"/>
-              <a:t>動画</a:t>
-            </a:r>
-            <a:r>
-              <a:rPr lang="en-US" altLang="ja-JP" dirty="0"/>
-              <a:t>:</a:t>
-            </a:r>
-            <a:r>
-              <a:rPr kumimoji="1" lang="ja-JP" altLang="en-US" dirty="0"/>
-              <a:t>観光地動画</a:t>
-            </a:r>
-            <a:endParaRPr kumimoji="1" lang="en-US" altLang="ja-JP" dirty="0"/>
-          </a:p>
-          <a:p>
-            <a:pPr lvl="1"/>
-            <a:r>
-              <a:rPr lang="ja-JP" altLang="en-US" dirty="0"/>
-              <a:t>楽曲</a:t>
-            </a:r>
-            <a:r>
-              <a:rPr lang="en-US" altLang="ja-JP" dirty="0"/>
-              <a:t>: </a:t>
-            </a:r>
-            <a:r>
-              <a:rPr lang="ja-JP" altLang="en-US" dirty="0"/>
-              <a:t>クラシックや</a:t>
+            <a:pPr marL="0" indent="0">
+              <a:buNone/>
+            </a:pPr>
+            <a:r>
+              <a:rPr kumimoji="1" lang="ja-JP" altLang="en-US" dirty="0" smtClean="0"/>
+              <a:t>水曜日に借りたラズベリーパイ</a:t>
+            </a:r>
+            <a:r>
+              <a:rPr kumimoji="1" lang="en-US" altLang="ja-JP" dirty="0" smtClean="0"/>
+              <a:t>2</a:t>
+            </a:r>
+            <a:r>
+              <a:rPr kumimoji="1" lang="ja-JP" altLang="en-US" dirty="0" smtClean="0"/>
+              <a:t>機のセットアップ</a:t>
+            </a:r>
+            <a:r>
+              <a:rPr lang="en-US" altLang="ja-JP" dirty="0" smtClean="0"/>
+              <a:t>(</a:t>
+            </a:r>
+            <a:r>
+              <a:rPr lang="en-US" altLang="ja-JP" dirty="0" err="1" smtClean="0"/>
+              <a:t>ssh</a:t>
             </a:r>
             <a:r>
               <a:rPr lang="ja-JP" altLang="en-US" dirty="0" smtClean="0"/>
-              <a:t>インストルメンタルなど</a:t>
-            </a:r>
-            <a:endParaRPr lang="en-US" altLang="ja-JP" dirty="0"/>
-          </a:p>
-          <a:p>
-            <a:r>
-              <a:rPr kumimoji="1" lang="en-US" altLang="ja-JP" dirty="0"/>
-              <a:t>8</a:t>
-            </a:r>
-            <a:r>
-              <a:rPr kumimoji="1" lang="ja-JP" altLang="en-US" dirty="0"/>
-              <a:t>つの印象軸 </a:t>
-            </a:r>
-            <a:r>
-              <a:rPr kumimoji="1" lang="en-US" altLang="ja-JP" dirty="0"/>
-              <a:t>(6</a:t>
-            </a:r>
-            <a:r>
-              <a:rPr kumimoji="1" lang="ja-JP" altLang="en-US" dirty="0"/>
-              <a:t>つの印象 </a:t>
-            </a:r>
-            <a:r>
-              <a:rPr kumimoji="1" lang="en-US" altLang="ja-JP" dirty="0"/>
-              <a:t>+ 2</a:t>
-            </a:r>
-            <a:r>
-              <a:rPr kumimoji="1" lang="ja-JP" altLang="en-US" dirty="0"/>
-              <a:t>つの複合印象</a:t>
-            </a:r>
-            <a:r>
-              <a:rPr kumimoji="1" lang="en-US" altLang="ja-JP" dirty="0"/>
+              <a:t>接続で作業できるように</a:t>
+            </a:r>
+            <a:r>
+              <a:rPr lang="en-US" altLang="ja-JP" dirty="0" smtClean="0"/>
               <a:t>)</a:t>
             </a:r>
-            <a:endParaRPr lang="en-US" altLang="ja-JP" dirty="0"/>
-          </a:p>
-          <a:p>
-            <a:pPr lvl="1"/>
-            <a:r>
-              <a:rPr lang="ja-JP" altLang="en-US" dirty="0"/>
-              <a:t>印象</a:t>
-            </a:r>
-            <a:r>
-              <a:rPr lang="en-US" altLang="ja-JP" dirty="0"/>
-              <a:t>: </a:t>
-            </a:r>
-            <a:r>
-              <a:rPr lang="ja-JP" altLang="en-US" dirty="0"/>
-              <a:t>堂々，元気が出る，切ない，激しい，滑稽，かわいい</a:t>
-            </a:r>
-            <a:endParaRPr lang="en-US" altLang="ja-JP" sz="2800" dirty="0"/>
-          </a:p>
-          <a:p>
-            <a:pPr lvl="1"/>
-            <a:r>
-              <a:rPr kumimoji="1" lang="en-US" altLang="ja-JP" sz="2200" dirty="0"/>
-              <a:t>Valance</a:t>
-            </a:r>
-            <a:r>
-              <a:rPr kumimoji="1" lang="ja-JP" altLang="en-US" sz="2200" dirty="0"/>
-              <a:t>（</a:t>
-            </a:r>
-            <a:r>
-              <a:rPr lang="ja-JP" altLang="en-US" sz="2200" dirty="0"/>
-              <a:t>明るい気持になる，楽しい，暗い気持ちになる，悲しい）</a:t>
-            </a:r>
-            <a:endParaRPr lang="en-US" altLang="ja-JP" sz="2200" dirty="0"/>
-          </a:p>
-          <a:p>
-            <a:pPr lvl="1"/>
-            <a:r>
-              <a:rPr kumimoji="1" lang="en-US" altLang="ja-JP" sz="2100" dirty="0"/>
-              <a:t>Arousal</a:t>
-            </a:r>
-            <a:r>
-              <a:rPr kumimoji="1" lang="ja-JP" altLang="en-US" sz="2100" dirty="0"/>
-              <a:t>（</a:t>
-            </a:r>
-            <a:r>
-              <a:rPr lang="ja-JP" altLang="en-US" sz="2100" dirty="0"/>
-              <a:t>激しい，積極的な，強気な，穏やかな，消極的な，弱気な）</a:t>
-            </a:r>
-            <a:endParaRPr kumimoji="1" lang="ja-JP" altLang="en-US" sz="2100" dirty="0"/>
+            <a:r>
+              <a:rPr kumimoji="1" lang="ja-JP" altLang="en-US" dirty="0" smtClean="0"/>
+              <a:t>及び</a:t>
+            </a:r>
+            <a:r>
+              <a:rPr kumimoji="1" lang="en-US" altLang="ja-JP" dirty="0" err="1" smtClean="0"/>
+              <a:t>nginx</a:t>
+            </a:r>
+            <a:r>
+              <a:rPr kumimoji="1" lang="ja-JP" altLang="en-US" dirty="0" smtClean="0"/>
+              <a:t>のインストール</a:t>
+            </a:r>
+            <a:endParaRPr kumimoji="1" lang="en-US" altLang="ja-JP" dirty="0" smtClean="0"/>
+          </a:p>
+          <a:p>
+            <a:pPr marL="0" indent="0">
+              <a:buNone/>
+            </a:pPr>
+            <a:endParaRPr kumimoji="1" lang="ja-JP" altLang="en-US" dirty="0"/>
           </a:p>
         </p:txBody>
       </p:sp>
@@ -7024,272 +7089,32 @@
           <a:lstStyle/>
           <a:p>
             <a:fld id="{B4451160-128F-4DAD-AE29-4A8CC0E7B9E9}" type="slidenum">
-              <a:rPr kumimoji="1" lang="ja-JP" altLang="en-US" smtClean="0"/>
+              <a:rPr lang="ja-JP" altLang="en-US" smtClean="0"/>
+              <a:pPr/>
               <a:t>8</a:t>
             </a:fld>
-            <a:endParaRPr kumimoji="1" lang="ja-JP" altLang="en-US"/>
+            <a:endParaRPr lang="ja-JP" altLang="en-US" dirty="0"/>
           </a:p>
         </p:txBody>
       </p:sp>
       <p:pic>
         <p:nvPicPr>
-          <p:cNvPr id="5" name="図 4">
-            <a:extLst>
-              <a:ext uri="{FF2B5EF4-FFF2-40B4-BE49-F238E27FC236}">
-                <a16:creationId xmlns:a16="http://schemas.microsoft.com/office/drawing/2014/main" id="{5F616502-13CA-4AC2-9176-2EAF28070D88}"/>
-              </a:ext>
-            </a:extLst>
-          </p:cNvPr>
+          <p:cNvPr id="11" name="図 10"/>
           <p:cNvPicPr>
             <a:picLocks noChangeAspect="1"/>
           </p:cNvPicPr>
           <p:nvPr/>
         </p:nvPicPr>
         <p:blipFill>
-          <a:blip r:embed="rId2" cstate="print">
-            <a:extLst>
-              <a:ext uri="{28A0092B-C50C-407E-A947-70E740481C1C}">
-                <a14:useLocalDpi xmlns:a14="http://schemas.microsoft.com/office/drawing/2010/main" val="0"/>
-              </a:ext>
-            </a:extLst>
-          </a:blip>
+          <a:blip r:embed="rId2"/>
           <a:stretch>
             <a:fillRect/>
           </a:stretch>
         </p:blipFill>
         <p:spPr>
           <a:xfrm>
-            <a:off x="1536026" y="5066704"/>
-            <a:ext cx="2151052" cy="1613289"/>
-          </a:xfrm>
-          <a:prstGeom prst="rect">
-            <a:avLst/>
-          </a:prstGeom>
-        </p:spPr>
-      </p:pic>
-      <p:sp>
-        <p:nvSpPr>
-          <p:cNvPr id="6" name="テキスト ボックス 17">
-            <a:extLst>
-              <a:ext uri="{FF2B5EF4-FFF2-40B4-BE49-F238E27FC236}">
-                <a16:creationId xmlns:a16="http://schemas.microsoft.com/office/drawing/2014/main" id="{8FD7CA2B-0522-4BC2-9F68-2A28E2C6FA3D}"/>
-              </a:ext>
-            </a:extLst>
-          </p:cNvPr>
-          <p:cNvSpPr txBox="1"/>
-          <p:nvPr/>
-        </p:nvSpPr>
-        <p:spPr>
-          <a:xfrm>
-            <a:off x="3868578" y="5233659"/>
-            <a:ext cx="2984167" cy="943997"/>
-          </a:xfrm>
-          <a:prstGeom prst="rect">
-            <a:avLst/>
-          </a:prstGeom>
-          <a:noFill/>
-        </p:spPr>
-        <p:txBody>
-          <a:bodyPr wrap="square" rtlCol="0">
-            <a:spAutoFit/>
-          </a:bodyPr>
-          <a:lstStyle/>
-          <a:p>
-            <a:r>
-              <a:rPr kumimoji="1" lang="ja-JP" altLang="en-US" dirty="0"/>
-              <a:t>例</a:t>
-            </a:r>
-            <a:r>
-              <a:rPr kumimoji="1" lang="en-US" altLang="ja-JP" dirty="0"/>
-              <a:t>: </a:t>
-            </a:r>
-            <a:r>
-              <a:rPr kumimoji="1" lang="ja-JP" altLang="en-US" dirty="0"/>
-              <a:t>観光地から明るい印象を受けるので，“元気が出る”</a:t>
-            </a:r>
-            <a:r>
-              <a:rPr kumimoji="1" lang="en-US" altLang="ja-JP" dirty="0"/>
-              <a:t/>
-            </a:r>
-            <a:br>
-              <a:rPr kumimoji="1" lang="en-US" altLang="ja-JP" dirty="0"/>
-            </a:br>
-            <a:r>
-              <a:rPr kumimoji="1" lang="ja-JP" altLang="en-US" dirty="0"/>
-              <a:t>楽曲とマッチング</a:t>
-            </a:r>
-          </a:p>
-        </p:txBody>
-      </p:sp>
-    </p:spTree>
-    <p:extLst>
-      <p:ext uri="{BB962C8B-B14F-4D97-AF65-F5344CB8AC3E}">
-        <p14:creationId xmlns:p14="http://schemas.microsoft.com/office/powerpoint/2010/main" val="1923407823"/>
-      </p:ext>
-    </p:extLst>
-  </p:cSld>
-  <p:clrMapOvr>
-    <a:masterClrMapping/>
-  </p:clrMapOvr>
-</p:sld>
-</file>
-
-<file path=ppt/slides/slide9.xml><?xml version="1.0" encoding="utf-8"?>
-<p:sld xmlns:a="http://schemas.openxmlformats.org/drawingml/2006/main" xmlns:r="http://schemas.openxmlformats.org/officeDocument/2006/relationships" xmlns:p="http://schemas.openxmlformats.org/presentationml/2006/main">
-  <p:cSld>
-    <p:spTree>
-      <p:nvGrpSpPr>
-        <p:cNvPr id="1" name=""/>
-        <p:cNvGrpSpPr/>
-        <p:nvPr/>
-      </p:nvGrpSpPr>
-      <p:grpSpPr>
-        <a:xfrm>
-          <a:off x="0" y="0"/>
-          <a:ext cx="0" cy="0"/>
-          <a:chOff x="0" y="0"/>
-          <a:chExt cx="0" cy="0"/>
-        </a:xfrm>
-      </p:grpSpPr>
-      <p:sp>
-        <p:nvSpPr>
-          <p:cNvPr id="2" name="タイトル 1"/>
-          <p:cNvSpPr>
-            <a:spLocks noGrp="1"/>
-          </p:cNvSpPr>
-          <p:nvPr>
-            <p:ph type="title"/>
-          </p:nvPr>
-        </p:nvSpPr>
-        <p:spPr/>
-        <p:txBody>
-          <a:bodyPr/>
-          <a:lstStyle/>
-          <a:p>
-            <a:r>
-              <a:rPr kumimoji="1" lang="ja-JP" altLang="en-US" dirty="0"/>
-              <a:t>進捗状況</a:t>
-            </a:r>
-          </a:p>
-        </p:txBody>
-      </p:sp>
-      <p:sp>
-        <p:nvSpPr>
-          <p:cNvPr id="3" name="コンテンツ プレースホルダー 2"/>
-          <p:cNvSpPr>
-            <a:spLocks noGrp="1"/>
-          </p:cNvSpPr>
-          <p:nvPr>
-            <p:ph idx="1"/>
-          </p:nvPr>
-        </p:nvSpPr>
-        <p:spPr/>
-        <p:txBody>
-          <a:bodyPr/>
-          <a:lstStyle/>
-          <a:p>
-            <a:r>
-              <a:rPr lang="ja-JP" altLang="en-US" dirty="0"/>
-              <a:t>楽曲</a:t>
-            </a:r>
-            <a:r>
-              <a:rPr kumimoji="1" lang="ja-JP" altLang="en-US" dirty="0"/>
-              <a:t>データを横軸に時間</a:t>
-            </a:r>
-            <a:r>
-              <a:rPr lang="ja-JP" altLang="en-US" dirty="0"/>
-              <a:t>，</a:t>
-            </a:r>
-            <a:r>
-              <a:rPr kumimoji="1" lang="ja-JP" altLang="en-US" dirty="0"/>
-              <a:t>縦軸に周波数を表した</a:t>
-            </a:r>
-            <a:r>
-              <a:rPr lang="en-US" altLang="ja-JP" dirty="0"/>
-              <a:t/>
-            </a:r>
-            <a:br>
-              <a:rPr lang="en-US" altLang="ja-JP" dirty="0"/>
-            </a:br>
-            <a:r>
-              <a:rPr kumimoji="1" lang="ja-JP" altLang="en-US" dirty="0"/>
-              <a:t>スペクトログラム</a:t>
-            </a:r>
-            <a:r>
-              <a:rPr lang="ja-JP" altLang="en-US" dirty="0"/>
-              <a:t>に</a:t>
-            </a:r>
-            <a:r>
-              <a:rPr kumimoji="1" lang="ja-JP" altLang="en-US" dirty="0"/>
-              <a:t>するプログラムの作成をした．</a:t>
-            </a:r>
-            <a:endParaRPr kumimoji="1" lang="en-US" altLang="ja-JP" dirty="0"/>
-          </a:p>
-          <a:p>
-            <a:r>
-              <a:rPr lang="ja-JP" altLang="en-US" dirty="0"/>
-              <a:t>深層学習</a:t>
-            </a:r>
-            <a:r>
-              <a:rPr lang="en-US" altLang="ja-JP" dirty="0"/>
-              <a:t>(Convolutional Neural Network)</a:t>
-            </a:r>
-            <a:r>
-              <a:rPr lang="ja-JP" altLang="en-US" dirty="0"/>
-              <a:t>で，印象の学習を行う予定である．</a:t>
-            </a:r>
-            <a:endParaRPr kumimoji="1" lang="ja-JP" altLang="en-US" dirty="0"/>
-          </a:p>
-        </p:txBody>
-      </p:sp>
-      <p:sp>
-        <p:nvSpPr>
-          <p:cNvPr id="4" name="スライド番号プレースホルダー 3"/>
-          <p:cNvSpPr>
-            <a:spLocks noGrp="1"/>
-          </p:cNvSpPr>
-          <p:nvPr>
-            <p:ph type="sldNum" sz="quarter" idx="12"/>
-          </p:nvPr>
-        </p:nvSpPr>
-        <p:spPr/>
-        <p:txBody>
-          <a:bodyPr/>
-          <a:lstStyle/>
-          <a:p>
-            <a:fld id="{B4451160-128F-4DAD-AE29-4A8CC0E7B9E9}" type="slidenum">
-              <a:rPr lang="ja-JP" altLang="en-US" smtClean="0"/>
-              <a:pPr/>
-              <a:t>9</a:t>
-            </a:fld>
-            <a:endParaRPr lang="ja-JP" altLang="en-US" dirty="0"/>
-          </a:p>
-        </p:txBody>
-      </p:sp>
-      <p:pic>
-        <p:nvPicPr>
-          <p:cNvPr id="6" name="図 5"/>
-          <p:cNvPicPr>
-            <a:picLocks noChangeAspect="1"/>
-          </p:cNvPicPr>
-          <p:nvPr/>
-        </p:nvPicPr>
-        <p:blipFill>
-          <a:blip r:embed="rId2">
-            <a:extLst>
-              <a:ext uri="{28A0092B-C50C-407E-A947-70E740481C1C}">
-                <a14:useLocalDpi xmlns:a14="http://schemas.microsoft.com/office/drawing/2010/main" val="0"/>
-              </a:ext>
-            </a:extLst>
-          </a:blip>
-          <a:stretch>
-            <a:fillRect/>
-          </a:stretch>
-        </p:blipFill>
-        <p:spPr>
-          <a:xfrm>
-            <a:off x="628650" y="3735002"/>
-            <a:ext cx="7324760" cy="2621349"/>
+            <a:off x="628650" y="2758463"/>
+            <a:ext cx="5636134" cy="3701894"/>
           </a:xfrm>
           <a:prstGeom prst="rect">
             <a:avLst/>
@@ -7299,7 +7124,7 @@
     </p:spTree>
     <p:extLst>
       <p:ext uri="{BB962C8B-B14F-4D97-AF65-F5344CB8AC3E}">
-        <p14:creationId xmlns:p14="http://schemas.microsoft.com/office/powerpoint/2010/main" val="3872963283"/>
+        <p14:creationId xmlns:p14="http://schemas.microsoft.com/office/powerpoint/2010/main" val="2020481824"/>
       </p:ext>
     </p:extLst>
   </p:cSld>

--- a/発表用スライド/1821144_yoshii_thesis.pptx
+++ b/発表用スライド/1821144_yoshii_thesis.pptx
@@ -5,7 +5,7 @@
     <p:sldMasterId id="2147483660" r:id="rId1"/>
   </p:sldMasterIdLst>
   <p:notesMasterIdLst>
-    <p:notesMasterId r:id="rId10"/>
+    <p:notesMasterId r:id="rId11"/>
   </p:notesMasterIdLst>
   <p:sldIdLst>
     <p:sldId id="257" r:id="rId2"/>
@@ -16,6 +16,7 @@
     <p:sldId id="259" r:id="rId7"/>
     <p:sldId id="265" r:id="rId8"/>
     <p:sldId id="267" r:id="rId9"/>
+    <p:sldId id="268" r:id="rId10"/>
   </p:sldIdLst>
   <p:sldSz cx="9144000" cy="6858000" type="screen4x3"/>
   <p:notesSz cx="6858000" cy="9144000"/>
@@ -3759,19 +3760,31 @@
             </a:pPr>
             <a:r>
               <a:rPr lang="ja-JP" altLang="en-US" dirty="0"/>
-              <a:t>スマートフォンなど</a:t>
-            </a:r>
-            <a:r>
-              <a:rPr lang="ja-JP" altLang="en-US"/>
-              <a:t>で</a:t>
-            </a:r>
-            <a:r>
-              <a:rPr lang="ja-JP" altLang="en-US" smtClean="0"/>
+              <a:t>スマートフォンなどで</a:t>
+            </a:r>
+            <a:r>
+              <a:rPr lang="ja-JP" altLang="en-US" dirty="0" smtClean="0"/>
               <a:t>誰でも</a:t>
             </a:r>
             <a:r>
               <a:rPr lang="ja-JP" altLang="en-US" dirty="0"/>
-              <a:t>音楽を作成することが可能になっている．そのため</a:t>
+              <a:t>音楽</a:t>
+            </a:r>
+            <a:r>
+              <a:rPr lang="ja-JP" altLang="en-US" dirty="0" smtClean="0"/>
+              <a:t>を</a:t>
+            </a:r>
+            <a:r>
+              <a:rPr lang="ja-JP" altLang="en-US" dirty="0"/>
+              <a:t>投稿</a:t>
+            </a:r>
+            <a:r>
+              <a:rPr lang="ja-JP" altLang="en-US" dirty="0" smtClean="0"/>
+              <a:t>する</a:t>
+            </a:r>
+            <a:r>
+              <a:rPr lang="ja-JP" altLang="en-US" dirty="0"/>
+              <a:t>ことが可能になっている．そのため</a:t>
             </a:r>
             <a:r>
               <a:rPr lang="en-US" altLang="ja-JP" dirty="0"/>
@@ -4255,6 +4268,13 @@
   <p:clrMapOvr>
     <a:masterClrMapping/>
   </p:clrMapOvr>
+  <p:timing>
+    <p:tnLst>
+      <p:par>
+        <p:cTn id="1" dur="indefinite" restart="never" nodeType="tmRoot"/>
+      </p:par>
+    </p:tnLst>
+  </p:timing>
 </p:sld>
 </file>
 
@@ -4734,6 +4754,13 @@
   <p:clrMapOvr>
     <a:masterClrMapping/>
   </p:clrMapOvr>
+  <p:timing>
+    <p:tnLst>
+      <p:par>
+        <p:cTn id="1" dur="indefinite" restart="never" nodeType="tmRoot"/>
+      </p:par>
+    </p:tnLst>
+  </p:timing>
 </p:sld>
 </file>
 
@@ -4800,7 +4827,23 @@
           <a:p>
             <a:r>
               <a:rPr lang="ja-JP" altLang="en-US" dirty="0"/>
-              <a:t>ユーザから投稿される大量のデータを合成する場合，応答速度をできるだけ早くすることが，サービス向上につながる．</a:t>
+              <a:t>ユーザから投稿される大量のデータを合成する場合</a:t>
+            </a:r>
+            <a:r>
+              <a:rPr lang="ja-JP" altLang="en-US" dirty="0" smtClean="0"/>
+              <a:t>，</a:t>
+            </a:r>
+            <a:r>
+              <a:rPr lang="ja-JP" altLang="en-US" dirty="0"/>
+              <a:t>処理</a:t>
+            </a:r>
+            <a:r>
+              <a:rPr lang="ja-JP" altLang="en-US" dirty="0" smtClean="0"/>
+              <a:t>速度</a:t>
+            </a:r>
+            <a:r>
+              <a:rPr lang="ja-JP" altLang="en-US" dirty="0"/>
+              <a:t>をできるだけ早くすることが，サービス向上につながる．</a:t>
             </a:r>
             <a:endParaRPr lang="en-US" altLang="ja-JP" dirty="0"/>
           </a:p>
@@ -5452,6 +5495,13 @@
   <p:clrMapOvr>
     <a:masterClrMapping/>
   </p:clrMapOvr>
+  <p:timing>
+    <p:tnLst>
+      <p:par>
+        <p:cTn id="1" dur="indefinite" restart="never" nodeType="tmRoot"/>
+      </p:par>
+    </p:tnLst>
+  </p:timing>
 </p:sld>
 </file>
 
@@ -5597,6 +5647,13 @@
   <p:clrMapOvr>
     <a:masterClrMapping/>
   </p:clrMapOvr>
+  <p:timing>
+    <p:tnLst>
+      <p:par>
+        <p:cTn id="1" dur="indefinite" restart="never" nodeType="tmRoot"/>
+      </p:par>
+    </p:tnLst>
+  </p:timing>
 </p:sld>
 </file>
 
@@ -6455,6 +6512,13 @@
   <p:clrMapOvr>
     <a:masterClrMapping/>
   </p:clrMapOvr>
+  <p:timing>
+    <p:tnLst>
+      <p:par>
+        <p:cTn id="1" dur="indefinite" restart="never" nodeType="tmRoot"/>
+      </p:par>
+    </p:tnLst>
+  </p:timing>
 </p:sld>
 </file>
 
@@ -6775,6 +6839,13 @@
   <p:clrMapOvr>
     <a:masterClrMapping/>
   </p:clrMapOvr>
+  <p:timing>
+    <p:tnLst>
+      <p:par>
+        <p:cTn id="1" dur="indefinite" restart="never" nodeType="tmRoot"/>
+      </p:par>
+    </p:tnLst>
+  </p:timing>
 </p:sld>
 </file>
 
@@ -6951,6 +7022,13 @@
   <p:clrMapOvr>
     <a:masterClrMapping/>
   </p:clrMapOvr>
+  <p:timing>
+    <p:tnLst>
+      <p:par>
+        <p:cTn id="1" dur="indefinite" restart="never" nodeType="tmRoot"/>
+      </p:par>
+    </p:tnLst>
+  </p:timing>
 </p:sld>
 </file>
 
@@ -7010,13 +7088,13 @@
         </p:nvSpPr>
         <p:spPr>
           <a:xfrm>
-            <a:off x="628650" y="1825624"/>
-            <a:ext cx="7886700" cy="1036845"/>
+            <a:off x="628650" y="1463040"/>
+            <a:ext cx="7886700" cy="1311965"/>
           </a:xfrm>
         </p:spPr>
         <p:txBody>
           <a:bodyPr>
-            <a:normAutofit fontScale="92500"/>
+            <a:normAutofit/>
           </a:bodyPr>
           <a:lstStyle/>
           <a:p>
@@ -7061,8 +7139,26 @@
             </a:r>
             <a:r>
               <a:rPr kumimoji="1" lang="ja-JP" altLang="en-US" dirty="0" smtClean="0"/>
-              <a:t>のインストール</a:t>
-            </a:r>
+              <a:t>の</a:t>
+            </a:r>
+            <a:r>
+              <a:rPr kumimoji="1" lang="ja-JP" altLang="en-US" dirty="0" smtClean="0"/>
+              <a:t>インストール</a:t>
+            </a:r>
+            <a:r>
+              <a:rPr kumimoji="1" lang="en-US" altLang="ja-JP" smtClean="0"/>
+              <a:t>//</a:t>
+            </a:r>
+            <a:r>
+              <a:rPr kumimoji="1" lang="ja-JP" altLang="en-US" smtClean="0"/>
+              <a:t>エラーの件書く</a:t>
+            </a:r>
+            <a:endParaRPr kumimoji="1" lang="en-US" altLang="ja-JP" dirty="0" smtClean="0"/>
+          </a:p>
+          <a:p>
+            <a:pPr marL="0" indent="0">
+              <a:buNone/>
+            </a:pPr>
             <a:endParaRPr kumimoji="1" lang="en-US" altLang="ja-JP" dirty="0" smtClean="0"/>
           </a:p>
           <a:p>
@@ -7105,16 +7201,15 @@
           </p:cNvPicPr>
           <p:nvPr/>
         </p:nvPicPr>
-        <p:blipFill>
+        <p:blipFill rotWithShape="1">
           <a:blip r:embed="rId2"/>
-          <a:stretch>
-            <a:fillRect/>
-          </a:stretch>
+          <a:srcRect l="297" t="-602" r="-297" b="61438"/>
+          <a:stretch/>
         </p:blipFill>
         <p:spPr>
           <a:xfrm>
-            <a:off x="628650" y="2758463"/>
-            <a:ext cx="5636134" cy="3701894"/>
+            <a:off x="486222" y="2997404"/>
+            <a:ext cx="8029128" cy="2067979"/>
           </a:xfrm>
           <a:prstGeom prst="rect">
             <a:avLst/>
@@ -7131,6 +7226,169 @@
   <p:clrMapOvr>
     <a:masterClrMapping/>
   </p:clrMapOvr>
+  <p:timing>
+    <p:tnLst>
+      <p:par>
+        <p:cTn id="1" dur="indefinite" restart="never" nodeType="tmRoot"/>
+      </p:par>
+    </p:tnLst>
+  </p:timing>
+</p:sld>
+</file>
+
+<file path=ppt/slides/slide9.xml><?xml version="1.0" encoding="utf-8"?>
+<p:sld xmlns:a="http://schemas.openxmlformats.org/drawingml/2006/main" xmlns:r="http://schemas.openxmlformats.org/officeDocument/2006/relationships" xmlns:p="http://schemas.openxmlformats.org/presentationml/2006/main">
+  <p:cSld>
+    <p:spTree>
+      <p:nvGrpSpPr>
+        <p:cNvPr id="1" name=""/>
+        <p:cNvGrpSpPr/>
+        <p:nvPr/>
+      </p:nvGrpSpPr>
+      <p:grpSpPr>
+        <a:xfrm>
+          <a:off x="0" y="0"/>
+          <a:ext cx="0" cy="0"/>
+          <a:chOff x="0" y="0"/>
+          <a:chExt cx="0" cy="0"/>
+        </a:xfrm>
+      </p:grpSpPr>
+      <p:sp>
+        <p:nvSpPr>
+          <p:cNvPr id="2" name="タイトル 1"/>
+          <p:cNvSpPr>
+            <a:spLocks noGrp="1"/>
+          </p:cNvSpPr>
+          <p:nvPr>
+            <p:ph type="title"/>
+          </p:nvPr>
+        </p:nvSpPr>
+        <p:spPr/>
+        <p:txBody>
+          <a:bodyPr/>
+          <a:lstStyle/>
+          <a:p>
+            <a:r>
+              <a:rPr lang="ja-JP" altLang="en-US" dirty="0"/>
+              <a:t>次回までの作業予定</a:t>
+            </a:r>
+            <a:endParaRPr kumimoji="1" lang="ja-JP" altLang="en-US" dirty="0"/>
+          </a:p>
+        </p:txBody>
+      </p:sp>
+      <p:sp>
+        <p:nvSpPr>
+          <p:cNvPr id="3" name="コンテンツ プレースホルダー 2"/>
+          <p:cNvSpPr>
+            <a:spLocks noGrp="1"/>
+          </p:cNvSpPr>
+          <p:nvPr>
+            <p:ph idx="1"/>
+          </p:nvPr>
+        </p:nvSpPr>
+        <p:spPr/>
+        <p:txBody>
+          <a:bodyPr/>
+          <a:lstStyle/>
+          <a:p>
+            <a:pPr marL="0" indent="0">
+              <a:buNone/>
+            </a:pPr>
+            <a:r>
+              <a:rPr kumimoji="1" lang="en-US" altLang="ja-JP" dirty="0" smtClean="0"/>
+              <a:t>raspberrypi1</a:t>
+            </a:r>
+            <a:r>
+              <a:rPr kumimoji="1" lang="ja-JP" altLang="en-US" dirty="0" smtClean="0"/>
+              <a:t>台に実際に処理をさせてみて、どれほどの速度になるかを実験してみる。</a:t>
+            </a:r>
+            <a:endParaRPr kumimoji="1" lang="en-US" altLang="ja-JP" dirty="0" smtClean="0"/>
+          </a:p>
+          <a:p>
+            <a:pPr marL="0" indent="0">
+              <a:buNone/>
+            </a:pPr>
+            <a:endParaRPr lang="en-US" altLang="ja-JP" dirty="0"/>
+          </a:p>
+          <a:p>
+            <a:pPr marL="0" indent="0">
+              <a:buNone/>
+            </a:pPr>
+            <a:r>
+              <a:rPr kumimoji="1" lang="ja-JP" altLang="en-US" dirty="0" smtClean="0"/>
+              <a:t>音楽のジャンル分けプログラムを実際にラズパイで動かしてみる。</a:t>
+            </a:r>
+            <a:endParaRPr kumimoji="1" lang="en-US" altLang="ja-JP" dirty="0" smtClean="0"/>
+          </a:p>
+          <a:p>
+            <a:pPr marL="0" indent="0">
+              <a:buNone/>
+            </a:pPr>
+            <a:endParaRPr lang="en-US" altLang="ja-JP" dirty="0"/>
+          </a:p>
+          <a:p>
+            <a:pPr marL="0" indent="0">
+              <a:buNone/>
+            </a:pPr>
+            <a:r>
+              <a:rPr kumimoji="1" lang="en-US" altLang="ja-JP" dirty="0" smtClean="0"/>
+              <a:t>Windows</a:t>
+            </a:r>
+            <a:r>
+              <a:rPr kumimoji="1" lang="ja-JP" altLang="en-US" dirty="0" smtClean="0"/>
+              <a:t>で動いたプログラムがラズパイで実際に動くか。</a:t>
+            </a:r>
+            <a:endParaRPr kumimoji="1" lang="en-US" altLang="ja-JP" dirty="0" smtClean="0"/>
+          </a:p>
+          <a:p>
+            <a:pPr marL="0" indent="0">
+              <a:buNone/>
+            </a:pPr>
+            <a:endParaRPr kumimoji="1" lang="ja-JP" altLang="en-US" dirty="0"/>
+          </a:p>
+        </p:txBody>
+      </p:sp>
+      <p:sp>
+        <p:nvSpPr>
+          <p:cNvPr id="4" name="スライド番号プレースホルダー 3"/>
+          <p:cNvSpPr>
+            <a:spLocks noGrp="1"/>
+          </p:cNvSpPr>
+          <p:nvPr>
+            <p:ph type="sldNum" sz="quarter" idx="12"/>
+          </p:nvPr>
+        </p:nvSpPr>
+        <p:spPr/>
+        <p:txBody>
+          <a:bodyPr/>
+          <a:lstStyle/>
+          <a:p>
+            <a:fld id="{B4451160-128F-4DAD-AE29-4A8CC0E7B9E9}" type="slidenum">
+              <a:rPr lang="ja-JP" altLang="en-US" smtClean="0"/>
+              <a:pPr/>
+              <a:t>9</a:t>
+            </a:fld>
+            <a:endParaRPr lang="ja-JP" altLang="en-US" dirty="0"/>
+          </a:p>
+        </p:txBody>
+      </p:sp>
+    </p:spTree>
+    <p:extLst>
+      <p:ext uri="{BB962C8B-B14F-4D97-AF65-F5344CB8AC3E}">
+        <p14:creationId xmlns:p14="http://schemas.microsoft.com/office/powerpoint/2010/main" val="1182900550"/>
+      </p:ext>
+    </p:extLst>
+  </p:cSld>
+  <p:clrMapOvr>
+    <a:masterClrMapping/>
+  </p:clrMapOvr>
+  <p:timing>
+    <p:tnLst>
+      <p:par>
+        <p:cTn id="1" dur="indefinite" restart="never" nodeType="tmRoot"/>
+      </p:par>
+    </p:tnLst>
+  </p:timing>
 </p:sld>
 </file>
 

--- a/発表用スライド/1821144_yoshii_thesis.pptx
+++ b/発表用スライド/1821144_yoshii_thesis.pptx
@@ -5,18 +5,21 @@
     <p:sldMasterId id="2147483660" r:id="rId1"/>
   </p:sldMasterIdLst>
   <p:notesMasterIdLst>
-    <p:notesMasterId r:id="rId11"/>
+    <p:notesMasterId r:id="rId14"/>
   </p:notesMasterIdLst>
   <p:sldIdLst>
-    <p:sldId id="257" r:id="rId2"/>
-    <p:sldId id="258" r:id="rId3"/>
-    <p:sldId id="260" r:id="rId4"/>
-    <p:sldId id="261" r:id="rId5"/>
-    <p:sldId id="262" r:id="rId6"/>
-    <p:sldId id="259" r:id="rId7"/>
-    <p:sldId id="265" r:id="rId8"/>
-    <p:sldId id="267" r:id="rId9"/>
-    <p:sldId id="268" r:id="rId10"/>
+    <p:sldId id="270" r:id="rId2"/>
+    <p:sldId id="257" r:id="rId3"/>
+    <p:sldId id="258" r:id="rId4"/>
+    <p:sldId id="260" r:id="rId5"/>
+    <p:sldId id="261" r:id="rId6"/>
+    <p:sldId id="262" r:id="rId7"/>
+    <p:sldId id="259" r:id="rId8"/>
+    <p:sldId id="265" r:id="rId9"/>
+    <p:sldId id="267" r:id="rId10"/>
+    <p:sldId id="271" r:id="rId11"/>
+    <p:sldId id="272" r:id="rId12"/>
+    <p:sldId id="268" r:id="rId13"/>
   </p:sldIdLst>
   <p:sldSz cx="9144000" cy="6858000" type="screen4x3"/>
   <p:notesSz cx="6858000" cy="9144000"/>
@@ -234,7 +237,7 @@
           <a:p>
             <a:fld id="{27571B5F-C8EC-4379-AD76-80FD414F3861}" type="datetimeFigureOut">
               <a:rPr kumimoji="1" lang="ja-JP" altLang="en-US" smtClean="0"/>
-              <a:t>2021/10/11</a:t>
+              <a:t>2021/10/24</a:t>
             </a:fld>
             <a:endParaRPr kumimoji="1" lang="ja-JP" altLang="en-US"/>
           </a:p>
@@ -664,7 +667,7 @@
           <a:p>
             <a:fld id="{22C6F9C5-C6AA-409B-AF03-98D7346F1423}" type="datetime1">
               <a:rPr kumimoji="1" lang="ja-JP" altLang="en-US" smtClean="0"/>
-              <a:t>2021/10/11</a:t>
+              <a:t>2021/10/24</a:t>
             </a:fld>
             <a:endParaRPr kumimoji="1" lang="ja-JP" altLang="en-US"/>
           </a:p>
@@ -867,7 +870,7 @@
           <a:p>
             <a:fld id="{22E0F957-B7A6-49B1-8F7C-E83B3F2002DA}" type="datetime1">
               <a:rPr kumimoji="1" lang="ja-JP" altLang="en-US" smtClean="0"/>
-              <a:t>2021/10/11</a:t>
+              <a:t>2021/10/24</a:t>
             </a:fld>
             <a:endParaRPr kumimoji="1" lang="ja-JP" altLang="en-US"/>
           </a:p>
@@ -1080,7 +1083,7 @@
           <a:p>
             <a:fld id="{DE6F7DB3-2648-413C-8B2E-93728F539CCD}" type="datetime1">
               <a:rPr kumimoji="1" lang="ja-JP" altLang="en-US" smtClean="0"/>
-              <a:t>2021/10/11</a:t>
+              <a:t>2021/10/24</a:t>
             </a:fld>
             <a:endParaRPr kumimoji="1" lang="ja-JP" altLang="en-US"/>
           </a:p>
@@ -1283,7 +1286,7 @@
           <a:p>
             <a:fld id="{A2D1DE2A-14E7-4A39-B37E-D38A93E354FC}" type="datetime1">
               <a:rPr kumimoji="1" lang="ja-JP" altLang="en-US" smtClean="0"/>
-              <a:t>2021/10/11</a:t>
+              <a:t>2021/10/24</a:t>
             </a:fld>
             <a:endParaRPr kumimoji="1" lang="ja-JP" altLang="en-US"/>
           </a:p>
@@ -1532,7 +1535,7 @@
           <a:p>
             <a:fld id="{991EEB29-6570-4D17-BF07-A0C0B34BA0FB}" type="datetime1">
               <a:rPr kumimoji="1" lang="ja-JP" altLang="en-US" smtClean="0"/>
-              <a:t>2021/10/11</a:t>
+              <a:t>2021/10/24</a:t>
             </a:fld>
             <a:endParaRPr kumimoji="1" lang="ja-JP" altLang="en-US"/>
           </a:p>
@@ -1829,7 +1832,7 @@
           <a:p>
             <a:fld id="{892B6420-66A4-43C3-BA46-EBDFB60516F0}" type="datetime1">
               <a:rPr kumimoji="1" lang="ja-JP" altLang="en-US" smtClean="0"/>
-              <a:t>2021/10/11</a:t>
+              <a:t>2021/10/24</a:t>
             </a:fld>
             <a:endParaRPr kumimoji="1" lang="ja-JP" altLang="en-US"/>
           </a:p>
@@ -2261,7 +2264,7 @@
           <a:p>
             <a:fld id="{5BE63C90-8833-49EB-8DFB-3A87587C56DF}" type="datetime1">
               <a:rPr kumimoji="1" lang="ja-JP" altLang="en-US" smtClean="0"/>
-              <a:t>2021/10/11</a:t>
+              <a:t>2021/10/24</a:t>
             </a:fld>
             <a:endParaRPr kumimoji="1" lang="ja-JP" altLang="en-US"/>
           </a:p>
@@ -2380,7 +2383,7 @@
           <a:p>
             <a:fld id="{FDB7B118-9258-4B93-98B1-2227223B18EF}" type="datetime1">
               <a:rPr kumimoji="1" lang="ja-JP" altLang="en-US" smtClean="0"/>
-              <a:t>2021/10/11</a:t>
+              <a:t>2021/10/24</a:t>
             </a:fld>
             <a:endParaRPr kumimoji="1" lang="ja-JP" altLang="en-US"/>
           </a:p>
@@ -2476,7 +2479,7 @@
           <a:p>
             <a:fld id="{9C334A37-8FFC-49D6-A0F3-FC06101E023C}" type="datetime1">
               <a:rPr kumimoji="1" lang="ja-JP" altLang="en-US" smtClean="0"/>
-              <a:t>2021/10/11</a:t>
+              <a:t>2021/10/24</a:t>
             </a:fld>
             <a:endParaRPr kumimoji="1" lang="ja-JP" altLang="en-US"/>
           </a:p>
@@ -2786,7 +2789,7 @@
           <a:p>
             <a:fld id="{0FAD949F-32A5-4343-9078-C3A89D3064D3}" type="datetime1">
               <a:rPr kumimoji="1" lang="ja-JP" altLang="en-US" smtClean="0"/>
-              <a:t>2021/10/11</a:t>
+              <a:t>2021/10/24</a:t>
             </a:fld>
             <a:endParaRPr kumimoji="1" lang="ja-JP" altLang="en-US"/>
           </a:p>
@@ -3044,7 +3047,7 @@
           <a:p>
             <a:fld id="{58C4534D-9999-497B-9C6B-5769B1D800E5}" type="datetime1">
               <a:rPr kumimoji="1" lang="ja-JP" altLang="en-US" smtClean="0"/>
-              <a:t>2021/10/11</a:t>
+              <a:t>2021/10/24</a:t>
             </a:fld>
             <a:endParaRPr kumimoji="1" lang="ja-JP" altLang="en-US"/>
           </a:p>
@@ -3290,7 +3293,7 @@
           <a:p>
             <a:fld id="{D73E1257-0E7D-4620-84B9-7FC7BB2FC946}" type="datetime1">
               <a:rPr kumimoji="1" lang="ja-JP" altLang="en-US" smtClean="0"/>
-              <a:t>2021/10/11</a:t>
+              <a:t>2021/10/24</a:t>
             </a:fld>
             <a:endParaRPr kumimoji="1" lang="ja-JP" altLang="en-US"/>
           </a:p>
@@ -3682,6 +3685,575 @@
 <file path=ppt/slides/slide1.xml><?xml version="1.0" encoding="utf-8"?>
 <p:sld xmlns:a="http://schemas.openxmlformats.org/drawingml/2006/main" xmlns:r="http://schemas.openxmlformats.org/officeDocument/2006/relationships" xmlns:p="http://schemas.openxmlformats.org/presentationml/2006/main">
   <p:cSld>
+    <p:spTree>
+      <p:nvGrpSpPr>
+        <p:cNvPr id="1" name=""/>
+        <p:cNvGrpSpPr/>
+        <p:nvPr/>
+      </p:nvGrpSpPr>
+      <p:grpSpPr>
+        <a:xfrm>
+          <a:off x="0" y="0"/>
+          <a:ext cx="0" cy="0"/>
+          <a:chOff x="0" y="0"/>
+          <a:chExt cx="0" cy="0"/>
+        </a:xfrm>
+      </p:grpSpPr>
+      <p:sp>
+        <p:nvSpPr>
+          <p:cNvPr id="2" name="タイトル 1"/>
+          <p:cNvSpPr>
+            <a:spLocks noGrp="1"/>
+          </p:cNvSpPr>
+          <p:nvPr>
+            <p:ph type="ctrTitle"/>
+          </p:nvPr>
+        </p:nvSpPr>
+        <p:spPr>
+          <a:xfrm>
+            <a:off x="685800" y="1122363"/>
+            <a:ext cx="8338930" cy="2387600"/>
+          </a:xfrm>
+        </p:spPr>
+        <p:txBody>
+          <a:bodyPr>
+            <a:normAutofit fontScale="90000"/>
+          </a:bodyPr>
+          <a:lstStyle/>
+          <a:p>
+            <a:r>
+              <a:rPr kumimoji="1" lang="ja-JP" altLang="en-US" dirty="0" smtClean="0"/>
+              <a:t>楽曲</a:t>
+            </a:r>
+            <a:r>
+              <a:rPr kumimoji="1" lang="en-US" altLang="ja-JP" dirty="0" smtClean="0"/>
+              <a:t>SNS</a:t>
+            </a:r>
+            <a:r>
+              <a:rPr kumimoji="1" lang="ja-JP" altLang="en-US" dirty="0" smtClean="0"/>
+              <a:t>における楽曲コンテンツと動画コンテンツの並列マッチング処理システム</a:t>
+            </a:r>
+            <a:endParaRPr kumimoji="1" lang="ja-JP" altLang="en-US" dirty="0"/>
+          </a:p>
+        </p:txBody>
+      </p:sp>
+      <p:sp>
+        <p:nvSpPr>
+          <p:cNvPr id="3" name="サブタイトル 2"/>
+          <p:cNvSpPr>
+            <a:spLocks noGrp="1"/>
+          </p:cNvSpPr>
+          <p:nvPr>
+            <p:ph type="subTitle" idx="1"/>
+          </p:nvPr>
+        </p:nvSpPr>
+        <p:spPr/>
+        <p:txBody>
+          <a:bodyPr/>
+          <a:lstStyle/>
+          <a:p>
+            <a:r>
+              <a:rPr kumimoji="1" lang="en-US" altLang="ja-JP" dirty="0" smtClean="0"/>
+              <a:t>1821144:</a:t>
+            </a:r>
+            <a:r>
+              <a:rPr kumimoji="1" lang="ja-JP" altLang="en-US" dirty="0" smtClean="0"/>
+              <a:t>吉井  智哉　指導教員：</a:t>
+            </a:r>
+            <a:r>
+              <a:rPr lang="ja-JP" altLang="en-US" dirty="0" smtClean="0"/>
+              <a:t>鷹野　孝</a:t>
+            </a:r>
+            <a:r>
+              <a:rPr lang="ja-JP" altLang="en-US" dirty="0"/>
+              <a:t>典</a:t>
+            </a:r>
+          </a:p>
+          <a:p>
+            <a:endParaRPr kumimoji="1" lang="ja-JP" altLang="en-US" dirty="0"/>
+          </a:p>
+        </p:txBody>
+      </p:sp>
+      <p:sp>
+        <p:nvSpPr>
+          <p:cNvPr id="4" name="スライド番号プレースホルダー 3"/>
+          <p:cNvSpPr>
+            <a:spLocks noGrp="1"/>
+          </p:cNvSpPr>
+          <p:nvPr>
+            <p:ph type="sldNum" sz="quarter" idx="12"/>
+          </p:nvPr>
+        </p:nvSpPr>
+        <p:spPr/>
+        <p:txBody>
+          <a:bodyPr/>
+          <a:lstStyle/>
+          <a:p>
+            <a:fld id="{B4451160-128F-4DAD-AE29-4A8CC0E7B9E9}" type="slidenum">
+              <a:rPr lang="ja-JP" altLang="en-US" smtClean="0"/>
+              <a:pPr/>
+              <a:t>1</a:t>
+            </a:fld>
+            <a:endParaRPr lang="ja-JP" altLang="en-US" dirty="0"/>
+          </a:p>
+        </p:txBody>
+      </p:sp>
+    </p:spTree>
+    <p:extLst>
+      <p:ext uri="{BB962C8B-B14F-4D97-AF65-F5344CB8AC3E}">
+        <p14:creationId xmlns:p14="http://schemas.microsoft.com/office/powerpoint/2010/main" val="1302742233"/>
+      </p:ext>
+    </p:extLst>
+  </p:cSld>
+  <p:clrMapOvr>
+    <a:masterClrMapping/>
+  </p:clrMapOvr>
+</p:sld>
+</file>
+
+<file path=ppt/slides/slide10.xml><?xml version="1.0" encoding="utf-8"?>
+<p:sld xmlns:a="http://schemas.openxmlformats.org/drawingml/2006/main" xmlns:r="http://schemas.openxmlformats.org/officeDocument/2006/relationships" xmlns:p="http://schemas.openxmlformats.org/presentationml/2006/main">
+  <p:cSld>
+    <p:spTree>
+      <p:nvGrpSpPr>
+        <p:cNvPr id="1" name=""/>
+        <p:cNvGrpSpPr/>
+        <p:nvPr/>
+      </p:nvGrpSpPr>
+      <p:grpSpPr>
+        <a:xfrm>
+          <a:off x="0" y="0"/>
+          <a:ext cx="0" cy="0"/>
+          <a:chOff x="0" y="0"/>
+          <a:chExt cx="0" cy="0"/>
+        </a:xfrm>
+      </p:grpSpPr>
+      <p:sp>
+        <p:nvSpPr>
+          <p:cNvPr id="2" name="タイトル 1"/>
+          <p:cNvSpPr>
+            <a:spLocks noGrp="1"/>
+          </p:cNvSpPr>
+          <p:nvPr>
+            <p:ph type="title"/>
+          </p:nvPr>
+        </p:nvSpPr>
+        <p:spPr/>
+        <p:txBody>
+          <a:bodyPr>
+            <a:normAutofit/>
+          </a:bodyPr>
+          <a:lstStyle/>
+          <a:p>
+            <a:r>
+              <a:rPr kumimoji="1" lang="en-US" altLang="ja-JP" sz="3600" dirty="0" err="1" smtClean="0"/>
+              <a:t>librosa</a:t>
+            </a:r>
+            <a:r>
+              <a:rPr kumimoji="1" lang="ja-JP" altLang="en-US" sz="3600" dirty="0" smtClean="0"/>
+              <a:t>インストール時のエラー</a:t>
+            </a:r>
+            <a:endParaRPr kumimoji="1" lang="ja-JP" altLang="en-US" sz="3600" dirty="0"/>
+          </a:p>
+        </p:txBody>
+      </p:sp>
+      <p:sp>
+        <p:nvSpPr>
+          <p:cNvPr id="4" name="スライド番号プレースホルダー 3"/>
+          <p:cNvSpPr>
+            <a:spLocks noGrp="1"/>
+          </p:cNvSpPr>
+          <p:nvPr>
+            <p:ph type="sldNum" sz="quarter" idx="12"/>
+          </p:nvPr>
+        </p:nvSpPr>
+        <p:spPr/>
+        <p:txBody>
+          <a:bodyPr/>
+          <a:lstStyle/>
+          <a:p>
+            <a:fld id="{B4451160-128F-4DAD-AE29-4A8CC0E7B9E9}" type="slidenum">
+              <a:rPr lang="ja-JP" altLang="en-US" smtClean="0"/>
+              <a:pPr/>
+              <a:t>10</a:t>
+            </a:fld>
+            <a:endParaRPr lang="ja-JP" altLang="en-US" dirty="0"/>
+          </a:p>
+        </p:txBody>
+      </p:sp>
+      <p:pic>
+        <p:nvPicPr>
+          <p:cNvPr id="7" name="コンテンツ プレースホルダー 6"/>
+          <p:cNvPicPr>
+            <a:picLocks noGrp="1" noChangeAspect="1"/>
+          </p:cNvPicPr>
+          <p:nvPr>
+            <p:ph idx="1"/>
+          </p:nvPr>
+        </p:nvPicPr>
+        <p:blipFill>
+          <a:blip r:embed="rId2"/>
+          <a:stretch>
+            <a:fillRect/>
+          </a:stretch>
+        </p:blipFill>
+        <p:spPr>
+          <a:xfrm>
+            <a:off x="543926" y="1847851"/>
+            <a:ext cx="4086987" cy="2684392"/>
+          </a:xfrm>
+          <a:prstGeom prst="rect">
+            <a:avLst/>
+          </a:prstGeom>
+        </p:spPr>
+      </p:pic>
+      <p:pic>
+        <p:nvPicPr>
+          <p:cNvPr id="8" name="図 7"/>
+          <p:cNvPicPr>
+            <a:picLocks noChangeAspect="1"/>
+          </p:cNvPicPr>
+          <p:nvPr/>
+        </p:nvPicPr>
+        <p:blipFill>
+          <a:blip r:embed="rId3"/>
+          <a:stretch>
+            <a:fillRect/>
+          </a:stretch>
+        </p:blipFill>
+        <p:spPr>
+          <a:xfrm>
+            <a:off x="4791873" y="1847852"/>
+            <a:ext cx="4081783" cy="2680974"/>
+          </a:xfrm>
+          <a:prstGeom prst="rect">
+            <a:avLst/>
+          </a:prstGeom>
+        </p:spPr>
+      </p:pic>
+    </p:spTree>
+    <p:extLst>
+      <p:ext uri="{BB962C8B-B14F-4D97-AF65-F5344CB8AC3E}">
+        <p14:creationId xmlns:p14="http://schemas.microsoft.com/office/powerpoint/2010/main" val="1646661858"/>
+      </p:ext>
+    </p:extLst>
+  </p:cSld>
+  <p:clrMapOvr>
+    <a:masterClrMapping/>
+  </p:clrMapOvr>
+</p:sld>
+</file>
+
+<file path=ppt/slides/slide11.xml><?xml version="1.0" encoding="utf-8"?>
+<p:sld xmlns:a="http://schemas.openxmlformats.org/drawingml/2006/main" xmlns:r="http://schemas.openxmlformats.org/officeDocument/2006/relationships" xmlns:p="http://schemas.openxmlformats.org/presentationml/2006/main">
+  <p:cSld>
+    <p:spTree>
+      <p:nvGrpSpPr>
+        <p:cNvPr id="1" name=""/>
+        <p:cNvGrpSpPr/>
+        <p:nvPr/>
+      </p:nvGrpSpPr>
+      <p:grpSpPr>
+        <a:xfrm>
+          <a:off x="0" y="0"/>
+          <a:ext cx="0" cy="0"/>
+          <a:chOff x="0" y="0"/>
+          <a:chExt cx="0" cy="0"/>
+        </a:xfrm>
+      </p:grpSpPr>
+      <p:sp>
+        <p:nvSpPr>
+          <p:cNvPr id="2" name="タイトル 1"/>
+          <p:cNvSpPr>
+            <a:spLocks noGrp="1"/>
+          </p:cNvSpPr>
+          <p:nvPr>
+            <p:ph type="title"/>
+          </p:nvPr>
+        </p:nvSpPr>
+        <p:spPr/>
+        <p:txBody>
+          <a:bodyPr/>
+          <a:lstStyle/>
+          <a:p>
+            <a:r>
+              <a:rPr lang="ja-JP" altLang="en-US" dirty="0"/>
+              <a:t>エラー</a:t>
+            </a:r>
+            <a:r>
+              <a:rPr lang="ja-JP" altLang="en-US" dirty="0" smtClean="0"/>
+              <a:t>を治すために行ったこと</a:t>
+            </a:r>
+            <a:r>
+              <a:rPr lang="en-US" altLang="ja-JP" dirty="0" smtClean="0"/>
+              <a:t>	</a:t>
+            </a:r>
+            <a:endParaRPr kumimoji="1" lang="ja-JP" altLang="en-US" dirty="0"/>
+          </a:p>
+        </p:txBody>
+      </p:sp>
+      <p:sp>
+        <p:nvSpPr>
+          <p:cNvPr id="3" name="コンテンツ プレースホルダー 2"/>
+          <p:cNvSpPr>
+            <a:spLocks noGrp="1"/>
+          </p:cNvSpPr>
+          <p:nvPr>
+            <p:ph idx="1"/>
+          </p:nvPr>
+        </p:nvSpPr>
+        <p:spPr/>
+        <p:txBody>
+          <a:bodyPr/>
+          <a:lstStyle/>
+          <a:p>
+            <a:pPr marL="0" indent="0">
+              <a:buNone/>
+            </a:pPr>
+            <a:r>
+              <a:rPr kumimoji="1" lang="ja-JP" altLang="en-US" dirty="0" smtClean="0"/>
+              <a:t>・</a:t>
+            </a:r>
+            <a:r>
+              <a:rPr kumimoji="1" lang="en-US" altLang="ja-JP" dirty="0" smtClean="0"/>
+              <a:t>Python</a:t>
+            </a:r>
+            <a:r>
+              <a:rPr kumimoji="1" lang="ja-JP" altLang="en-US" dirty="0" smtClean="0"/>
+              <a:t>を</a:t>
+            </a:r>
+            <a:r>
+              <a:rPr kumimoji="1" lang="en-US" altLang="ja-JP" dirty="0" smtClean="0"/>
+              <a:t>3.7.0</a:t>
+            </a:r>
+            <a:r>
+              <a:rPr kumimoji="1" lang="ja-JP" altLang="en-US" dirty="0" smtClean="0"/>
+              <a:t>から</a:t>
+            </a:r>
+            <a:r>
+              <a:rPr kumimoji="1" lang="en-US" altLang="ja-JP" dirty="0" smtClean="0"/>
+              <a:t>3.8.0</a:t>
+            </a:r>
+            <a:r>
+              <a:rPr kumimoji="1" lang="ja-JP" altLang="en-US" dirty="0" smtClean="0"/>
+              <a:t>にアップデート</a:t>
+            </a:r>
+            <a:endParaRPr kumimoji="1" lang="en-US" altLang="ja-JP" dirty="0" smtClean="0"/>
+          </a:p>
+          <a:p>
+            <a:pPr marL="0" indent="0">
+              <a:buNone/>
+            </a:pPr>
+            <a:endParaRPr kumimoji="1" lang="en-US" altLang="ja-JP" dirty="0" smtClean="0"/>
+          </a:p>
+          <a:p>
+            <a:pPr marL="0" indent="0">
+              <a:buNone/>
+            </a:pPr>
+            <a:r>
+              <a:rPr lang="ja-JP" altLang="en-US" dirty="0" smtClean="0"/>
+              <a:t>・再インストール</a:t>
+            </a:r>
+            <a:endParaRPr lang="en-US" altLang="ja-JP" dirty="0" smtClean="0"/>
+          </a:p>
+          <a:p>
+            <a:pPr marL="0" indent="0">
+              <a:buNone/>
+            </a:pPr>
+            <a:endParaRPr kumimoji="1" lang="en-US" altLang="ja-JP" dirty="0"/>
+          </a:p>
+          <a:p>
+            <a:pPr marL="0" indent="0">
+              <a:buNone/>
+            </a:pPr>
+            <a:r>
+              <a:rPr lang="ja-JP" altLang="en-US" dirty="0" smtClean="0"/>
+              <a:t>・</a:t>
+            </a:r>
+            <a:r>
+              <a:rPr lang="en-US" altLang="ja-JP" dirty="0" err="1" smtClean="0"/>
+              <a:t>librosa</a:t>
+            </a:r>
+            <a:r>
+              <a:rPr lang="ja-JP" altLang="en-US" dirty="0" smtClean="0"/>
+              <a:t>の</a:t>
+            </a:r>
+            <a:r>
+              <a:rPr lang="en-US" altLang="ja-JP" dirty="0" err="1" smtClean="0"/>
+              <a:t>git</a:t>
+            </a:r>
+            <a:r>
+              <a:rPr lang="ja-JP" altLang="en-US" dirty="0" smtClean="0"/>
+              <a:t>からクローンしてみる（実行中）</a:t>
+            </a:r>
+            <a:endParaRPr lang="en-US" altLang="ja-JP" dirty="0" smtClean="0"/>
+          </a:p>
+          <a:p>
+            <a:pPr marL="0" indent="0">
+              <a:buNone/>
+            </a:pPr>
+            <a:r>
+              <a:rPr kumimoji="1" lang="ja-JP" altLang="en-US" dirty="0" smtClean="0"/>
+              <a:t>→</a:t>
+            </a:r>
+            <a:r>
+              <a:rPr kumimoji="1" lang="en-US" altLang="ja-JP" dirty="0" smtClean="0"/>
+              <a:t>pip install</a:t>
+            </a:r>
+            <a:r>
+              <a:rPr kumimoji="1" lang="ja-JP" altLang="en-US" dirty="0" smtClean="0"/>
+              <a:t>にこだわりすぎて頭が固まっていた。</a:t>
+            </a:r>
+            <a:endParaRPr kumimoji="1" lang="ja-JP" altLang="en-US" dirty="0"/>
+          </a:p>
+        </p:txBody>
+      </p:sp>
+      <p:sp>
+        <p:nvSpPr>
+          <p:cNvPr id="4" name="スライド番号プレースホルダー 3"/>
+          <p:cNvSpPr>
+            <a:spLocks noGrp="1"/>
+          </p:cNvSpPr>
+          <p:nvPr>
+            <p:ph type="sldNum" sz="quarter" idx="12"/>
+          </p:nvPr>
+        </p:nvSpPr>
+        <p:spPr/>
+        <p:txBody>
+          <a:bodyPr/>
+          <a:lstStyle/>
+          <a:p>
+            <a:fld id="{B4451160-128F-4DAD-AE29-4A8CC0E7B9E9}" type="slidenum">
+              <a:rPr lang="ja-JP" altLang="en-US" smtClean="0"/>
+              <a:pPr/>
+              <a:t>11</a:t>
+            </a:fld>
+            <a:endParaRPr lang="ja-JP" altLang="en-US" dirty="0"/>
+          </a:p>
+        </p:txBody>
+      </p:sp>
+    </p:spTree>
+    <p:extLst>
+      <p:ext uri="{BB962C8B-B14F-4D97-AF65-F5344CB8AC3E}">
+        <p14:creationId xmlns:p14="http://schemas.microsoft.com/office/powerpoint/2010/main" val="4118337150"/>
+      </p:ext>
+    </p:extLst>
+  </p:cSld>
+  <p:clrMapOvr>
+    <a:masterClrMapping/>
+  </p:clrMapOvr>
+</p:sld>
+</file>
+
+<file path=ppt/slides/slide12.xml><?xml version="1.0" encoding="utf-8"?>
+<p:sld xmlns:a="http://schemas.openxmlformats.org/drawingml/2006/main" xmlns:r="http://schemas.openxmlformats.org/officeDocument/2006/relationships" xmlns:p="http://schemas.openxmlformats.org/presentationml/2006/main">
+  <p:cSld>
+    <p:spTree>
+      <p:nvGrpSpPr>
+        <p:cNvPr id="1" name=""/>
+        <p:cNvGrpSpPr/>
+        <p:nvPr/>
+      </p:nvGrpSpPr>
+      <p:grpSpPr>
+        <a:xfrm>
+          <a:off x="0" y="0"/>
+          <a:ext cx="0" cy="0"/>
+          <a:chOff x="0" y="0"/>
+          <a:chExt cx="0" cy="0"/>
+        </a:xfrm>
+      </p:grpSpPr>
+      <p:sp>
+        <p:nvSpPr>
+          <p:cNvPr id="2" name="タイトル 1"/>
+          <p:cNvSpPr>
+            <a:spLocks noGrp="1"/>
+          </p:cNvSpPr>
+          <p:nvPr>
+            <p:ph type="title"/>
+          </p:nvPr>
+        </p:nvSpPr>
+        <p:spPr/>
+        <p:txBody>
+          <a:bodyPr/>
+          <a:lstStyle/>
+          <a:p>
+            <a:r>
+              <a:rPr lang="ja-JP" altLang="en-US" dirty="0"/>
+              <a:t>次回までの作業予定</a:t>
+            </a:r>
+            <a:endParaRPr kumimoji="1" lang="ja-JP" altLang="en-US" dirty="0"/>
+          </a:p>
+        </p:txBody>
+      </p:sp>
+      <p:sp>
+        <p:nvSpPr>
+          <p:cNvPr id="3" name="コンテンツ プレースホルダー 2"/>
+          <p:cNvSpPr>
+            <a:spLocks noGrp="1"/>
+          </p:cNvSpPr>
+          <p:nvPr>
+            <p:ph idx="1"/>
+          </p:nvPr>
+        </p:nvSpPr>
+        <p:spPr/>
+        <p:txBody>
+          <a:bodyPr/>
+          <a:lstStyle/>
+          <a:p>
+            <a:pPr marL="0" indent="0">
+              <a:buNone/>
+            </a:pPr>
+            <a:endParaRPr kumimoji="1" lang="ja-JP" altLang="en-US" dirty="0"/>
+          </a:p>
+        </p:txBody>
+      </p:sp>
+      <p:sp>
+        <p:nvSpPr>
+          <p:cNvPr id="4" name="スライド番号プレースホルダー 3"/>
+          <p:cNvSpPr>
+            <a:spLocks noGrp="1"/>
+          </p:cNvSpPr>
+          <p:nvPr>
+            <p:ph type="sldNum" sz="quarter" idx="12"/>
+          </p:nvPr>
+        </p:nvSpPr>
+        <p:spPr/>
+        <p:txBody>
+          <a:bodyPr/>
+          <a:lstStyle/>
+          <a:p>
+            <a:fld id="{B4451160-128F-4DAD-AE29-4A8CC0E7B9E9}" type="slidenum">
+              <a:rPr lang="ja-JP" altLang="en-US" smtClean="0"/>
+              <a:pPr/>
+              <a:t>12</a:t>
+            </a:fld>
+            <a:endParaRPr lang="ja-JP" altLang="en-US" dirty="0"/>
+          </a:p>
+        </p:txBody>
+      </p:sp>
+    </p:spTree>
+    <p:extLst>
+      <p:ext uri="{BB962C8B-B14F-4D97-AF65-F5344CB8AC3E}">
+        <p14:creationId xmlns:p14="http://schemas.microsoft.com/office/powerpoint/2010/main" val="1182900550"/>
+      </p:ext>
+    </p:extLst>
+  </p:cSld>
+  <p:clrMapOvr>
+    <a:masterClrMapping/>
+  </p:clrMapOvr>
+  <p:timing>
+    <p:tnLst>
+      <p:par>
+        <p:cTn id="1" dur="indefinite" restart="never" nodeType="tmRoot"/>
+      </p:par>
+    </p:tnLst>
+  </p:timing>
+</p:sld>
+</file>
+
+<file path=ppt/slides/slide2.xml><?xml version="1.0" encoding="utf-8"?>
+<p:sld xmlns:a="http://schemas.openxmlformats.org/drawingml/2006/main" xmlns:r="http://schemas.openxmlformats.org/officeDocument/2006/relationships" xmlns:p="http://schemas.openxmlformats.org/presentationml/2006/main">
+  <p:cSld>
     <p:bg>
       <p:bgPr>
         <a:solidFill>
@@ -3716,7 +4288,7 @@
         </p:nvSpPr>
         <p:spPr>
           <a:xfrm>
-            <a:off x="529907" y="1537270"/>
+            <a:off x="386784" y="206825"/>
             <a:ext cx="7886700" cy="1325563"/>
           </a:xfrm>
         </p:spPr>
@@ -3743,13 +4315,13 @@
         </p:nvSpPr>
         <p:spPr>
           <a:xfrm>
-            <a:off x="628650" y="2546278"/>
-            <a:ext cx="7886700" cy="2796183"/>
+            <a:off x="294198" y="1532388"/>
+            <a:ext cx="8221152" cy="3810073"/>
           </a:xfrm>
         </p:spPr>
         <p:txBody>
           <a:bodyPr>
-            <a:normAutofit fontScale="85000" lnSpcReduction="10000"/>
+            <a:normAutofit lnSpcReduction="10000"/>
           </a:bodyPr>
           <a:lstStyle/>
           <a:p>
@@ -3892,90 +4464,9 @@
           <a:p>
             <a:fld id="{B4451160-128F-4DAD-AE29-4A8CC0E7B9E9}" type="slidenum">
               <a:rPr kumimoji="1" lang="ja-JP" altLang="en-US" smtClean="0"/>
-              <a:t>1</a:t>
+              <a:t>2</a:t>
             </a:fld>
             <a:endParaRPr kumimoji="1" lang="ja-JP" altLang="en-US" dirty="0"/>
-          </a:p>
-        </p:txBody>
-      </p:sp>
-      <p:sp>
-        <p:nvSpPr>
-          <p:cNvPr id="6" name="テキスト ボックス 5"/>
-          <p:cNvSpPr txBox="1"/>
-          <p:nvPr/>
-        </p:nvSpPr>
-        <p:spPr>
-          <a:xfrm>
-            <a:off x="0" y="0"/>
-            <a:ext cx="9143999" cy="1446550"/>
-          </a:xfrm>
-          <a:prstGeom prst="rect">
-            <a:avLst/>
-          </a:prstGeom>
-        </p:spPr>
-        <p:style>
-          <a:lnRef idx="2">
-            <a:schemeClr val="dk1">
-              <a:shade val="50000"/>
-            </a:schemeClr>
-          </a:lnRef>
-          <a:fillRef idx="1">
-            <a:schemeClr val="dk1"/>
-          </a:fillRef>
-          <a:effectRef idx="0">
-            <a:schemeClr val="dk1"/>
-          </a:effectRef>
-          <a:fontRef idx="minor">
-            <a:schemeClr val="lt1"/>
-          </a:fontRef>
-        </p:style>
-        <p:txBody>
-          <a:bodyPr wrap="square" rtlCol="0">
-            <a:spAutoFit/>
-          </a:bodyPr>
-          <a:lstStyle/>
-          <a:p>
-            <a:pPr algn="ctr"/>
-            <a:r>
-              <a:rPr lang="ja-JP" altLang="en-US" sz="3200" dirty="0"/>
-              <a:t>楽曲</a:t>
-            </a:r>
-            <a:r>
-              <a:rPr lang="en-US" altLang="ja-JP" sz="3200" dirty="0"/>
-              <a:t>SNS</a:t>
-            </a:r>
-            <a:r>
-              <a:rPr lang="ja-JP" altLang="en-US" sz="3200" dirty="0"/>
-              <a:t>における楽曲コンテンツと</a:t>
-            </a:r>
-            <a:endParaRPr lang="en-US" altLang="ja-JP" sz="3200" dirty="0"/>
-          </a:p>
-          <a:p>
-            <a:pPr algn="ctr"/>
-            <a:r>
-              <a:rPr lang="ja-JP" altLang="en-US" sz="3200" dirty="0"/>
-              <a:t>動画コンテンツの並列マッチング処理システム</a:t>
-            </a:r>
-            <a:endParaRPr lang="en-US" altLang="ja-JP" sz="3200" dirty="0"/>
-          </a:p>
-          <a:p>
-            <a:pPr algn="ctr"/>
-            <a:r>
-              <a:rPr kumimoji="1" lang="en-US" altLang="ja-JP" sz="2400" dirty="0"/>
-              <a:t>1821144 </a:t>
-            </a:r>
-            <a:r>
-              <a:rPr lang="ja-JP" altLang="en-US" sz="2400" dirty="0"/>
-              <a:t> </a:t>
-            </a:r>
-            <a:r>
-              <a:rPr kumimoji="1" lang="ja-JP" altLang="en-US" sz="2400" dirty="0"/>
-              <a:t>吉井 智哉　</a:t>
-            </a:r>
-            <a:r>
-              <a:rPr lang="ja-JP" altLang="en-US" sz="2400" dirty="0"/>
-              <a:t>指導教員：鷹野孝典</a:t>
-            </a:r>
           </a:p>
         </p:txBody>
       </p:sp>
@@ -4262,492 +4753,6 @@
     <p:extLst>
       <p:ext uri="{BB962C8B-B14F-4D97-AF65-F5344CB8AC3E}">
         <p14:creationId xmlns:p14="http://schemas.microsoft.com/office/powerpoint/2010/main" val="2751752632"/>
-      </p:ext>
-    </p:extLst>
-  </p:cSld>
-  <p:clrMapOvr>
-    <a:masterClrMapping/>
-  </p:clrMapOvr>
-  <p:timing>
-    <p:tnLst>
-      <p:par>
-        <p:cTn id="1" dur="indefinite" restart="never" nodeType="tmRoot"/>
-      </p:par>
-    </p:tnLst>
-  </p:timing>
-</p:sld>
-</file>
-
-<file path=ppt/slides/slide2.xml><?xml version="1.0" encoding="utf-8"?>
-<p:sld xmlns:a="http://schemas.openxmlformats.org/drawingml/2006/main" xmlns:r="http://schemas.openxmlformats.org/officeDocument/2006/relationships" xmlns:p="http://schemas.openxmlformats.org/presentationml/2006/main">
-  <p:cSld>
-    <p:spTree>
-      <p:nvGrpSpPr>
-        <p:cNvPr id="1" name=""/>
-        <p:cNvGrpSpPr/>
-        <p:nvPr/>
-      </p:nvGrpSpPr>
-      <p:grpSpPr>
-        <a:xfrm>
-          <a:off x="0" y="0"/>
-          <a:ext cx="0" cy="0"/>
-          <a:chOff x="0" y="0"/>
-          <a:chExt cx="0" cy="0"/>
-        </a:xfrm>
-      </p:grpSpPr>
-      <p:sp>
-        <p:nvSpPr>
-          <p:cNvPr id="2" name="タイトル 1"/>
-          <p:cNvSpPr>
-            <a:spLocks noGrp="1"/>
-          </p:cNvSpPr>
-          <p:nvPr>
-            <p:ph type="title"/>
-          </p:nvPr>
-        </p:nvSpPr>
-        <p:spPr/>
-        <p:txBody>
-          <a:bodyPr/>
-          <a:lstStyle/>
-          <a:p>
-            <a:r>
-              <a:rPr kumimoji="1" lang="ja-JP" altLang="en-US" dirty="0"/>
-              <a:t>関連研究</a:t>
-            </a:r>
-          </a:p>
-        </p:txBody>
-      </p:sp>
-      <p:sp>
-        <p:nvSpPr>
-          <p:cNvPr id="3" name="コンテンツ プレースホルダー 2"/>
-          <p:cNvSpPr>
-            <a:spLocks noGrp="1"/>
-          </p:cNvSpPr>
-          <p:nvPr>
-            <p:ph idx="1"/>
-          </p:nvPr>
-        </p:nvSpPr>
-        <p:spPr>
-          <a:xfrm>
-            <a:off x="628650" y="1399430"/>
-            <a:ext cx="7886700" cy="5128591"/>
-          </a:xfrm>
-        </p:spPr>
-        <p:txBody>
-          <a:bodyPr>
-            <a:normAutofit fontScale="85000" lnSpcReduction="20000"/>
-          </a:bodyPr>
-          <a:lstStyle/>
-          <a:p>
-            <a:r>
-              <a:rPr lang="ja-JP" altLang="en-US" u="sng" dirty="0">
-                <a:latin typeface="+mn-ea"/>
-              </a:rPr>
-              <a:t>動画の</a:t>
-            </a:r>
-            <a:r>
-              <a:rPr lang="ja-JP" altLang="en-US" u="sng" dirty="0" smtClean="0">
-                <a:latin typeface="+mn-ea"/>
-              </a:rPr>
-              <a:t>印象評価データセット</a:t>
-            </a:r>
-            <a:endParaRPr lang="en-US" altLang="ja-JP" u="sng" dirty="0">
-              <a:latin typeface="+mn-ea"/>
-            </a:endParaRPr>
-          </a:p>
-          <a:p>
-            <a:pPr marL="0" indent="0">
-              <a:buNone/>
-            </a:pPr>
-            <a:r>
-              <a:rPr lang="en-US" altLang="ja-JP" dirty="0" smtClean="0">
-                <a:latin typeface="+mn-ea"/>
-              </a:rPr>
-              <a:t>[</a:t>
-            </a:r>
-            <a:r>
-              <a:rPr lang="en-US" altLang="ja-JP" dirty="0">
-                <a:latin typeface="+mn-ea"/>
-              </a:rPr>
-              <a:t>2015 </a:t>
-            </a:r>
-            <a:r>
-              <a:rPr lang="ja-JP" altLang="en-US" dirty="0">
-                <a:latin typeface="+mn-ea"/>
-              </a:rPr>
-              <a:t>大野</a:t>
-            </a:r>
-            <a:r>
-              <a:rPr lang="en-US" altLang="ja-JP" dirty="0">
-                <a:latin typeface="+mn-ea"/>
-              </a:rPr>
-              <a:t>]</a:t>
-            </a:r>
-            <a:r>
-              <a:rPr lang="ja-JP" altLang="en-US" dirty="0">
-                <a:latin typeface="+mn-ea"/>
-              </a:rPr>
-              <a:t>大野直樹，中村聡史，山本岳洋</a:t>
-            </a:r>
-            <a:r>
-              <a:rPr lang="ja-JP" altLang="en-US" dirty="0" smtClean="0">
-                <a:latin typeface="+mn-ea"/>
-              </a:rPr>
-              <a:t>，後藤</a:t>
-            </a:r>
-            <a:r>
-              <a:rPr lang="ja-JP" altLang="en-US" dirty="0">
-                <a:latin typeface="+mn-ea"/>
-              </a:rPr>
-              <a:t>真孝</a:t>
-            </a:r>
-            <a:r>
-              <a:rPr lang="ja-JP" altLang="en-US" dirty="0" smtClean="0">
-                <a:latin typeface="+mn-ea"/>
-              </a:rPr>
-              <a:t>，</a:t>
-            </a:r>
-            <a:endParaRPr lang="en-US" altLang="ja-JP" dirty="0" smtClean="0">
-              <a:latin typeface="+mn-ea"/>
-            </a:endParaRPr>
-          </a:p>
-          <a:p>
-            <a:pPr marL="0" indent="0">
-              <a:buNone/>
-            </a:pPr>
-            <a:r>
-              <a:rPr kumimoji="1" lang="ja-JP" altLang="en-US" dirty="0" smtClean="0">
-                <a:latin typeface="+mn-ea"/>
-              </a:rPr>
-              <a:t>「</a:t>
-            </a:r>
-            <a:r>
-              <a:rPr kumimoji="1" lang="ja-JP" altLang="en-US" dirty="0">
-                <a:latin typeface="+mn-ea"/>
-              </a:rPr>
-              <a:t>音楽動画への印象評価データセット構築とその特性の</a:t>
-            </a:r>
-            <a:r>
-              <a:rPr kumimoji="1" lang="ja-JP" altLang="en-US" dirty="0" smtClean="0">
-                <a:latin typeface="+mn-ea"/>
-              </a:rPr>
-              <a:t>調査</a:t>
-            </a:r>
-            <a:r>
-              <a:rPr kumimoji="1" lang="ja-JP" altLang="en-US" dirty="0">
-                <a:latin typeface="+mn-ea"/>
-              </a:rPr>
-              <a:t>」</a:t>
-            </a:r>
-            <a:r>
-              <a:rPr lang="ja-JP" altLang="en-US" dirty="0">
-                <a:latin typeface="+mn-ea"/>
-              </a:rPr>
-              <a:t>，情報処理学会，</a:t>
-            </a:r>
-            <a:r>
-              <a:rPr lang="en-US" altLang="ja-JP" dirty="0">
-                <a:latin typeface="+mn-ea"/>
-              </a:rPr>
-              <a:t>2015</a:t>
-            </a:r>
-            <a:endParaRPr kumimoji="1" lang="en-US" altLang="ja-JP" dirty="0">
-              <a:latin typeface="+mn-ea"/>
-            </a:endParaRPr>
-          </a:p>
-          <a:p>
-            <a:pPr marL="0" indent="0">
-              <a:buNone/>
-            </a:pPr>
-            <a:endParaRPr kumimoji="1" lang="en-US" altLang="ja-JP" dirty="0">
-              <a:latin typeface="+mn-ea"/>
-            </a:endParaRPr>
-          </a:p>
-          <a:p>
-            <a:r>
-              <a:rPr lang="ja-JP" altLang="en-US" u="sng" dirty="0" smtClean="0">
-                <a:latin typeface="+mn-ea"/>
-              </a:rPr>
-              <a:t>動画からの印象推定</a:t>
-            </a:r>
-            <a:endParaRPr lang="en-US" altLang="ja-JP" u="sng" dirty="0">
-              <a:latin typeface="+mn-ea"/>
-            </a:endParaRPr>
-          </a:p>
-          <a:p>
-            <a:pPr marL="0" indent="0">
-              <a:buNone/>
-            </a:pPr>
-            <a:r>
-              <a:rPr lang="en-US" altLang="ja-JP" dirty="0" smtClean="0">
-                <a:latin typeface="+mn-ea"/>
-              </a:rPr>
-              <a:t>[</a:t>
-            </a:r>
-            <a:r>
-              <a:rPr lang="en-US" altLang="ja-JP" dirty="0">
-                <a:latin typeface="+mn-ea"/>
-              </a:rPr>
-              <a:t>2016 </a:t>
-            </a:r>
-            <a:r>
-              <a:rPr lang="ja-JP" altLang="en-US" dirty="0">
-                <a:latin typeface="+mn-ea"/>
-              </a:rPr>
-              <a:t>清水</a:t>
-            </a:r>
-            <a:r>
-              <a:rPr lang="en-US" altLang="ja-JP" dirty="0">
-                <a:latin typeface="+mn-ea"/>
-              </a:rPr>
-              <a:t>]</a:t>
-            </a:r>
-            <a:r>
-              <a:rPr lang="ja-JP" altLang="en-US" dirty="0">
-                <a:latin typeface="+mn-ea"/>
-              </a:rPr>
-              <a:t>清水</a:t>
-            </a:r>
-            <a:r>
-              <a:rPr lang="ja-JP" altLang="en-US" dirty="0"/>
-              <a:t>柚里奈</a:t>
-            </a:r>
-            <a:r>
-              <a:rPr lang="ja-JP" altLang="en-US" dirty="0">
-                <a:latin typeface="+mn-ea"/>
-              </a:rPr>
-              <a:t>，菅野</a:t>
-            </a:r>
-            <a:r>
-              <a:rPr lang="ja-JP" altLang="en-US" dirty="0"/>
-              <a:t>沙也</a:t>
-            </a:r>
-            <a:r>
-              <a:rPr lang="ja-JP" altLang="en-US" dirty="0">
-                <a:latin typeface="+mn-ea"/>
-              </a:rPr>
-              <a:t>，伊藤</a:t>
-            </a:r>
-            <a:r>
-              <a:rPr lang="ja-JP" altLang="en-US" dirty="0"/>
-              <a:t>貴之</a:t>
-            </a:r>
-            <a:r>
-              <a:rPr lang="en-US" altLang="ja-JP" dirty="0"/>
-              <a:t> </a:t>
-            </a:r>
-            <a:r>
-              <a:rPr lang="ja-JP" altLang="en-US" dirty="0" err="1">
-                <a:latin typeface="+mn-ea"/>
-              </a:rPr>
-              <a:t>，</a:t>
-            </a:r>
-            <a:r>
-              <a:rPr lang="ja-JP" altLang="en-US" dirty="0" smtClean="0">
-                <a:latin typeface="+mn-ea"/>
-              </a:rPr>
-              <a:t>嵯峨山</a:t>
-            </a:r>
-            <a:endParaRPr lang="en-US" altLang="ja-JP" dirty="0" smtClean="0">
-              <a:latin typeface="+mn-ea"/>
-            </a:endParaRPr>
-          </a:p>
-          <a:p>
-            <a:pPr marL="0" indent="0">
-              <a:buNone/>
-            </a:pPr>
-            <a:r>
-              <a:rPr lang="ja-JP" altLang="en-US" dirty="0" smtClean="0"/>
-              <a:t>茂樹</a:t>
-            </a:r>
-            <a:r>
-              <a:rPr lang="ja-JP" altLang="en-US" dirty="0">
-                <a:latin typeface="+mn-ea"/>
-              </a:rPr>
-              <a:t>，高塚</a:t>
-            </a:r>
-            <a:r>
-              <a:rPr lang="ja-JP" altLang="en-US" dirty="0"/>
-              <a:t>正浩</a:t>
-            </a:r>
-            <a:r>
-              <a:rPr lang="ja-JP" altLang="en-US" dirty="0">
-                <a:latin typeface="+mn-ea"/>
-              </a:rPr>
-              <a:t>，「動画特徴量からの印象推定に</a:t>
-            </a:r>
-            <a:r>
-              <a:rPr lang="ja-JP" altLang="en-US" dirty="0" smtClean="0">
-                <a:latin typeface="+mn-ea"/>
-              </a:rPr>
-              <a:t>基づく</a:t>
-            </a:r>
-            <a:endParaRPr lang="en-US" altLang="ja-JP" dirty="0" smtClean="0">
-              <a:latin typeface="+mn-ea"/>
-            </a:endParaRPr>
-          </a:p>
-          <a:p>
-            <a:pPr marL="0" indent="0">
-              <a:buNone/>
-            </a:pPr>
-            <a:r>
-              <a:rPr lang="ja-JP" altLang="en-US" dirty="0" smtClean="0">
-                <a:latin typeface="+mn-ea"/>
-              </a:rPr>
-              <a:t>動画</a:t>
-            </a:r>
-            <a:r>
-              <a:rPr lang="en-US" altLang="ja-JP" dirty="0">
-                <a:latin typeface="+mn-ea"/>
-              </a:rPr>
-              <a:t>BGM</a:t>
-            </a:r>
-            <a:r>
-              <a:rPr lang="ja-JP" altLang="en-US" dirty="0">
-                <a:latin typeface="+mn-ea"/>
-              </a:rPr>
-              <a:t>の自動素材選出」，</a:t>
-            </a:r>
-            <a:r>
-              <a:rPr lang="en-US" altLang="ja-JP" dirty="0">
-                <a:latin typeface="+mn-ea"/>
-              </a:rPr>
-              <a:t> NICOGRAPH 2016</a:t>
-            </a:r>
-          </a:p>
-          <a:p>
-            <a:pPr marL="0" indent="0">
-              <a:buNone/>
-            </a:pPr>
-            <a:endParaRPr lang="en-US" altLang="ja-JP" dirty="0">
-              <a:latin typeface="+mn-ea"/>
-            </a:endParaRPr>
-          </a:p>
-          <a:p>
-            <a:r>
-              <a:rPr lang="ja-JP" altLang="en-US" u="sng" dirty="0" smtClean="0">
-                <a:latin typeface="+mn-ea"/>
-              </a:rPr>
-              <a:t>印象に合わせた音楽のアレンジ</a:t>
-            </a:r>
-            <a:endParaRPr lang="en-US" altLang="ja-JP" u="sng" dirty="0">
-              <a:latin typeface="+mn-ea"/>
-            </a:endParaRPr>
-          </a:p>
-          <a:p>
-            <a:pPr marL="0" indent="0">
-              <a:buNone/>
-            </a:pPr>
-            <a:r>
-              <a:rPr lang="en-US" altLang="ja-JP" dirty="0" smtClean="0">
-                <a:latin typeface="+mn-ea"/>
-              </a:rPr>
-              <a:t>[</a:t>
-            </a:r>
-            <a:r>
-              <a:rPr lang="en-US" altLang="ja-JP" dirty="0">
-                <a:latin typeface="+mn-ea"/>
-              </a:rPr>
-              <a:t>2007 </a:t>
-            </a:r>
-            <a:r>
-              <a:rPr lang="ja-JP" altLang="en-US" dirty="0">
-                <a:latin typeface="+mn-ea"/>
-              </a:rPr>
-              <a:t>大山</a:t>
-            </a:r>
-            <a:r>
-              <a:rPr lang="en-US" altLang="ja-JP" dirty="0">
-                <a:latin typeface="+mn-ea"/>
-              </a:rPr>
-              <a:t>]</a:t>
-            </a:r>
-            <a:r>
-              <a:rPr lang="ja-JP" altLang="en-US" dirty="0">
-                <a:latin typeface="+mn-ea"/>
-              </a:rPr>
-              <a:t>大山喜冴，伊藤貴之</a:t>
-            </a:r>
-            <a:r>
-              <a:rPr lang="ja-JP" altLang="en-US" dirty="0" smtClean="0">
-                <a:latin typeface="+mn-ea"/>
-              </a:rPr>
-              <a:t>，</a:t>
-            </a:r>
-            <a:endParaRPr lang="en-US" altLang="ja-JP" dirty="0">
-              <a:latin typeface="+mn-ea"/>
-            </a:endParaRPr>
-          </a:p>
-          <a:p>
-            <a:pPr marL="0" indent="0">
-              <a:buNone/>
-            </a:pPr>
-            <a:r>
-              <a:rPr lang="ja-JP" altLang="en-US" dirty="0" smtClean="0">
-                <a:latin typeface="+mn-ea"/>
-              </a:rPr>
-              <a:t>「</a:t>
-            </a:r>
-            <a:r>
-              <a:rPr lang="en-US" altLang="ja-JP" dirty="0">
-                <a:latin typeface="+mn-ea"/>
-              </a:rPr>
-              <a:t>DIVA</a:t>
-            </a:r>
-            <a:r>
-              <a:rPr lang="ja-JP" altLang="en-US" dirty="0">
-                <a:latin typeface="+mn-ea"/>
-              </a:rPr>
-              <a:t>：画像の印象に合わせた音楽自動アレンジの一手法の提案」，芸術科学会論文誌，</a:t>
-            </a:r>
-            <a:r>
-              <a:rPr lang="en-US" altLang="ja-JP" dirty="0">
-                <a:latin typeface="+mn-ea"/>
-              </a:rPr>
-              <a:t>2007</a:t>
-            </a:r>
-          </a:p>
-          <a:p>
-            <a:pPr marL="0" indent="0">
-              <a:buNone/>
-            </a:pPr>
-            <a:endParaRPr kumimoji="1" lang="en-US" altLang="ja-JP" dirty="0"/>
-          </a:p>
-          <a:p>
-            <a:pPr marL="0" indent="0">
-              <a:buNone/>
-            </a:pPr>
-            <a:endParaRPr kumimoji="1" lang="ja-JP" altLang="en-US" dirty="0"/>
-          </a:p>
-        </p:txBody>
-      </p:sp>
-      <p:sp>
-        <p:nvSpPr>
-          <p:cNvPr id="4" name="スライド番号プレースホルダー 3"/>
-          <p:cNvSpPr>
-            <a:spLocks noGrp="1"/>
-          </p:cNvSpPr>
-          <p:nvPr>
-            <p:ph type="sldNum" sz="quarter" idx="12"/>
-          </p:nvPr>
-        </p:nvSpPr>
-        <p:spPr/>
-        <p:txBody>
-          <a:bodyPr/>
-          <a:lstStyle/>
-          <a:p>
-            <a:fld id="{B4451160-128F-4DAD-AE29-4A8CC0E7B9E9}" type="slidenum">
-              <a:rPr kumimoji="1" lang="ja-JP" altLang="en-US" smtClean="0"/>
-              <a:t>2</a:t>
-            </a:fld>
-            <a:endParaRPr kumimoji="1" lang="ja-JP" altLang="en-US"/>
-          </a:p>
-        </p:txBody>
-      </p:sp>
-    </p:spTree>
-    <p:extLst>
-      <p:ext uri="{BB962C8B-B14F-4D97-AF65-F5344CB8AC3E}">
-        <p14:creationId xmlns:p14="http://schemas.microsoft.com/office/powerpoint/2010/main" val="3769541672"/>
       </p:ext>
     </p:extLst>
   </p:cSld>
@@ -4798,6 +4803,492 @@
           <a:p>
             <a:r>
               <a:rPr kumimoji="1" lang="ja-JP" altLang="en-US" dirty="0"/>
+              <a:t>関連研究</a:t>
+            </a:r>
+          </a:p>
+        </p:txBody>
+      </p:sp>
+      <p:sp>
+        <p:nvSpPr>
+          <p:cNvPr id="3" name="コンテンツ プレースホルダー 2"/>
+          <p:cNvSpPr>
+            <a:spLocks noGrp="1"/>
+          </p:cNvSpPr>
+          <p:nvPr>
+            <p:ph idx="1"/>
+          </p:nvPr>
+        </p:nvSpPr>
+        <p:spPr>
+          <a:xfrm>
+            <a:off x="628650" y="1399430"/>
+            <a:ext cx="7886700" cy="5128591"/>
+          </a:xfrm>
+        </p:spPr>
+        <p:txBody>
+          <a:bodyPr>
+            <a:normAutofit fontScale="85000" lnSpcReduction="20000"/>
+          </a:bodyPr>
+          <a:lstStyle/>
+          <a:p>
+            <a:r>
+              <a:rPr lang="ja-JP" altLang="en-US" u="sng" dirty="0">
+                <a:latin typeface="+mn-ea"/>
+              </a:rPr>
+              <a:t>動画の</a:t>
+            </a:r>
+            <a:r>
+              <a:rPr lang="ja-JP" altLang="en-US" u="sng" dirty="0" smtClean="0">
+                <a:latin typeface="+mn-ea"/>
+              </a:rPr>
+              <a:t>印象評価データセット</a:t>
+            </a:r>
+            <a:endParaRPr lang="en-US" altLang="ja-JP" u="sng" dirty="0">
+              <a:latin typeface="+mn-ea"/>
+            </a:endParaRPr>
+          </a:p>
+          <a:p>
+            <a:pPr marL="0" indent="0">
+              <a:buNone/>
+            </a:pPr>
+            <a:r>
+              <a:rPr lang="en-US" altLang="ja-JP" dirty="0" smtClean="0">
+                <a:latin typeface="+mn-ea"/>
+              </a:rPr>
+              <a:t>[</a:t>
+            </a:r>
+            <a:r>
+              <a:rPr lang="en-US" altLang="ja-JP" dirty="0">
+                <a:latin typeface="+mn-ea"/>
+              </a:rPr>
+              <a:t>2015 </a:t>
+            </a:r>
+            <a:r>
+              <a:rPr lang="ja-JP" altLang="en-US" dirty="0">
+                <a:latin typeface="+mn-ea"/>
+              </a:rPr>
+              <a:t>大野</a:t>
+            </a:r>
+            <a:r>
+              <a:rPr lang="en-US" altLang="ja-JP" dirty="0">
+                <a:latin typeface="+mn-ea"/>
+              </a:rPr>
+              <a:t>]</a:t>
+            </a:r>
+            <a:r>
+              <a:rPr lang="ja-JP" altLang="en-US" dirty="0">
+                <a:latin typeface="+mn-ea"/>
+              </a:rPr>
+              <a:t>大野直樹，中村聡史，山本岳洋</a:t>
+            </a:r>
+            <a:r>
+              <a:rPr lang="ja-JP" altLang="en-US" dirty="0" smtClean="0">
+                <a:latin typeface="+mn-ea"/>
+              </a:rPr>
+              <a:t>，後藤</a:t>
+            </a:r>
+            <a:r>
+              <a:rPr lang="ja-JP" altLang="en-US" dirty="0">
+                <a:latin typeface="+mn-ea"/>
+              </a:rPr>
+              <a:t>真孝</a:t>
+            </a:r>
+            <a:r>
+              <a:rPr lang="ja-JP" altLang="en-US" dirty="0" smtClean="0">
+                <a:latin typeface="+mn-ea"/>
+              </a:rPr>
+              <a:t>，</a:t>
+            </a:r>
+            <a:endParaRPr lang="en-US" altLang="ja-JP" dirty="0" smtClean="0">
+              <a:latin typeface="+mn-ea"/>
+            </a:endParaRPr>
+          </a:p>
+          <a:p>
+            <a:pPr marL="0" indent="0">
+              <a:buNone/>
+            </a:pPr>
+            <a:r>
+              <a:rPr kumimoji="1" lang="ja-JP" altLang="en-US" dirty="0" smtClean="0">
+                <a:latin typeface="+mn-ea"/>
+              </a:rPr>
+              <a:t>「</a:t>
+            </a:r>
+            <a:r>
+              <a:rPr kumimoji="1" lang="ja-JP" altLang="en-US" dirty="0">
+                <a:latin typeface="+mn-ea"/>
+              </a:rPr>
+              <a:t>音楽動画への印象評価データセット構築とその特性の</a:t>
+            </a:r>
+            <a:r>
+              <a:rPr kumimoji="1" lang="ja-JP" altLang="en-US" dirty="0" smtClean="0">
+                <a:latin typeface="+mn-ea"/>
+              </a:rPr>
+              <a:t>調査</a:t>
+            </a:r>
+            <a:r>
+              <a:rPr kumimoji="1" lang="ja-JP" altLang="en-US" dirty="0">
+                <a:latin typeface="+mn-ea"/>
+              </a:rPr>
+              <a:t>」</a:t>
+            </a:r>
+            <a:r>
+              <a:rPr lang="ja-JP" altLang="en-US" dirty="0">
+                <a:latin typeface="+mn-ea"/>
+              </a:rPr>
+              <a:t>，情報処理学会，</a:t>
+            </a:r>
+            <a:r>
+              <a:rPr lang="en-US" altLang="ja-JP" dirty="0">
+                <a:latin typeface="+mn-ea"/>
+              </a:rPr>
+              <a:t>2015</a:t>
+            </a:r>
+            <a:endParaRPr kumimoji="1" lang="en-US" altLang="ja-JP" dirty="0">
+              <a:latin typeface="+mn-ea"/>
+            </a:endParaRPr>
+          </a:p>
+          <a:p>
+            <a:pPr marL="0" indent="0">
+              <a:buNone/>
+            </a:pPr>
+            <a:endParaRPr kumimoji="1" lang="en-US" altLang="ja-JP" dirty="0">
+              <a:latin typeface="+mn-ea"/>
+            </a:endParaRPr>
+          </a:p>
+          <a:p>
+            <a:r>
+              <a:rPr lang="ja-JP" altLang="en-US" u="sng" dirty="0" smtClean="0">
+                <a:latin typeface="+mn-ea"/>
+              </a:rPr>
+              <a:t>動画からの印象推定</a:t>
+            </a:r>
+            <a:endParaRPr lang="en-US" altLang="ja-JP" u="sng" dirty="0">
+              <a:latin typeface="+mn-ea"/>
+            </a:endParaRPr>
+          </a:p>
+          <a:p>
+            <a:pPr marL="0" indent="0">
+              <a:buNone/>
+            </a:pPr>
+            <a:r>
+              <a:rPr lang="en-US" altLang="ja-JP" dirty="0" smtClean="0">
+                <a:latin typeface="+mn-ea"/>
+              </a:rPr>
+              <a:t>[</a:t>
+            </a:r>
+            <a:r>
+              <a:rPr lang="en-US" altLang="ja-JP" dirty="0">
+                <a:latin typeface="+mn-ea"/>
+              </a:rPr>
+              <a:t>2016 </a:t>
+            </a:r>
+            <a:r>
+              <a:rPr lang="ja-JP" altLang="en-US" dirty="0">
+                <a:latin typeface="+mn-ea"/>
+              </a:rPr>
+              <a:t>清水</a:t>
+            </a:r>
+            <a:r>
+              <a:rPr lang="en-US" altLang="ja-JP" dirty="0">
+                <a:latin typeface="+mn-ea"/>
+              </a:rPr>
+              <a:t>]</a:t>
+            </a:r>
+            <a:r>
+              <a:rPr lang="ja-JP" altLang="en-US" dirty="0">
+                <a:latin typeface="+mn-ea"/>
+              </a:rPr>
+              <a:t>清水</a:t>
+            </a:r>
+            <a:r>
+              <a:rPr lang="ja-JP" altLang="en-US" dirty="0"/>
+              <a:t>柚里奈</a:t>
+            </a:r>
+            <a:r>
+              <a:rPr lang="ja-JP" altLang="en-US" dirty="0">
+                <a:latin typeface="+mn-ea"/>
+              </a:rPr>
+              <a:t>，菅野</a:t>
+            </a:r>
+            <a:r>
+              <a:rPr lang="ja-JP" altLang="en-US" dirty="0"/>
+              <a:t>沙也</a:t>
+            </a:r>
+            <a:r>
+              <a:rPr lang="ja-JP" altLang="en-US" dirty="0">
+                <a:latin typeface="+mn-ea"/>
+              </a:rPr>
+              <a:t>，伊藤</a:t>
+            </a:r>
+            <a:r>
+              <a:rPr lang="ja-JP" altLang="en-US" dirty="0"/>
+              <a:t>貴之</a:t>
+            </a:r>
+            <a:r>
+              <a:rPr lang="en-US" altLang="ja-JP" dirty="0"/>
+              <a:t> </a:t>
+            </a:r>
+            <a:r>
+              <a:rPr lang="ja-JP" altLang="en-US" dirty="0" err="1">
+                <a:latin typeface="+mn-ea"/>
+              </a:rPr>
+              <a:t>，</a:t>
+            </a:r>
+            <a:r>
+              <a:rPr lang="ja-JP" altLang="en-US" dirty="0" smtClean="0">
+                <a:latin typeface="+mn-ea"/>
+              </a:rPr>
+              <a:t>嵯峨山</a:t>
+            </a:r>
+            <a:endParaRPr lang="en-US" altLang="ja-JP" dirty="0" smtClean="0">
+              <a:latin typeface="+mn-ea"/>
+            </a:endParaRPr>
+          </a:p>
+          <a:p>
+            <a:pPr marL="0" indent="0">
+              <a:buNone/>
+            </a:pPr>
+            <a:r>
+              <a:rPr lang="ja-JP" altLang="en-US" dirty="0" smtClean="0"/>
+              <a:t>茂樹</a:t>
+            </a:r>
+            <a:r>
+              <a:rPr lang="ja-JP" altLang="en-US" dirty="0">
+                <a:latin typeface="+mn-ea"/>
+              </a:rPr>
+              <a:t>，高塚</a:t>
+            </a:r>
+            <a:r>
+              <a:rPr lang="ja-JP" altLang="en-US" dirty="0"/>
+              <a:t>正浩</a:t>
+            </a:r>
+            <a:r>
+              <a:rPr lang="ja-JP" altLang="en-US" dirty="0">
+                <a:latin typeface="+mn-ea"/>
+              </a:rPr>
+              <a:t>，「動画特徴量からの印象推定に</a:t>
+            </a:r>
+            <a:r>
+              <a:rPr lang="ja-JP" altLang="en-US" dirty="0" smtClean="0">
+                <a:latin typeface="+mn-ea"/>
+              </a:rPr>
+              <a:t>基づく</a:t>
+            </a:r>
+            <a:endParaRPr lang="en-US" altLang="ja-JP" dirty="0" smtClean="0">
+              <a:latin typeface="+mn-ea"/>
+            </a:endParaRPr>
+          </a:p>
+          <a:p>
+            <a:pPr marL="0" indent="0">
+              <a:buNone/>
+            </a:pPr>
+            <a:r>
+              <a:rPr lang="ja-JP" altLang="en-US" dirty="0" smtClean="0">
+                <a:latin typeface="+mn-ea"/>
+              </a:rPr>
+              <a:t>動画</a:t>
+            </a:r>
+            <a:r>
+              <a:rPr lang="en-US" altLang="ja-JP" dirty="0">
+                <a:latin typeface="+mn-ea"/>
+              </a:rPr>
+              <a:t>BGM</a:t>
+            </a:r>
+            <a:r>
+              <a:rPr lang="ja-JP" altLang="en-US" dirty="0">
+                <a:latin typeface="+mn-ea"/>
+              </a:rPr>
+              <a:t>の自動素材選出」，</a:t>
+            </a:r>
+            <a:r>
+              <a:rPr lang="en-US" altLang="ja-JP" dirty="0">
+                <a:latin typeface="+mn-ea"/>
+              </a:rPr>
+              <a:t> NICOGRAPH 2016</a:t>
+            </a:r>
+          </a:p>
+          <a:p>
+            <a:pPr marL="0" indent="0">
+              <a:buNone/>
+            </a:pPr>
+            <a:endParaRPr lang="en-US" altLang="ja-JP" dirty="0">
+              <a:latin typeface="+mn-ea"/>
+            </a:endParaRPr>
+          </a:p>
+          <a:p>
+            <a:r>
+              <a:rPr lang="ja-JP" altLang="en-US" u="sng" dirty="0" smtClean="0">
+                <a:latin typeface="+mn-ea"/>
+              </a:rPr>
+              <a:t>印象に合わせた音楽のアレンジ</a:t>
+            </a:r>
+            <a:endParaRPr lang="en-US" altLang="ja-JP" u="sng" dirty="0">
+              <a:latin typeface="+mn-ea"/>
+            </a:endParaRPr>
+          </a:p>
+          <a:p>
+            <a:pPr marL="0" indent="0">
+              <a:buNone/>
+            </a:pPr>
+            <a:r>
+              <a:rPr lang="en-US" altLang="ja-JP" dirty="0" smtClean="0">
+                <a:latin typeface="+mn-ea"/>
+              </a:rPr>
+              <a:t>[</a:t>
+            </a:r>
+            <a:r>
+              <a:rPr lang="en-US" altLang="ja-JP" dirty="0">
+                <a:latin typeface="+mn-ea"/>
+              </a:rPr>
+              <a:t>2007 </a:t>
+            </a:r>
+            <a:r>
+              <a:rPr lang="ja-JP" altLang="en-US" dirty="0">
+                <a:latin typeface="+mn-ea"/>
+              </a:rPr>
+              <a:t>大山</a:t>
+            </a:r>
+            <a:r>
+              <a:rPr lang="en-US" altLang="ja-JP" dirty="0">
+                <a:latin typeface="+mn-ea"/>
+              </a:rPr>
+              <a:t>]</a:t>
+            </a:r>
+            <a:r>
+              <a:rPr lang="ja-JP" altLang="en-US" dirty="0">
+                <a:latin typeface="+mn-ea"/>
+              </a:rPr>
+              <a:t>大山喜冴，伊藤貴之</a:t>
+            </a:r>
+            <a:r>
+              <a:rPr lang="ja-JP" altLang="en-US" dirty="0" smtClean="0">
+                <a:latin typeface="+mn-ea"/>
+              </a:rPr>
+              <a:t>，</a:t>
+            </a:r>
+            <a:endParaRPr lang="en-US" altLang="ja-JP" dirty="0">
+              <a:latin typeface="+mn-ea"/>
+            </a:endParaRPr>
+          </a:p>
+          <a:p>
+            <a:pPr marL="0" indent="0">
+              <a:buNone/>
+            </a:pPr>
+            <a:r>
+              <a:rPr lang="ja-JP" altLang="en-US" dirty="0" smtClean="0">
+                <a:latin typeface="+mn-ea"/>
+              </a:rPr>
+              <a:t>「</a:t>
+            </a:r>
+            <a:r>
+              <a:rPr lang="en-US" altLang="ja-JP" dirty="0">
+                <a:latin typeface="+mn-ea"/>
+              </a:rPr>
+              <a:t>DIVA</a:t>
+            </a:r>
+            <a:r>
+              <a:rPr lang="ja-JP" altLang="en-US" dirty="0">
+                <a:latin typeface="+mn-ea"/>
+              </a:rPr>
+              <a:t>：画像の印象に合わせた音楽自動アレンジの一手法の提案」，芸術科学会論文誌，</a:t>
+            </a:r>
+            <a:r>
+              <a:rPr lang="en-US" altLang="ja-JP" dirty="0">
+                <a:latin typeface="+mn-ea"/>
+              </a:rPr>
+              <a:t>2007</a:t>
+            </a:r>
+          </a:p>
+          <a:p>
+            <a:pPr marL="0" indent="0">
+              <a:buNone/>
+            </a:pPr>
+            <a:endParaRPr kumimoji="1" lang="en-US" altLang="ja-JP" dirty="0"/>
+          </a:p>
+          <a:p>
+            <a:pPr marL="0" indent="0">
+              <a:buNone/>
+            </a:pPr>
+            <a:endParaRPr kumimoji="1" lang="ja-JP" altLang="en-US" dirty="0"/>
+          </a:p>
+        </p:txBody>
+      </p:sp>
+      <p:sp>
+        <p:nvSpPr>
+          <p:cNvPr id="4" name="スライド番号プレースホルダー 3"/>
+          <p:cNvSpPr>
+            <a:spLocks noGrp="1"/>
+          </p:cNvSpPr>
+          <p:nvPr>
+            <p:ph type="sldNum" sz="quarter" idx="12"/>
+          </p:nvPr>
+        </p:nvSpPr>
+        <p:spPr/>
+        <p:txBody>
+          <a:bodyPr/>
+          <a:lstStyle/>
+          <a:p>
+            <a:fld id="{B4451160-128F-4DAD-AE29-4A8CC0E7B9E9}" type="slidenum">
+              <a:rPr kumimoji="1" lang="ja-JP" altLang="en-US" smtClean="0"/>
+              <a:t>3</a:t>
+            </a:fld>
+            <a:endParaRPr kumimoji="1" lang="ja-JP" altLang="en-US"/>
+          </a:p>
+        </p:txBody>
+      </p:sp>
+    </p:spTree>
+    <p:extLst>
+      <p:ext uri="{BB962C8B-B14F-4D97-AF65-F5344CB8AC3E}">
+        <p14:creationId xmlns:p14="http://schemas.microsoft.com/office/powerpoint/2010/main" val="3769541672"/>
+      </p:ext>
+    </p:extLst>
+  </p:cSld>
+  <p:clrMapOvr>
+    <a:masterClrMapping/>
+  </p:clrMapOvr>
+  <p:timing>
+    <p:tnLst>
+      <p:par>
+        <p:cTn id="1" dur="indefinite" restart="never" nodeType="tmRoot"/>
+      </p:par>
+    </p:tnLst>
+  </p:timing>
+</p:sld>
+</file>
+
+<file path=ppt/slides/slide4.xml><?xml version="1.0" encoding="utf-8"?>
+<p:sld xmlns:a="http://schemas.openxmlformats.org/drawingml/2006/main" xmlns:r="http://schemas.openxmlformats.org/officeDocument/2006/relationships" xmlns:p="http://schemas.openxmlformats.org/presentationml/2006/main">
+  <p:cSld>
+    <p:spTree>
+      <p:nvGrpSpPr>
+        <p:cNvPr id="1" name=""/>
+        <p:cNvGrpSpPr/>
+        <p:nvPr/>
+      </p:nvGrpSpPr>
+      <p:grpSpPr>
+        <a:xfrm>
+          <a:off x="0" y="0"/>
+          <a:ext cx="0" cy="0"/>
+          <a:chOff x="0" y="0"/>
+          <a:chExt cx="0" cy="0"/>
+        </a:xfrm>
+      </p:grpSpPr>
+      <p:sp>
+        <p:nvSpPr>
+          <p:cNvPr id="2" name="タイトル 1"/>
+          <p:cNvSpPr>
+            <a:spLocks noGrp="1"/>
+          </p:cNvSpPr>
+          <p:nvPr>
+            <p:ph type="title"/>
+          </p:nvPr>
+        </p:nvSpPr>
+        <p:spPr/>
+        <p:txBody>
+          <a:bodyPr/>
+          <a:lstStyle/>
+          <a:p>
+            <a:r>
+              <a:rPr kumimoji="1" lang="ja-JP" altLang="en-US" dirty="0"/>
               <a:t>研究課題</a:t>
             </a:r>
           </a:p>
@@ -4909,7 +5400,7 @@
           <a:p>
             <a:fld id="{B4451160-128F-4DAD-AE29-4A8CC0E7B9E9}" type="slidenum">
               <a:rPr kumimoji="1" lang="ja-JP" altLang="en-US" smtClean="0"/>
-              <a:t>3</a:t>
+              <a:t>4</a:t>
             </a:fld>
             <a:endParaRPr kumimoji="1" lang="ja-JP" altLang="en-US"/>
           </a:p>
@@ -5505,158 +5996,6 @@
 </p:sld>
 </file>
 
-<file path=ppt/slides/slide4.xml><?xml version="1.0" encoding="utf-8"?>
-<p:sld xmlns:a="http://schemas.openxmlformats.org/drawingml/2006/main" xmlns:r="http://schemas.openxmlformats.org/officeDocument/2006/relationships" xmlns:p="http://schemas.openxmlformats.org/presentationml/2006/main">
-  <p:cSld>
-    <p:spTree>
-      <p:nvGrpSpPr>
-        <p:cNvPr id="1" name=""/>
-        <p:cNvGrpSpPr/>
-        <p:nvPr/>
-      </p:nvGrpSpPr>
-      <p:grpSpPr>
-        <a:xfrm>
-          <a:off x="0" y="0"/>
-          <a:ext cx="0" cy="0"/>
-          <a:chOff x="0" y="0"/>
-          <a:chExt cx="0" cy="0"/>
-        </a:xfrm>
-      </p:grpSpPr>
-      <p:sp>
-        <p:nvSpPr>
-          <p:cNvPr id="2" name="タイトル 1"/>
-          <p:cNvSpPr>
-            <a:spLocks noGrp="1"/>
-          </p:cNvSpPr>
-          <p:nvPr>
-            <p:ph type="title"/>
-          </p:nvPr>
-        </p:nvSpPr>
-        <p:spPr/>
-        <p:txBody>
-          <a:bodyPr/>
-          <a:lstStyle/>
-          <a:p>
-            <a:r>
-              <a:rPr kumimoji="1" lang="ja-JP" altLang="en-US" dirty="0"/>
-              <a:t>研究目的</a:t>
-            </a:r>
-          </a:p>
-        </p:txBody>
-      </p:sp>
-      <p:sp>
-        <p:nvSpPr>
-          <p:cNvPr id="3" name="コンテンツ プレースホルダー 2"/>
-          <p:cNvSpPr>
-            <a:spLocks noGrp="1"/>
-          </p:cNvSpPr>
-          <p:nvPr>
-            <p:ph idx="1"/>
-          </p:nvPr>
-        </p:nvSpPr>
-        <p:spPr>
-          <a:xfrm>
-            <a:off x="628650" y="1846645"/>
-            <a:ext cx="7886700" cy="4351338"/>
-          </a:xfrm>
-        </p:spPr>
-        <p:txBody>
-          <a:bodyPr/>
-          <a:lstStyle/>
-          <a:p>
-            <a:r>
-              <a:rPr lang="ja-JP" altLang="en-US" sz="2800" dirty="0"/>
-              <a:t>楽曲</a:t>
-            </a:r>
-            <a:r>
-              <a:rPr lang="en-US" altLang="ja-JP" sz="2800" dirty="0"/>
-              <a:t>SNS</a:t>
-            </a:r>
-            <a:r>
-              <a:rPr lang="ja-JP" altLang="en-US" sz="2800" dirty="0"/>
-              <a:t>における楽曲コンテンツと動画コンテンツの並列マッチング処理システムの</a:t>
-            </a:r>
-            <a:r>
-              <a:rPr lang="ja-JP" altLang="en-US" dirty="0"/>
-              <a:t>提案</a:t>
-            </a:r>
-            <a:endParaRPr kumimoji="1" lang="en-US" altLang="ja-JP" dirty="0"/>
-          </a:p>
-          <a:p>
-            <a:pPr marL="0" indent="0">
-              <a:buNone/>
-            </a:pPr>
-            <a:endParaRPr lang="en-US" altLang="ja-JP" dirty="0"/>
-          </a:p>
-          <a:p>
-            <a:r>
-              <a:rPr kumimoji="1" lang="ja-JP" altLang="en-US" dirty="0"/>
-              <a:t>実験システムの</a:t>
-            </a:r>
-            <a:r>
-              <a:rPr lang="ja-JP" altLang="en-US" dirty="0"/>
-              <a:t>構築</a:t>
-            </a:r>
-            <a:endParaRPr kumimoji="1" lang="en-US" altLang="ja-JP" dirty="0"/>
-          </a:p>
-          <a:p>
-            <a:pPr marL="0" indent="0">
-              <a:buNone/>
-            </a:pPr>
-            <a:endParaRPr kumimoji="1" lang="en-US" altLang="ja-JP" dirty="0"/>
-          </a:p>
-          <a:p>
-            <a:r>
-              <a:rPr lang="ja-JP" altLang="en-US" dirty="0"/>
-              <a:t>実験による，提案システムの実現可能性の評価</a:t>
-            </a:r>
-            <a:endParaRPr kumimoji="1" lang="ja-JP" altLang="en-US" dirty="0"/>
-          </a:p>
-        </p:txBody>
-      </p:sp>
-      <p:sp>
-        <p:nvSpPr>
-          <p:cNvPr id="4" name="スライド番号プレースホルダー 3"/>
-          <p:cNvSpPr>
-            <a:spLocks noGrp="1"/>
-          </p:cNvSpPr>
-          <p:nvPr>
-            <p:ph type="sldNum" sz="quarter" idx="12"/>
-          </p:nvPr>
-        </p:nvSpPr>
-        <p:spPr/>
-        <p:txBody>
-          <a:bodyPr/>
-          <a:lstStyle/>
-          <a:p>
-            <a:fld id="{B4451160-128F-4DAD-AE29-4A8CC0E7B9E9}" type="slidenum">
-              <a:rPr kumimoji="1" lang="ja-JP" altLang="en-US" smtClean="0"/>
-              <a:t>4</a:t>
-            </a:fld>
-            <a:endParaRPr kumimoji="1" lang="ja-JP" altLang="en-US"/>
-          </a:p>
-        </p:txBody>
-      </p:sp>
-    </p:spTree>
-    <p:extLst>
-      <p:ext uri="{BB962C8B-B14F-4D97-AF65-F5344CB8AC3E}">
-        <p14:creationId xmlns:p14="http://schemas.microsoft.com/office/powerpoint/2010/main" val="114472190"/>
-      </p:ext>
-    </p:extLst>
-  </p:cSld>
-  <p:clrMapOvr>
-    <a:masterClrMapping/>
-  </p:clrMapOvr>
-  <p:timing>
-    <p:tnLst>
-      <p:par>
-        <p:cTn id="1" dur="indefinite" restart="never" nodeType="tmRoot"/>
-      </p:par>
-    </p:tnLst>
-  </p:timing>
-</p:sld>
-</file>
-
 <file path=ppt/slides/slide5.xml><?xml version="1.0" encoding="utf-8"?>
 <p:sld xmlns:a="http://schemas.openxmlformats.org/drawingml/2006/main" xmlns:r="http://schemas.openxmlformats.org/officeDocument/2006/relationships" xmlns:p="http://schemas.openxmlformats.org/presentationml/2006/main">
   <p:cSld>
@@ -5684,40 +6023,73 @@
             <p:ph type="title"/>
           </p:nvPr>
         </p:nvSpPr>
+        <p:spPr/>
+        <p:txBody>
+          <a:bodyPr/>
+          <a:lstStyle/>
+          <a:p>
+            <a:r>
+              <a:rPr kumimoji="1" lang="ja-JP" altLang="en-US" dirty="0"/>
+              <a:t>研究目的</a:t>
+            </a:r>
+          </a:p>
+        </p:txBody>
+      </p:sp>
+      <p:sp>
+        <p:nvSpPr>
+          <p:cNvPr id="3" name="コンテンツ プレースホルダー 2"/>
+          <p:cNvSpPr>
+            <a:spLocks noGrp="1"/>
+          </p:cNvSpPr>
+          <p:nvPr>
+            <p:ph idx="1"/>
+          </p:nvPr>
+        </p:nvSpPr>
         <p:spPr>
           <a:xfrm>
-            <a:off x="628650" y="365127"/>
-            <a:ext cx="4910611" cy="891180"/>
-          </a:xfrm>
-        </p:spPr>
-        <p:txBody>
-          <a:bodyPr>
-            <a:normAutofit fontScale="90000"/>
-          </a:bodyPr>
-          <a:lstStyle/>
-          <a:p>
+            <a:off x="628650" y="1846645"/>
+            <a:ext cx="7886700" cy="4351338"/>
+          </a:xfrm>
+        </p:spPr>
+        <p:txBody>
+          <a:bodyPr/>
+          <a:lstStyle/>
+          <a:p>
+            <a:r>
+              <a:rPr lang="ja-JP" altLang="en-US" sz="2800" dirty="0"/>
+              <a:t>楽曲</a:t>
+            </a:r>
+            <a:r>
+              <a:rPr lang="en-US" altLang="ja-JP" sz="2800" dirty="0"/>
+              <a:t>SNS</a:t>
+            </a:r>
+            <a:r>
+              <a:rPr lang="ja-JP" altLang="en-US" sz="2800" dirty="0"/>
+              <a:t>における楽曲コンテンツと動画コンテンツの並列マッチング処理システムの</a:t>
+            </a:r>
             <a:r>
               <a:rPr lang="ja-JP" altLang="en-US" dirty="0"/>
-              <a:t>提案システムの概要</a:t>
-            </a:r>
-            <a:endParaRPr kumimoji="1" lang="ja-JP" altLang="en-US" dirty="0"/>
-          </a:p>
-        </p:txBody>
-      </p:sp>
-      <p:sp>
-        <p:nvSpPr>
-          <p:cNvPr id="3" name="コンテンツ プレースホルダー 2"/>
-          <p:cNvSpPr>
-            <a:spLocks noGrp="1"/>
-          </p:cNvSpPr>
-          <p:nvPr>
-            <p:ph idx="1"/>
-          </p:nvPr>
-        </p:nvSpPr>
-        <p:spPr/>
-        <p:txBody>
-          <a:bodyPr/>
-          <a:lstStyle/>
+              <a:t>提案</a:t>
+            </a:r>
+            <a:endParaRPr kumimoji="1" lang="en-US" altLang="ja-JP" dirty="0"/>
+          </a:p>
+          <a:p>
+            <a:pPr marL="0" indent="0">
+              <a:buNone/>
+            </a:pPr>
+            <a:endParaRPr lang="en-US" altLang="ja-JP" dirty="0"/>
+          </a:p>
+          <a:p>
+            <a:r>
+              <a:rPr kumimoji="1" lang="ja-JP" altLang="en-US" dirty="0"/>
+              <a:t>実験システムの</a:t>
+            </a:r>
+            <a:r>
+              <a:rPr lang="ja-JP" altLang="en-US" dirty="0"/>
+              <a:t>構築</a:t>
+            </a:r>
+            <a:endParaRPr kumimoji="1" lang="en-US" altLang="ja-JP" dirty="0"/>
+          </a:p>
           <a:p>
             <a:pPr marL="0" indent="0">
               <a:buNone/>
@@ -5725,15 +6097,10 @@
             <a:endParaRPr kumimoji="1" lang="en-US" altLang="ja-JP" dirty="0"/>
           </a:p>
           <a:p>
-            <a:pPr marL="0" indent="0">
-              <a:buNone/>
-            </a:pPr>
-            <a:endParaRPr lang="en-US" altLang="ja-JP" dirty="0"/>
-          </a:p>
-          <a:p>
-            <a:pPr marL="0" indent="0">
-              <a:buNone/>
-            </a:pPr>
+            <a:r>
+              <a:rPr lang="ja-JP" altLang="en-US" dirty="0"/>
+              <a:t>実験による，提案システムの実現可能性の評価</a:t>
+            </a:r>
             <a:endParaRPr kumimoji="1" lang="ja-JP" altLang="en-US" dirty="0"/>
           </a:p>
         </p:txBody>
@@ -5761,751 +6128,10 @@
           </a:p>
         </p:txBody>
       </p:sp>
-      <p:sp>
-        <p:nvSpPr>
-          <p:cNvPr id="6" name="フローチャート: 磁気ディスク 5"/>
-          <p:cNvSpPr/>
-          <p:nvPr/>
-        </p:nvSpPr>
-        <p:spPr>
-          <a:xfrm>
-            <a:off x="1456572" y="1671210"/>
-            <a:ext cx="1518699" cy="811034"/>
-          </a:xfrm>
-          <a:prstGeom prst="flowChartMagneticDisk">
-            <a:avLst/>
-          </a:prstGeom>
-        </p:spPr>
-        <p:style>
-          <a:lnRef idx="2">
-            <a:schemeClr val="accent1">
-              <a:shade val="50000"/>
-            </a:schemeClr>
-          </a:lnRef>
-          <a:fillRef idx="1">
-            <a:schemeClr val="accent1"/>
-          </a:fillRef>
-          <a:effectRef idx="0">
-            <a:schemeClr val="accent1"/>
-          </a:effectRef>
-          <a:fontRef idx="minor">
-            <a:schemeClr val="lt1"/>
-          </a:fontRef>
-        </p:style>
-        <p:txBody>
-          <a:bodyPr rtlCol="0" anchor="ctr"/>
-          <a:lstStyle/>
-          <a:p>
-            <a:pPr algn="ctr"/>
-            <a:r>
-              <a:rPr kumimoji="1" lang="ja-JP" altLang="en-US" dirty="0"/>
-              <a:t>音楽データベース</a:t>
-            </a:r>
-          </a:p>
-        </p:txBody>
-      </p:sp>
-      <p:sp>
-        <p:nvSpPr>
-          <p:cNvPr id="8" name="下矢印 7"/>
-          <p:cNvSpPr/>
-          <p:nvPr/>
-        </p:nvSpPr>
-        <p:spPr>
-          <a:xfrm rot="16200000">
-            <a:off x="611889" y="1523290"/>
-            <a:ext cx="239041" cy="1087591"/>
-          </a:xfrm>
-          <a:prstGeom prst="downArrow">
-            <a:avLst/>
-          </a:prstGeom>
-        </p:spPr>
-        <p:style>
-          <a:lnRef idx="2">
-            <a:schemeClr val="accent1">
-              <a:shade val="50000"/>
-            </a:schemeClr>
-          </a:lnRef>
-          <a:fillRef idx="1">
-            <a:schemeClr val="accent1"/>
-          </a:fillRef>
-          <a:effectRef idx="0">
-            <a:schemeClr val="accent1"/>
-          </a:effectRef>
-          <a:fontRef idx="minor">
-            <a:schemeClr val="lt1"/>
-          </a:fontRef>
-        </p:style>
-        <p:txBody>
-          <a:bodyPr rtlCol="0" anchor="ctr"/>
-          <a:lstStyle/>
-          <a:p>
-            <a:pPr algn="ctr"/>
-            <a:endParaRPr kumimoji="1" lang="ja-JP" altLang="en-US"/>
-          </a:p>
-        </p:txBody>
-      </p:sp>
-      <p:sp>
-        <p:nvSpPr>
-          <p:cNvPr id="9" name="テキスト ボックス 8"/>
-          <p:cNvSpPr txBox="1"/>
-          <p:nvPr/>
-        </p:nvSpPr>
-        <p:spPr>
-          <a:xfrm>
-            <a:off x="25460" y="1331060"/>
-            <a:ext cx="2115048" cy="646331"/>
-          </a:xfrm>
-          <a:prstGeom prst="rect">
-            <a:avLst/>
-          </a:prstGeom>
-          <a:noFill/>
-        </p:spPr>
-        <p:txBody>
-          <a:bodyPr wrap="square" rtlCol="0">
-            <a:spAutoFit/>
-          </a:bodyPr>
-          <a:lstStyle/>
-          <a:p>
-            <a:r>
-              <a:rPr kumimoji="1" lang="ja-JP" altLang="en-US" dirty="0"/>
-              <a:t>投稿された著作権フリーの音楽</a:t>
-            </a:r>
-          </a:p>
-        </p:txBody>
-      </p:sp>
-      <p:sp>
-        <p:nvSpPr>
-          <p:cNvPr id="11" name="フローチャート: 磁気ディスク 10"/>
-          <p:cNvSpPr/>
-          <p:nvPr/>
-        </p:nvSpPr>
-        <p:spPr>
-          <a:xfrm>
-            <a:off x="383146" y="3646758"/>
-            <a:ext cx="2146852" cy="811034"/>
-          </a:xfrm>
-          <a:prstGeom prst="flowChartMagneticDisk">
-            <a:avLst/>
-          </a:prstGeom>
-        </p:spPr>
-        <p:style>
-          <a:lnRef idx="2">
-            <a:schemeClr val="accent1">
-              <a:shade val="50000"/>
-            </a:schemeClr>
-          </a:lnRef>
-          <a:fillRef idx="1">
-            <a:schemeClr val="accent1"/>
-          </a:fillRef>
-          <a:effectRef idx="0">
-            <a:schemeClr val="accent1"/>
-          </a:effectRef>
-          <a:fontRef idx="minor">
-            <a:schemeClr val="lt1"/>
-          </a:fontRef>
-        </p:style>
-        <p:txBody>
-          <a:bodyPr rtlCol="0" anchor="ctr"/>
-          <a:lstStyle/>
-          <a:p>
-            <a:pPr algn="ctr"/>
-            <a:r>
-              <a:rPr lang="ja-JP" altLang="en-US" dirty="0"/>
-              <a:t>観光地推薦動画データベース</a:t>
-            </a:r>
-            <a:endParaRPr kumimoji="1" lang="ja-JP" altLang="en-US" dirty="0"/>
-          </a:p>
-        </p:txBody>
-      </p:sp>
-      <p:sp>
-        <p:nvSpPr>
-          <p:cNvPr id="12" name="下矢印 11"/>
-          <p:cNvSpPr/>
-          <p:nvPr/>
-        </p:nvSpPr>
-        <p:spPr>
-          <a:xfrm rot="16200000">
-            <a:off x="3482217" y="1661743"/>
-            <a:ext cx="178807" cy="829964"/>
-          </a:xfrm>
-          <a:prstGeom prst="downArrow">
-            <a:avLst/>
-          </a:prstGeom>
-        </p:spPr>
-        <p:style>
-          <a:lnRef idx="2">
-            <a:schemeClr val="accent1">
-              <a:shade val="50000"/>
-            </a:schemeClr>
-          </a:lnRef>
-          <a:fillRef idx="1">
-            <a:schemeClr val="accent1"/>
-          </a:fillRef>
-          <a:effectRef idx="0">
-            <a:schemeClr val="accent1"/>
-          </a:effectRef>
-          <a:fontRef idx="minor">
-            <a:schemeClr val="lt1"/>
-          </a:fontRef>
-        </p:style>
-        <p:txBody>
-          <a:bodyPr rtlCol="0" anchor="ctr"/>
-          <a:lstStyle/>
-          <a:p>
-            <a:pPr algn="ctr"/>
-            <a:endParaRPr kumimoji="1" lang="ja-JP" altLang="en-US"/>
-          </a:p>
-        </p:txBody>
-      </p:sp>
-      <p:sp>
-        <p:nvSpPr>
-          <p:cNvPr id="14" name="フローチャート: 磁気ディスク 13"/>
-          <p:cNvSpPr/>
-          <p:nvPr/>
-        </p:nvSpPr>
-        <p:spPr>
-          <a:xfrm>
-            <a:off x="6758857" y="1658722"/>
-            <a:ext cx="2202014" cy="836008"/>
-          </a:xfrm>
-          <a:prstGeom prst="flowChartMagneticDisk">
-            <a:avLst/>
-          </a:prstGeom>
-        </p:spPr>
-        <p:style>
-          <a:lnRef idx="2">
-            <a:schemeClr val="accent1">
-              <a:shade val="50000"/>
-            </a:schemeClr>
-          </a:lnRef>
-          <a:fillRef idx="1">
-            <a:schemeClr val="accent1"/>
-          </a:fillRef>
-          <a:effectRef idx="0">
-            <a:schemeClr val="accent1"/>
-          </a:effectRef>
-          <a:fontRef idx="minor">
-            <a:schemeClr val="lt1"/>
-          </a:fontRef>
-        </p:style>
-        <p:txBody>
-          <a:bodyPr rtlCol="0" anchor="ctr"/>
-          <a:lstStyle/>
-          <a:p>
-            <a:pPr algn="ctr"/>
-            <a:r>
-              <a:rPr kumimoji="1" lang="ja-JP" altLang="en-US" dirty="0"/>
-              <a:t>ジャンル分けされた音楽データベース</a:t>
-            </a:r>
-          </a:p>
-        </p:txBody>
-      </p:sp>
-      <p:sp>
-        <p:nvSpPr>
-          <p:cNvPr id="15" name="右矢印 14"/>
-          <p:cNvSpPr/>
-          <p:nvPr/>
-        </p:nvSpPr>
-        <p:spPr>
-          <a:xfrm>
-            <a:off x="5830850" y="1924981"/>
-            <a:ext cx="779412" cy="241148"/>
-          </a:xfrm>
-          <a:prstGeom prst="rightArrow">
-            <a:avLst/>
-          </a:prstGeom>
-        </p:spPr>
-        <p:style>
-          <a:lnRef idx="2">
-            <a:schemeClr val="accent1">
-              <a:shade val="50000"/>
-            </a:schemeClr>
-          </a:lnRef>
-          <a:fillRef idx="1">
-            <a:schemeClr val="accent1"/>
-          </a:fillRef>
-          <a:effectRef idx="0">
-            <a:schemeClr val="accent1"/>
-          </a:effectRef>
-          <a:fontRef idx="minor">
-            <a:schemeClr val="lt1"/>
-          </a:fontRef>
-        </p:style>
-        <p:txBody>
-          <a:bodyPr rtlCol="0" anchor="ctr"/>
-          <a:lstStyle/>
-          <a:p>
-            <a:pPr algn="ctr"/>
-            <a:endParaRPr kumimoji="1" lang="ja-JP" altLang="en-US"/>
-          </a:p>
-        </p:txBody>
-      </p:sp>
-      <p:sp>
-        <p:nvSpPr>
-          <p:cNvPr id="16" name="テキスト ボックス 15"/>
-          <p:cNvSpPr txBox="1"/>
-          <p:nvPr/>
-        </p:nvSpPr>
-        <p:spPr>
-          <a:xfrm>
-            <a:off x="4792025" y="4583877"/>
-            <a:ext cx="2472607" cy="646331"/>
-          </a:xfrm>
-          <a:prstGeom prst="rect">
-            <a:avLst/>
-          </a:prstGeom>
-          <a:noFill/>
-        </p:spPr>
-        <p:txBody>
-          <a:bodyPr wrap="square" rtlCol="0">
-            <a:spAutoFit/>
-          </a:bodyPr>
-          <a:lstStyle/>
-          <a:p>
-            <a:r>
-              <a:rPr kumimoji="1" lang="ja-JP" altLang="en-US" dirty="0"/>
-              <a:t>観光地の印象と音楽のジャンルでマッチング</a:t>
-            </a:r>
-          </a:p>
-        </p:txBody>
-      </p:sp>
-      <p:sp>
-        <p:nvSpPr>
-          <p:cNvPr id="19" name="フローチャート: 磁気ディスク 18"/>
-          <p:cNvSpPr/>
-          <p:nvPr/>
-        </p:nvSpPr>
-        <p:spPr>
-          <a:xfrm>
-            <a:off x="6758857" y="5480191"/>
-            <a:ext cx="2202014" cy="868438"/>
-          </a:xfrm>
-          <a:prstGeom prst="flowChartMagneticDisk">
-            <a:avLst/>
-          </a:prstGeom>
-        </p:spPr>
-        <p:style>
-          <a:lnRef idx="2">
-            <a:schemeClr val="accent1">
-              <a:shade val="50000"/>
-            </a:schemeClr>
-          </a:lnRef>
-          <a:fillRef idx="1">
-            <a:schemeClr val="accent1"/>
-          </a:fillRef>
-          <a:effectRef idx="0">
-            <a:schemeClr val="accent1"/>
-          </a:effectRef>
-          <a:fontRef idx="minor">
-            <a:schemeClr val="lt1"/>
-          </a:fontRef>
-        </p:style>
-        <p:txBody>
-          <a:bodyPr rtlCol="0" anchor="ctr"/>
-          <a:lstStyle/>
-          <a:p>
-            <a:pPr algn="ctr"/>
-            <a:r>
-              <a:rPr lang="en-US" altLang="ja-JP" dirty="0"/>
-              <a:t>BGM</a:t>
-            </a:r>
-            <a:r>
-              <a:rPr lang="ja-JP" altLang="en-US" dirty="0"/>
-              <a:t>付き観光地推薦動画データベース</a:t>
-            </a:r>
-            <a:endParaRPr kumimoji="1" lang="ja-JP" altLang="en-US" dirty="0"/>
-          </a:p>
-        </p:txBody>
-      </p:sp>
-      <p:sp>
-        <p:nvSpPr>
-          <p:cNvPr id="20" name="縦巻き 19"/>
-          <p:cNvSpPr/>
-          <p:nvPr/>
-        </p:nvSpPr>
-        <p:spPr>
-          <a:xfrm>
-            <a:off x="4009620" y="1469755"/>
-            <a:ext cx="1750990" cy="1213940"/>
-          </a:xfrm>
-          <a:prstGeom prst="verticalScroll">
-            <a:avLst/>
-          </a:prstGeom>
-          <a:solidFill>
-            <a:srgbClr val="00B050"/>
-          </a:solidFill>
-        </p:spPr>
-        <p:style>
-          <a:lnRef idx="2">
-            <a:schemeClr val="accent1">
-              <a:shade val="50000"/>
-            </a:schemeClr>
-          </a:lnRef>
-          <a:fillRef idx="1">
-            <a:schemeClr val="accent1"/>
-          </a:fillRef>
-          <a:effectRef idx="0">
-            <a:schemeClr val="accent1"/>
-          </a:effectRef>
-          <a:fontRef idx="minor">
-            <a:schemeClr val="lt1"/>
-          </a:fontRef>
-        </p:style>
-        <p:txBody>
-          <a:bodyPr rtlCol="0" anchor="ctr"/>
-          <a:lstStyle/>
-          <a:p>
-            <a:pPr algn="ctr"/>
-            <a:r>
-              <a:rPr kumimoji="1" lang="ja-JP" altLang="en-US" dirty="0"/>
-              <a:t>ジャンル</a:t>
-            </a:r>
-            <a:r>
-              <a:rPr lang="ja-JP" altLang="en-US" dirty="0"/>
-              <a:t>分けシステム</a:t>
-            </a:r>
-            <a:endParaRPr kumimoji="1" lang="ja-JP" altLang="en-US" dirty="0"/>
-          </a:p>
-        </p:txBody>
-      </p:sp>
-      <p:sp>
-        <p:nvSpPr>
-          <p:cNvPr id="21" name="縦巻き 20"/>
-          <p:cNvSpPr/>
-          <p:nvPr/>
-        </p:nvSpPr>
-        <p:spPr>
-          <a:xfrm>
-            <a:off x="6610261" y="3337233"/>
-            <a:ext cx="2302904" cy="1213940"/>
-          </a:xfrm>
-          <a:prstGeom prst="verticalScroll">
-            <a:avLst/>
-          </a:prstGeom>
-          <a:solidFill>
-            <a:srgbClr val="00B050"/>
-          </a:solidFill>
-        </p:spPr>
-        <p:style>
-          <a:lnRef idx="2">
-            <a:schemeClr val="accent1">
-              <a:shade val="50000"/>
-            </a:schemeClr>
-          </a:lnRef>
-          <a:fillRef idx="1">
-            <a:schemeClr val="accent1"/>
-          </a:fillRef>
-          <a:effectRef idx="0">
-            <a:schemeClr val="accent1"/>
-          </a:effectRef>
-          <a:fontRef idx="minor">
-            <a:schemeClr val="lt1"/>
-          </a:fontRef>
-        </p:style>
-        <p:txBody>
-          <a:bodyPr rtlCol="0" anchor="ctr"/>
-          <a:lstStyle/>
-          <a:p>
-            <a:pPr algn="ctr"/>
-            <a:r>
-              <a:rPr lang="ja-JP" altLang="en-US" dirty="0"/>
-              <a:t>動画と音楽のマッチングシステム</a:t>
-            </a:r>
-            <a:endParaRPr kumimoji="1" lang="ja-JP" altLang="en-US" dirty="0"/>
-          </a:p>
-        </p:txBody>
-      </p:sp>
-      <p:sp>
-        <p:nvSpPr>
-          <p:cNvPr id="22" name="右矢印 21"/>
-          <p:cNvSpPr/>
-          <p:nvPr/>
-        </p:nvSpPr>
-        <p:spPr>
-          <a:xfrm>
-            <a:off x="2822713" y="3933006"/>
-            <a:ext cx="3635237" cy="238539"/>
-          </a:xfrm>
-          <a:prstGeom prst="rightArrow">
-            <a:avLst/>
-          </a:prstGeom>
-        </p:spPr>
-        <p:style>
-          <a:lnRef idx="2">
-            <a:schemeClr val="accent1">
-              <a:shade val="50000"/>
-            </a:schemeClr>
-          </a:lnRef>
-          <a:fillRef idx="1">
-            <a:schemeClr val="accent1"/>
-          </a:fillRef>
-          <a:effectRef idx="0">
-            <a:schemeClr val="accent1"/>
-          </a:effectRef>
-          <a:fontRef idx="minor">
-            <a:schemeClr val="lt1"/>
-          </a:fontRef>
-        </p:style>
-        <p:txBody>
-          <a:bodyPr rtlCol="0" anchor="ctr"/>
-          <a:lstStyle/>
-          <a:p>
-            <a:pPr algn="ctr"/>
-            <a:endParaRPr kumimoji="1" lang="ja-JP" altLang="en-US"/>
-          </a:p>
-        </p:txBody>
-      </p:sp>
-      <p:sp>
-        <p:nvSpPr>
-          <p:cNvPr id="23" name="下矢印 22"/>
-          <p:cNvSpPr/>
-          <p:nvPr/>
-        </p:nvSpPr>
-        <p:spPr>
-          <a:xfrm>
-            <a:off x="7092564" y="4745546"/>
-            <a:ext cx="1393957" cy="666808"/>
-          </a:xfrm>
-          <a:prstGeom prst="downArrow">
-            <a:avLst/>
-          </a:prstGeom>
-        </p:spPr>
-        <p:style>
-          <a:lnRef idx="2">
-            <a:schemeClr val="accent1">
-              <a:shade val="50000"/>
-            </a:schemeClr>
-          </a:lnRef>
-          <a:fillRef idx="1">
-            <a:schemeClr val="accent1"/>
-          </a:fillRef>
-          <a:effectRef idx="0">
-            <a:schemeClr val="accent1"/>
-          </a:effectRef>
-          <a:fontRef idx="minor">
-            <a:schemeClr val="lt1"/>
-          </a:fontRef>
-        </p:style>
-        <p:txBody>
-          <a:bodyPr rtlCol="0" anchor="ctr"/>
-          <a:lstStyle/>
-          <a:p>
-            <a:pPr algn="ctr"/>
-            <a:endParaRPr kumimoji="1" lang="ja-JP" altLang="en-US"/>
-          </a:p>
-        </p:txBody>
-      </p:sp>
-      <p:sp>
-        <p:nvSpPr>
-          <p:cNvPr id="24" name="下矢印 23"/>
-          <p:cNvSpPr/>
-          <p:nvPr/>
-        </p:nvSpPr>
-        <p:spPr>
-          <a:xfrm>
-            <a:off x="7036905" y="2649145"/>
-            <a:ext cx="1542552" cy="516422"/>
-          </a:xfrm>
-          <a:prstGeom prst="downArrow">
-            <a:avLst/>
-          </a:prstGeom>
-        </p:spPr>
-        <p:style>
-          <a:lnRef idx="2">
-            <a:schemeClr val="accent1">
-              <a:shade val="50000"/>
-            </a:schemeClr>
-          </a:lnRef>
-          <a:fillRef idx="1">
-            <a:schemeClr val="accent1"/>
-          </a:fillRef>
-          <a:effectRef idx="0">
-            <a:schemeClr val="accent1"/>
-          </a:effectRef>
-          <a:fontRef idx="minor">
-            <a:schemeClr val="lt1"/>
-          </a:fontRef>
-        </p:style>
-        <p:txBody>
-          <a:bodyPr rtlCol="0" anchor="ctr"/>
-          <a:lstStyle/>
-          <a:p>
-            <a:pPr algn="ctr"/>
-            <a:endParaRPr kumimoji="1" lang="ja-JP" altLang="en-US"/>
-          </a:p>
-        </p:txBody>
-      </p:sp>
-      <p:sp>
-        <p:nvSpPr>
-          <p:cNvPr id="25" name="テキスト ボックス 24"/>
-          <p:cNvSpPr txBox="1"/>
-          <p:nvPr/>
-        </p:nvSpPr>
-        <p:spPr>
-          <a:xfrm>
-            <a:off x="2342728" y="2455311"/>
-            <a:ext cx="1756094" cy="738664"/>
-          </a:xfrm>
-          <a:prstGeom prst="rect">
-            <a:avLst/>
-          </a:prstGeom>
-          <a:noFill/>
-        </p:spPr>
-        <p:txBody>
-          <a:bodyPr wrap="square" rtlCol="0">
-            <a:spAutoFit/>
-          </a:bodyPr>
-          <a:lstStyle/>
-          <a:p>
-            <a:r>
-              <a:rPr lang="ja-JP" altLang="en-US" sz="1400" dirty="0"/>
-              <a:t>ラウンドロビンを利用し，</a:t>
-            </a:r>
-            <a:r>
-              <a:rPr kumimoji="1" lang="ja-JP" altLang="en-US" sz="1400" dirty="0"/>
-              <a:t>いくつかのサーバーに処理</a:t>
-            </a:r>
-            <a:r>
-              <a:rPr kumimoji="1" lang="ja-JP" altLang="en-US" sz="1400" dirty="0" smtClean="0"/>
-              <a:t>を分散</a:t>
-            </a:r>
-            <a:endParaRPr kumimoji="1" lang="ja-JP" altLang="en-US" sz="1400" dirty="0"/>
-          </a:p>
-        </p:txBody>
-      </p:sp>
-      <p:pic>
-        <p:nvPicPr>
-          <p:cNvPr id="5" name="図 4"/>
-          <p:cNvPicPr>
-            <a:picLocks noChangeAspect="1"/>
-          </p:cNvPicPr>
-          <p:nvPr/>
-        </p:nvPicPr>
-        <p:blipFill>
-          <a:blip r:embed="rId2" cstate="print">
-            <a:extLst>
-              <a:ext uri="{28A0092B-C50C-407E-A947-70E740481C1C}">
-                <a14:useLocalDpi xmlns:a14="http://schemas.microsoft.com/office/drawing/2010/main" val="0"/>
-              </a:ext>
-            </a:extLst>
-          </a:blip>
-          <a:stretch>
-            <a:fillRect/>
-          </a:stretch>
-        </p:blipFill>
-        <p:spPr>
-          <a:xfrm>
-            <a:off x="784689" y="5412494"/>
-            <a:ext cx="1745309" cy="1308982"/>
-          </a:xfrm>
-          <a:prstGeom prst="rect">
-            <a:avLst/>
-          </a:prstGeom>
-        </p:spPr>
-      </p:pic>
-      <p:cxnSp>
-        <p:nvCxnSpPr>
-          <p:cNvPr id="10" name="直線コネクタ 9"/>
-          <p:cNvCxnSpPr/>
-          <p:nvPr/>
-        </p:nvCxnSpPr>
-        <p:spPr>
-          <a:xfrm flipH="1">
-            <a:off x="858741" y="4863342"/>
-            <a:ext cx="3781590" cy="479935"/>
-          </a:xfrm>
-          <a:prstGeom prst="line">
-            <a:avLst/>
-          </a:prstGeom>
-          <a:ln>
-            <a:solidFill>
-              <a:schemeClr val="tx1"/>
-            </a:solidFill>
-          </a:ln>
-        </p:spPr>
-        <p:style>
-          <a:lnRef idx="1">
-            <a:schemeClr val="accent1"/>
-          </a:lnRef>
-          <a:fillRef idx="0">
-            <a:schemeClr val="accent1"/>
-          </a:fillRef>
-          <a:effectRef idx="0">
-            <a:schemeClr val="accent1"/>
-          </a:effectRef>
-          <a:fontRef idx="minor">
-            <a:schemeClr val="tx1"/>
-          </a:fontRef>
-        </p:style>
-      </p:cxnSp>
-      <p:cxnSp>
-        <p:nvCxnSpPr>
-          <p:cNvPr id="17" name="直線コネクタ 16"/>
-          <p:cNvCxnSpPr/>
-          <p:nvPr/>
-        </p:nvCxnSpPr>
-        <p:spPr>
-          <a:xfrm flipH="1">
-            <a:off x="5984782" y="5301356"/>
-            <a:ext cx="352408" cy="320950"/>
-          </a:xfrm>
-          <a:prstGeom prst="line">
-            <a:avLst/>
-          </a:prstGeom>
-          <a:ln>
-            <a:solidFill>
-              <a:schemeClr val="tx1"/>
-            </a:solidFill>
-          </a:ln>
-        </p:spPr>
-        <p:style>
-          <a:lnRef idx="1">
-            <a:schemeClr val="accent1"/>
-          </a:lnRef>
-          <a:fillRef idx="0">
-            <a:schemeClr val="accent1"/>
-          </a:fillRef>
-          <a:effectRef idx="0">
-            <a:schemeClr val="accent1"/>
-          </a:effectRef>
-          <a:fontRef idx="minor">
-            <a:schemeClr val="tx1"/>
-          </a:fontRef>
-        </p:style>
-      </p:cxnSp>
-      <p:sp>
-        <p:nvSpPr>
-          <p:cNvPr id="18" name="テキスト ボックス 17"/>
-          <p:cNvSpPr txBox="1"/>
-          <p:nvPr/>
-        </p:nvSpPr>
-        <p:spPr>
-          <a:xfrm>
-            <a:off x="2775502" y="5412353"/>
-            <a:ext cx="2763759" cy="943997"/>
-          </a:xfrm>
-          <a:prstGeom prst="rect">
-            <a:avLst/>
-          </a:prstGeom>
-          <a:noFill/>
-        </p:spPr>
-        <p:txBody>
-          <a:bodyPr wrap="square" rtlCol="0">
-            <a:spAutoFit/>
-          </a:bodyPr>
-          <a:lstStyle/>
-          <a:p>
-            <a:r>
-              <a:rPr kumimoji="1" lang="ja-JP" altLang="en-US" dirty="0"/>
-              <a:t>観光地から明るい印象を受けるので，“元気が出る”音楽とマッチング</a:t>
-            </a:r>
-          </a:p>
-        </p:txBody>
-      </p:sp>
     </p:spTree>
     <p:extLst>
       <p:ext uri="{BB962C8B-B14F-4D97-AF65-F5344CB8AC3E}">
-        <p14:creationId xmlns:p14="http://schemas.microsoft.com/office/powerpoint/2010/main" val="4224668961"/>
+        <p14:creationId xmlns:p14="http://schemas.microsoft.com/office/powerpoint/2010/main" val="114472190"/>
       </p:ext>
     </p:extLst>
   </p:cSld>
@@ -6549,170 +6175,57 @@
             <p:ph type="title"/>
           </p:nvPr>
         </p:nvSpPr>
+        <p:spPr>
+          <a:xfrm>
+            <a:off x="628650" y="365127"/>
+            <a:ext cx="4910611" cy="891180"/>
+          </a:xfrm>
+        </p:spPr>
+        <p:txBody>
+          <a:bodyPr>
+            <a:normAutofit fontScale="90000"/>
+          </a:bodyPr>
+          <a:lstStyle/>
+          <a:p>
+            <a:r>
+              <a:rPr lang="ja-JP" altLang="en-US" dirty="0"/>
+              <a:t>提案システムの概要</a:t>
+            </a:r>
+            <a:endParaRPr kumimoji="1" lang="ja-JP" altLang="en-US" dirty="0"/>
+          </a:p>
+        </p:txBody>
+      </p:sp>
+      <p:sp>
+        <p:nvSpPr>
+          <p:cNvPr id="3" name="コンテンツ プレースホルダー 2"/>
+          <p:cNvSpPr>
+            <a:spLocks noGrp="1"/>
+          </p:cNvSpPr>
+          <p:nvPr>
+            <p:ph idx="1"/>
+          </p:nvPr>
+        </p:nvSpPr>
         <p:spPr/>
         <p:txBody>
-          <a:bodyPr>
-            <a:normAutofit/>
-          </a:bodyPr>
-          <a:lstStyle/>
-          <a:p>
-            <a:r>
-              <a:rPr lang="ja-JP" altLang="en-US" sz="4000" dirty="0"/>
-              <a:t>印象による楽曲と動画のマッチング</a:t>
-            </a:r>
-            <a:endParaRPr kumimoji="1" lang="ja-JP" altLang="en-US" sz="4000" dirty="0"/>
-          </a:p>
-        </p:txBody>
-      </p:sp>
-      <p:sp>
-        <p:nvSpPr>
-          <p:cNvPr id="3" name="コンテンツ プレースホルダー 2"/>
-          <p:cNvSpPr>
-            <a:spLocks noGrp="1"/>
-          </p:cNvSpPr>
-          <p:nvPr>
-            <p:ph idx="1"/>
-          </p:nvPr>
-        </p:nvSpPr>
-        <p:spPr>
-          <a:xfrm>
-            <a:off x="314325" y="1847851"/>
-            <a:ext cx="8515350" cy="3228646"/>
-          </a:xfrm>
-        </p:spPr>
-        <p:txBody>
-          <a:bodyPr>
-            <a:normAutofit/>
-          </a:bodyPr>
-          <a:lstStyle/>
-          <a:p>
-            <a:r>
-              <a:rPr lang="ja-JP" altLang="en-US" dirty="0"/>
-              <a:t>楽曲</a:t>
-            </a:r>
-            <a:r>
-              <a:rPr kumimoji="1" lang="ja-JP" altLang="en-US" dirty="0"/>
-              <a:t>と動画を印象によりマッチングする．</a:t>
-            </a:r>
-            <a:r>
-              <a:rPr kumimoji="1" lang="en-US" altLang="ja-JP" dirty="0"/>
-              <a:t>	</a:t>
-            </a:r>
-          </a:p>
-          <a:p>
-            <a:pPr lvl="1"/>
-            <a:r>
-              <a:rPr lang="ja-JP" altLang="en-US" dirty="0"/>
-              <a:t>動画</a:t>
-            </a:r>
-            <a:r>
-              <a:rPr lang="en-US" altLang="ja-JP" dirty="0"/>
-              <a:t>:</a:t>
-            </a:r>
-            <a:r>
-              <a:rPr kumimoji="1" lang="ja-JP" altLang="en-US" dirty="0"/>
-              <a:t>観光地動画</a:t>
-            </a:r>
+          <a:bodyPr/>
+          <a:lstStyle/>
+          <a:p>
+            <a:pPr marL="0" indent="0">
+              <a:buNone/>
+            </a:pPr>
             <a:endParaRPr kumimoji="1" lang="en-US" altLang="ja-JP" dirty="0"/>
           </a:p>
           <a:p>
-            <a:pPr lvl="1"/>
-            <a:r>
-              <a:rPr lang="ja-JP" altLang="en-US" dirty="0"/>
-              <a:t>楽曲</a:t>
-            </a:r>
-            <a:r>
-              <a:rPr lang="en-US" altLang="ja-JP" dirty="0"/>
-              <a:t>: </a:t>
-            </a:r>
-            <a:r>
-              <a:rPr lang="ja-JP" altLang="en-US" dirty="0"/>
-              <a:t>クラシックや</a:t>
-            </a:r>
-            <a:r>
-              <a:rPr lang="ja-JP" altLang="en-US" dirty="0" smtClean="0"/>
-              <a:t>インストルメンタルなど</a:t>
-            </a:r>
+            <a:pPr marL="0" indent="0">
+              <a:buNone/>
+            </a:pPr>
             <a:endParaRPr lang="en-US" altLang="ja-JP" dirty="0"/>
           </a:p>
           <a:p>
-            <a:r>
-              <a:rPr kumimoji="1" lang="en-US" altLang="ja-JP" dirty="0"/>
-              <a:t>8</a:t>
-            </a:r>
-            <a:r>
-              <a:rPr kumimoji="1" lang="ja-JP" altLang="en-US" dirty="0"/>
-              <a:t>つの印象軸 </a:t>
-            </a:r>
-            <a:r>
-              <a:rPr kumimoji="1" lang="en-US" altLang="ja-JP" dirty="0"/>
-              <a:t>(6</a:t>
-            </a:r>
-            <a:r>
-              <a:rPr kumimoji="1" lang="ja-JP" altLang="en-US" dirty="0"/>
-              <a:t>つの印象 </a:t>
-            </a:r>
-            <a:r>
-              <a:rPr kumimoji="1" lang="en-US" altLang="ja-JP" dirty="0"/>
-              <a:t>+ 2</a:t>
-            </a:r>
-            <a:r>
-              <a:rPr kumimoji="1" lang="ja-JP" altLang="en-US" dirty="0"/>
-              <a:t>つの複合印象</a:t>
-            </a:r>
-            <a:r>
-              <a:rPr kumimoji="1" lang="en-US" altLang="ja-JP" dirty="0"/>
-              <a:t>)</a:t>
-            </a:r>
-            <a:endParaRPr lang="en-US" altLang="ja-JP" dirty="0"/>
-          </a:p>
-          <a:p>
-            <a:pPr lvl="1"/>
-            <a:r>
-              <a:rPr lang="ja-JP" altLang="en-US" dirty="0"/>
-              <a:t>印象</a:t>
-            </a:r>
-            <a:r>
-              <a:rPr lang="en-US" altLang="ja-JP" dirty="0"/>
-              <a:t>: </a:t>
-            </a:r>
-            <a:r>
-              <a:rPr lang="ja-JP" altLang="en-US" dirty="0"/>
-              <a:t>堂々，元気が出る，切ない，激しい，滑稽，かわいい</a:t>
-            </a:r>
-            <a:endParaRPr lang="en-US" altLang="ja-JP" sz="2800" dirty="0"/>
-          </a:p>
-          <a:p>
-            <a:pPr lvl="1"/>
-            <a:r>
-              <a:rPr kumimoji="1" lang="en-US" altLang="ja-JP" sz="2200" dirty="0"/>
-              <a:t>Valance</a:t>
-            </a:r>
-            <a:r>
-              <a:rPr kumimoji="1" lang="ja-JP" altLang="en-US" sz="2200" dirty="0"/>
-              <a:t>（</a:t>
-            </a:r>
-            <a:r>
-              <a:rPr lang="ja-JP" altLang="en-US" sz="2200" dirty="0"/>
-              <a:t>明るい気持になる，楽しい，暗い気持ちになる，悲しい）</a:t>
-            </a:r>
-            <a:endParaRPr lang="en-US" altLang="ja-JP" sz="2200" dirty="0"/>
-          </a:p>
-          <a:p>
-            <a:pPr lvl="1"/>
-            <a:r>
-              <a:rPr kumimoji="1" lang="en-US" altLang="ja-JP" sz="2100" dirty="0"/>
-              <a:t>Arousal</a:t>
-            </a:r>
-            <a:r>
-              <a:rPr kumimoji="1" lang="ja-JP" altLang="en-US" sz="2100" dirty="0"/>
-              <a:t>（</a:t>
-            </a:r>
-            <a:r>
-              <a:rPr lang="ja-JP" altLang="en-US" sz="2100" dirty="0"/>
-              <a:t>激しい，積極的な，強気な，穏やかな，消極的な，弱気な）</a:t>
-            </a:r>
-            <a:endParaRPr kumimoji="1" lang="ja-JP" altLang="en-US" sz="2100" dirty="0"/>
+            <a:pPr marL="0" indent="0">
+              <a:buNone/>
+            </a:pPr>
+            <a:endParaRPr kumimoji="1" lang="ja-JP" altLang="en-US" dirty="0"/>
           </a:p>
         </p:txBody>
       </p:sp>
@@ -6739,15 +6252,633 @@
           </a:p>
         </p:txBody>
       </p:sp>
+      <p:sp>
+        <p:nvSpPr>
+          <p:cNvPr id="6" name="フローチャート: 磁気ディスク 5"/>
+          <p:cNvSpPr/>
+          <p:nvPr/>
+        </p:nvSpPr>
+        <p:spPr>
+          <a:xfrm>
+            <a:off x="1456572" y="1671210"/>
+            <a:ext cx="1518699" cy="811034"/>
+          </a:xfrm>
+          <a:prstGeom prst="flowChartMagneticDisk">
+            <a:avLst/>
+          </a:prstGeom>
+        </p:spPr>
+        <p:style>
+          <a:lnRef idx="2">
+            <a:schemeClr val="accent1">
+              <a:shade val="50000"/>
+            </a:schemeClr>
+          </a:lnRef>
+          <a:fillRef idx="1">
+            <a:schemeClr val="accent1"/>
+          </a:fillRef>
+          <a:effectRef idx="0">
+            <a:schemeClr val="accent1"/>
+          </a:effectRef>
+          <a:fontRef idx="minor">
+            <a:schemeClr val="lt1"/>
+          </a:fontRef>
+        </p:style>
+        <p:txBody>
+          <a:bodyPr rtlCol="0" anchor="ctr"/>
+          <a:lstStyle/>
+          <a:p>
+            <a:pPr algn="ctr"/>
+            <a:r>
+              <a:rPr kumimoji="1" lang="ja-JP" altLang="en-US" dirty="0"/>
+              <a:t>音楽データベース</a:t>
+            </a:r>
+          </a:p>
+        </p:txBody>
+      </p:sp>
+      <p:sp>
+        <p:nvSpPr>
+          <p:cNvPr id="8" name="下矢印 7"/>
+          <p:cNvSpPr/>
+          <p:nvPr/>
+        </p:nvSpPr>
+        <p:spPr>
+          <a:xfrm rot="16200000">
+            <a:off x="611889" y="1523290"/>
+            <a:ext cx="239041" cy="1087591"/>
+          </a:xfrm>
+          <a:prstGeom prst="downArrow">
+            <a:avLst/>
+          </a:prstGeom>
+        </p:spPr>
+        <p:style>
+          <a:lnRef idx="2">
+            <a:schemeClr val="accent1">
+              <a:shade val="50000"/>
+            </a:schemeClr>
+          </a:lnRef>
+          <a:fillRef idx="1">
+            <a:schemeClr val="accent1"/>
+          </a:fillRef>
+          <a:effectRef idx="0">
+            <a:schemeClr val="accent1"/>
+          </a:effectRef>
+          <a:fontRef idx="minor">
+            <a:schemeClr val="lt1"/>
+          </a:fontRef>
+        </p:style>
+        <p:txBody>
+          <a:bodyPr rtlCol="0" anchor="ctr"/>
+          <a:lstStyle/>
+          <a:p>
+            <a:pPr algn="ctr"/>
+            <a:endParaRPr kumimoji="1" lang="ja-JP" altLang="en-US"/>
+          </a:p>
+        </p:txBody>
+      </p:sp>
+      <p:sp>
+        <p:nvSpPr>
+          <p:cNvPr id="9" name="テキスト ボックス 8"/>
+          <p:cNvSpPr txBox="1"/>
+          <p:nvPr/>
+        </p:nvSpPr>
+        <p:spPr>
+          <a:xfrm>
+            <a:off x="25460" y="1331060"/>
+            <a:ext cx="2115048" cy="646331"/>
+          </a:xfrm>
+          <a:prstGeom prst="rect">
+            <a:avLst/>
+          </a:prstGeom>
+          <a:noFill/>
+        </p:spPr>
+        <p:txBody>
+          <a:bodyPr wrap="square" rtlCol="0">
+            <a:spAutoFit/>
+          </a:bodyPr>
+          <a:lstStyle/>
+          <a:p>
+            <a:r>
+              <a:rPr kumimoji="1" lang="ja-JP" altLang="en-US" dirty="0"/>
+              <a:t>投稿された著作権フリーの音楽</a:t>
+            </a:r>
+          </a:p>
+        </p:txBody>
+      </p:sp>
+      <p:sp>
+        <p:nvSpPr>
+          <p:cNvPr id="11" name="フローチャート: 磁気ディスク 10"/>
+          <p:cNvSpPr/>
+          <p:nvPr/>
+        </p:nvSpPr>
+        <p:spPr>
+          <a:xfrm>
+            <a:off x="383146" y="3646758"/>
+            <a:ext cx="2146852" cy="811034"/>
+          </a:xfrm>
+          <a:prstGeom prst="flowChartMagneticDisk">
+            <a:avLst/>
+          </a:prstGeom>
+        </p:spPr>
+        <p:style>
+          <a:lnRef idx="2">
+            <a:schemeClr val="accent1">
+              <a:shade val="50000"/>
+            </a:schemeClr>
+          </a:lnRef>
+          <a:fillRef idx="1">
+            <a:schemeClr val="accent1"/>
+          </a:fillRef>
+          <a:effectRef idx="0">
+            <a:schemeClr val="accent1"/>
+          </a:effectRef>
+          <a:fontRef idx="minor">
+            <a:schemeClr val="lt1"/>
+          </a:fontRef>
+        </p:style>
+        <p:txBody>
+          <a:bodyPr rtlCol="0" anchor="ctr"/>
+          <a:lstStyle/>
+          <a:p>
+            <a:pPr algn="ctr"/>
+            <a:r>
+              <a:rPr lang="ja-JP" altLang="en-US" dirty="0"/>
+              <a:t>観光地推薦動画データベース</a:t>
+            </a:r>
+            <a:endParaRPr kumimoji="1" lang="ja-JP" altLang="en-US" dirty="0"/>
+          </a:p>
+        </p:txBody>
+      </p:sp>
+      <p:sp>
+        <p:nvSpPr>
+          <p:cNvPr id="12" name="下矢印 11"/>
+          <p:cNvSpPr/>
+          <p:nvPr/>
+        </p:nvSpPr>
+        <p:spPr>
+          <a:xfrm rot="16200000">
+            <a:off x="3482217" y="1661743"/>
+            <a:ext cx="178807" cy="829964"/>
+          </a:xfrm>
+          <a:prstGeom prst="downArrow">
+            <a:avLst/>
+          </a:prstGeom>
+        </p:spPr>
+        <p:style>
+          <a:lnRef idx="2">
+            <a:schemeClr val="accent1">
+              <a:shade val="50000"/>
+            </a:schemeClr>
+          </a:lnRef>
+          <a:fillRef idx="1">
+            <a:schemeClr val="accent1"/>
+          </a:fillRef>
+          <a:effectRef idx="0">
+            <a:schemeClr val="accent1"/>
+          </a:effectRef>
+          <a:fontRef idx="minor">
+            <a:schemeClr val="lt1"/>
+          </a:fontRef>
+        </p:style>
+        <p:txBody>
+          <a:bodyPr rtlCol="0" anchor="ctr"/>
+          <a:lstStyle/>
+          <a:p>
+            <a:pPr algn="ctr"/>
+            <a:endParaRPr kumimoji="1" lang="ja-JP" altLang="en-US"/>
+          </a:p>
+        </p:txBody>
+      </p:sp>
+      <p:sp>
+        <p:nvSpPr>
+          <p:cNvPr id="14" name="フローチャート: 磁気ディスク 13"/>
+          <p:cNvSpPr/>
+          <p:nvPr/>
+        </p:nvSpPr>
+        <p:spPr>
+          <a:xfrm>
+            <a:off x="6758857" y="1658722"/>
+            <a:ext cx="2202014" cy="836008"/>
+          </a:xfrm>
+          <a:prstGeom prst="flowChartMagneticDisk">
+            <a:avLst/>
+          </a:prstGeom>
+        </p:spPr>
+        <p:style>
+          <a:lnRef idx="2">
+            <a:schemeClr val="accent1">
+              <a:shade val="50000"/>
+            </a:schemeClr>
+          </a:lnRef>
+          <a:fillRef idx="1">
+            <a:schemeClr val="accent1"/>
+          </a:fillRef>
+          <a:effectRef idx="0">
+            <a:schemeClr val="accent1"/>
+          </a:effectRef>
+          <a:fontRef idx="minor">
+            <a:schemeClr val="lt1"/>
+          </a:fontRef>
+        </p:style>
+        <p:txBody>
+          <a:bodyPr rtlCol="0" anchor="ctr"/>
+          <a:lstStyle/>
+          <a:p>
+            <a:pPr algn="ctr"/>
+            <a:r>
+              <a:rPr kumimoji="1" lang="ja-JP" altLang="en-US" dirty="0"/>
+              <a:t>ジャンル分けされた音楽データベース</a:t>
+            </a:r>
+          </a:p>
+        </p:txBody>
+      </p:sp>
+      <p:sp>
+        <p:nvSpPr>
+          <p:cNvPr id="15" name="右矢印 14"/>
+          <p:cNvSpPr/>
+          <p:nvPr/>
+        </p:nvSpPr>
+        <p:spPr>
+          <a:xfrm>
+            <a:off x="5830850" y="1924981"/>
+            <a:ext cx="779412" cy="241148"/>
+          </a:xfrm>
+          <a:prstGeom prst="rightArrow">
+            <a:avLst/>
+          </a:prstGeom>
+        </p:spPr>
+        <p:style>
+          <a:lnRef idx="2">
+            <a:schemeClr val="accent1">
+              <a:shade val="50000"/>
+            </a:schemeClr>
+          </a:lnRef>
+          <a:fillRef idx="1">
+            <a:schemeClr val="accent1"/>
+          </a:fillRef>
+          <a:effectRef idx="0">
+            <a:schemeClr val="accent1"/>
+          </a:effectRef>
+          <a:fontRef idx="minor">
+            <a:schemeClr val="lt1"/>
+          </a:fontRef>
+        </p:style>
+        <p:txBody>
+          <a:bodyPr rtlCol="0" anchor="ctr"/>
+          <a:lstStyle/>
+          <a:p>
+            <a:pPr algn="ctr"/>
+            <a:endParaRPr kumimoji="1" lang="ja-JP" altLang="en-US"/>
+          </a:p>
+        </p:txBody>
+      </p:sp>
+      <p:sp>
+        <p:nvSpPr>
+          <p:cNvPr id="16" name="テキスト ボックス 15"/>
+          <p:cNvSpPr txBox="1"/>
+          <p:nvPr/>
+        </p:nvSpPr>
+        <p:spPr>
+          <a:xfrm>
+            <a:off x="4792025" y="4583877"/>
+            <a:ext cx="2472607" cy="923330"/>
+          </a:xfrm>
+          <a:prstGeom prst="rect">
+            <a:avLst/>
+          </a:prstGeom>
+          <a:noFill/>
+        </p:spPr>
+        <p:txBody>
+          <a:bodyPr wrap="square" rtlCol="0">
+            <a:spAutoFit/>
+          </a:bodyPr>
+          <a:lstStyle/>
+          <a:p>
+            <a:r>
+              <a:rPr lang="ja-JP" altLang="en-US" dirty="0"/>
+              <a:t>自分の主観</a:t>
+            </a:r>
+            <a:r>
+              <a:rPr lang="ja-JP" altLang="en-US" dirty="0" smtClean="0"/>
+              <a:t>で動画</a:t>
+            </a:r>
+            <a:r>
+              <a:rPr kumimoji="1" lang="ja-JP" altLang="en-US" dirty="0" smtClean="0"/>
+              <a:t>と</a:t>
+            </a:r>
+            <a:r>
+              <a:rPr kumimoji="1" lang="ja-JP" altLang="en-US" dirty="0"/>
+              <a:t>音楽のジャンルでマッチング</a:t>
+            </a:r>
+          </a:p>
+        </p:txBody>
+      </p:sp>
+      <p:sp>
+        <p:nvSpPr>
+          <p:cNvPr id="19" name="フローチャート: 磁気ディスク 18"/>
+          <p:cNvSpPr/>
+          <p:nvPr/>
+        </p:nvSpPr>
+        <p:spPr>
+          <a:xfrm>
+            <a:off x="6758857" y="5480191"/>
+            <a:ext cx="2202014" cy="868438"/>
+          </a:xfrm>
+          <a:prstGeom prst="flowChartMagneticDisk">
+            <a:avLst/>
+          </a:prstGeom>
+        </p:spPr>
+        <p:style>
+          <a:lnRef idx="2">
+            <a:schemeClr val="accent1">
+              <a:shade val="50000"/>
+            </a:schemeClr>
+          </a:lnRef>
+          <a:fillRef idx="1">
+            <a:schemeClr val="accent1"/>
+          </a:fillRef>
+          <a:effectRef idx="0">
+            <a:schemeClr val="accent1"/>
+          </a:effectRef>
+          <a:fontRef idx="minor">
+            <a:schemeClr val="lt1"/>
+          </a:fontRef>
+        </p:style>
+        <p:txBody>
+          <a:bodyPr rtlCol="0" anchor="ctr"/>
+          <a:lstStyle/>
+          <a:p>
+            <a:pPr algn="ctr"/>
+            <a:r>
+              <a:rPr lang="en-US" altLang="ja-JP" dirty="0"/>
+              <a:t>BGM</a:t>
+            </a:r>
+            <a:r>
+              <a:rPr lang="ja-JP" altLang="en-US" dirty="0"/>
+              <a:t>付き観光地推薦動画データベース</a:t>
+            </a:r>
+            <a:endParaRPr kumimoji="1" lang="ja-JP" altLang="en-US" dirty="0"/>
+          </a:p>
+        </p:txBody>
+      </p:sp>
+      <p:sp>
+        <p:nvSpPr>
+          <p:cNvPr id="20" name="縦巻き 19"/>
+          <p:cNvSpPr/>
+          <p:nvPr/>
+        </p:nvSpPr>
+        <p:spPr>
+          <a:xfrm>
+            <a:off x="4009620" y="1469755"/>
+            <a:ext cx="1750990" cy="1213940"/>
+          </a:xfrm>
+          <a:prstGeom prst="verticalScroll">
+            <a:avLst/>
+          </a:prstGeom>
+          <a:solidFill>
+            <a:srgbClr val="00B050"/>
+          </a:solidFill>
+        </p:spPr>
+        <p:style>
+          <a:lnRef idx="2">
+            <a:schemeClr val="accent1">
+              <a:shade val="50000"/>
+            </a:schemeClr>
+          </a:lnRef>
+          <a:fillRef idx="1">
+            <a:schemeClr val="accent1"/>
+          </a:fillRef>
+          <a:effectRef idx="0">
+            <a:schemeClr val="accent1"/>
+          </a:effectRef>
+          <a:fontRef idx="minor">
+            <a:schemeClr val="lt1"/>
+          </a:fontRef>
+        </p:style>
+        <p:txBody>
+          <a:bodyPr rtlCol="0" anchor="ctr"/>
+          <a:lstStyle/>
+          <a:p>
+            <a:pPr algn="ctr"/>
+            <a:r>
+              <a:rPr kumimoji="1" lang="ja-JP" altLang="en-US" dirty="0" smtClean="0"/>
+              <a:t>音楽ジャンル</a:t>
+            </a:r>
+            <a:r>
+              <a:rPr lang="ja-JP" altLang="en-US" dirty="0"/>
+              <a:t>分けシステム</a:t>
+            </a:r>
+            <a:endParaRPr kumimoji="1" lang="ja-JP" altLang="en-US" dirty="0"/>
+          </a:p>
+        </p:txBody>
+      </p:sp>
+      <p:sp>
+        <p:nvSpPr>
+          <p:cNvPr id="21" name="縦巻き 20"/>
+          <p:cNvSpPr/>
+          <p:nvPr/>
+        </p:nvSpPr>
+        <p:spPr>
+          <a:xfrm>
+            <a:off x="6610261" y="3337233"/>
+            <a:ext cx="2302904" cy="1213940"/>
+          </a:xfrm>
+          <a:prstGeom prst="verticalScroll">
+            <a:avLst/>
+          </a:prstGeom>
+          <a:solidFill>
+            <a:srgbClr val="00B050"/>
+          </a:solidFill>
+        </p:spPr>
+        <p:style>
+          <a:lnRef idx="2">
+            <a:schemeClr val="accent1">
+              <a:shade val="50000"/>
+            </a:schemeClr>
+          </a:lnRef>
+          <a:fillRef idx="1">
+            <a:schemeClr val="accent1"/>
+          </a:fillRef>
+          <a:effectRef idx="0">
+            <a:schemeClr val="accent1"/>
+          </a:effectRef>
+          <a:fontRef idx="minor">
+            <a:schemeClr val="lt1"/>
+          </a:fontRef>
+        </p:style>
+        <p:txBody>
+          <a:bodyPr rtlCol="0" anchor="ctr"/>
+          <a:lstStyle/>
+          <a:p>
+            <a:pPr algn="ctr"/>
+            <a:r>
+              <a:rPr lang="ja-JP" altLang="en-US" dirty="0"/>
+              <a:t>動画と音楽のマッチングシステム</a:t>
+            </a:r>
+            <a:endParaRPr kumimoji="1" lang="ja-JP" altLang="en-US" dirty="0"/>
+          </a:p>
+        </p:txBody>
+      </p:sp>
+      <p:sp>
+        <p:nvSpPr>
+          <p:cNvPr id="22" name="右矢印 21"/>
+          <p:cNvSpPr/>
+          <p:nvPr/>
+        </p:nvSpPr>
+        <p:spPr>
+          <a:xfrm>
+            <a:off x="2822713" y="3933006"/>
+            <a:ext cx="3635237" cy="238539"/>
+          </a:xfrm>
+          <a:prstGeom prst="rightArrow">
+            <a:avLst/>
+          </a:prstGeom>
+        </p:spPr>
+        <p:style>
+          <a:lnRef idx="2">
+            <a:schemeClr val="accent1">
+              <a:shade val="50000"/>
+            </a:schemeClr>
+          </a:lnRef>
+          <a:fillRef idx="1">
+            <a:schemeClr val="accent1"/>
+          </a:fillRef>
+          <a:effectRef idx="0">
+            <a:schemeClr val="accent1"/>
+          </a:effectRef>
+          <a:fontRef idx="minor">
+            <a:schemeClr val="lt1"/>
+          </a:fontRef>
+        </p:style>
+        <p:txBody>
+          <a:bodyPr rtlCol="0" anchor="ctr"/>
+          <a:lstStyle/>
+          <a:p>
+            <a:pPr algn="ctr"/>
+            <a:endParaRPr kumimoji="1" lang="ja-JP" altLang="en-US"/>
+          </a:p>
+        </p:txBody>
+      </p:sp>
+      <p:sp>
+        <p:nvSpPr>
+          <p:cNvPr id="23" name="下矢印 22"/>
+          <p:cNvSpPr/>
+          <p:nvPr/>
+        </p:nvSpPr>
+        <p:spPr>
+          <a:xfrm>
+            <a:off x="7092564" y="4745546"/>
+            <a:ext cx="1393957" cy="666808"/>
+          </a:xfrm>
+          <a:prstGeom prst="downArrow">
+            <a:avLst/>
+          </a:prstGeom>
+        </p:spPr>
+        <p:style>
+          <a:lnRef idx="2">
+            <a:schemeClr val="accent1">
+              <a:shade val="50000"/>
+            </a:schemeClr>
+          </a:lnRef>
+          <a:fillRef idx="1">
+            <a:schemeClr val="accent1"/>
+          </a:fillRef>
+          <a:effectRef idx="0">
+            <a:schemeClr val="accent1"/>
+          </a:effectRef>
+          <a:fontRef idx="minor">
+            <a:schemeClr val="lt1"/>
+          </a:fontRef>
+        </p:style>
+        <p:txBody>
+          <a:bodyPr rtlCol="0" anchor="ctr"/>
+          <a:lstStyle/>
+          <a:p>
+            <a:pPr algn="ctr"/>
+            <a:endParaRPr kumimoji="1" lang="ja-JP" altLang="en-US"/>
+          </a:p>
+        </p:txBody>
+      </p:sp>
+      <p:sp>
+        <p:nvSpPr>
+          <p:cNvPr id="24" name="下矢印 23"/>
+          <p:cNvSpPr/>
+          <p:nvPr/>
+        </p:nvSpPr>
+        <p:spPr>
+          <a:xfrm>
+            <a:off x="7036905" y="2649145"/>
+            <a:ext cx="1542552" cy="516422"/>
+          </a:xfrm>
+          <a:prstGeom prst="downArrow">
+            <a:avLst/>
+          </a:prstGeom>
+        </p:spPr>
+        <p:style>
+          <a:lnRef idx="2">
+            <a:schemeClr val="accent1">
+              <a:shade val="50000"/>
+            </a:schemeClr>
+          </a:lnRef>
+          <a:fillRef idx="1">
+            <a:schemeClr val="accent1"/>
+          </a:fillRef>
+          <a:effectRef idx="0">
+            <a:schemeClr val="accent1"/>
+          </a:effectRef>
+          <a:fontRef idx="minor">
+            <a:schemeClr val="lt1"/>
+          </a:fontRef>
+        </p:style>
+        <p:txBody>
+          <a:bodyPr rtlCol="0" anchor="ctr"/>
+          <a:lstStyle/>
+          <a:p>
+            <a:pPr algn="ctr"/>
+            <a:endParaRPr kumimoji="1" lang="ja-JP" altLang="en-US"/>
+          </a:p>
+        </p:txBody>
+      </p:sp>
+      <p:sp>
+        <p:nvSpPr>
+          <p:cNvPr id="25" name="テキスト ボックス 24"/>
+          <p:cNvSpPr txBox="1"/>
+          <p:nvPr/>
+        </p:nvSpPr>
+        <p:spPr>
+          <a:xfrm>
+            <a:off x="2342728" y="2455311"/>
+            <a:ext cx="1756094" cy="738664"/>
+          </a:xfrm>
+          <a:prstGeom prst="rect">
+            <a:avLst/>
+          </a:prstGeom>
+          <a:noFill/>
+        </p:spPr>
+        <p:txBody>
+          <a:bodyPr wrap="square" rtlCol="0">
+            <a:spAutoFit/>
+          </a:bodyPr>
+          <a:lstStyle/>
+          <a:p>
+            <a:r>
+              <a:rPr lang="ja-JP" altLang="en-US" sz="1400" dirty="0"/>
+              <a:t>ラウンドロビンを利用し，</a:t>
+            </a:r>
+            <a:r>
+              <a:rPr kumimoji="1" lang="ja-JP" altLang="en-US" sz="1400" dirty="0"/>
+              <a:t>いくつかのサーバーに処理</a:t>
+            </a:r>
+            <a:r>
+              <a:rPr kumimoji="1" lang="ja-JP" altLang="en-US" sz="1400" dirty="0" smtClean="0"/>
+              <a:t>を分散</a:t>
+            </a:r>
+            <a:endParaRPr kumimoji="1" lang="ja-JP" altLang="en-US" sz="1400" dirty="0"/>
+          </a:p>
+        </p:txBody>
+      </p:sp>
       <p:pic>
         <p:nvPicPr>
-          <p:cNvPr id="5" name="図 4">
-            <a:extLst>
-              <a:ext uri="{FF2B5EF4-FFF2-40B4-BE49-F238E27FC236}">
-                <a16:creationId xmlns:a16="http://schemas.microsoft.com/office/drawing/2014/main" id="{5F616502-13CA-4AC2-9176-2EAF28070D88}"/>
-              </a:ext>
-            </a:extLst>
-          </p:cNvPr>
+          <p:cNvPr id="5" name="図 4"/>
           <p:cNvPicPr>
             <a:picLocks noChangeAspect="1"/>
           </p:cNvPicPr>
@@ -6767,30 +6898,94 @@
         </p:blipFill>
         <p:spPr>
           <a:xfrm>
-            <a:off x="1536026" y="5066704"/>
-            <a:ext cx="2151052" cy="1613289"/>
+            <a:off x="784689" y="5412494"/>
+            <a:ext cx="1745309" cy="1308982"/>
           </a:xfrm>
           <a:prstGeom prst="rect">
             <a:avLst/>
           </a:prstGeom>
         </p:spPr>
       </p:pic>
-      <p:sp>
-        <p:nvSpPr>
-          <p:cNvPr id="6" name="テキスト ボックス 17">
-            <a:extLst>
-              <a:ext uri="{FF2B5EF4-FFF2-40B4-BE49-F238E27FC236}">
-                <a16:creationId xmlns:a16="http://schemas.microsoft.com/office/drawing/2014/main" id="{8FD7CA2B-0522-4BC2-9F68-2A28E2C6FA3D}"/>
-              </a:ext>
-            </a:extLst>
-          </p:cNvPr>
+      <p:cxnSp>
+        <p:nvCxnSpPr>
+          <p:cNvPr id="10" name="直線コネクタ 9"/>
+          <p:cNvCxnSpPr/>
+          <p:nvPr/>
+        </p:nvCxnSpPr>
+        <p:spPr>
+          <a:xfrm flipH="1">
+            <a:off x="858741" y="4863342"/>
+            <a:ext cx="3781590" cy="479935"/>
+          </a:xfrm>
+          <a:prstGeom prst="line">
+            <a:avLst/>
+          </a:prstGeom>
+          <a:ln>
+            <a:solidFill>
+              <a:schemeClr val="tx1"/>
+            </a:solidFill>
+          </a:ln>
+        </p:spPr>
+        <p:style>
+          <a:lnRef idx="1">
+            <a:schemeClr val="accent1"/>
+          </a:lnRef>
+          <a:fillRef idx="0">
+            <a:schemeClr val="accent1"/>
+          </a:fillRef>
+          <a:effectRef idx="0">
+            <a:schemeClr val="accent1"/>
+          </a:effectRef>
+          <a:fontRef idx="minor">
+            <a:schemeClr val="tx1"/>
+          </a:fontRef>
+        </p:style>
+      </p:cxnSp>
+      <p:cxnSp>
+        <p:nvCxnSpPr>
+          <p:cNvPr id="17" name="直線コネクタ 16"/>
+          <p:cNvCxnSpPr/>
+          <p:nvPr/>
+        </p:nvCxnSpPr>
+        <p:spPr>
+          <a:xfrm flipH="1">
+            <a:off x="5984782" y="5301356"/>
+            <a:ext cx="352408" cy="320950"/>
+          </a:xfrm>
+          <a:prstGeom prst="line">
+            <a:avLst/>
+          </a:prstGeom>
+          <a:ln>
+            <a:solidFill>
+              <a:schemeClr val="tx1"/>
+            </a:solidFill>
+          </a:ln>
+        </p:spPr>
+        <p:style>
+          <a:lnRef idx="1">
+            <a:schemeClr val="accent1"/>
+          </a:lnRef>
+          <a:fillRef idx="0">
+            <a:schemeClr val="accent1"/>
+          </a:fillRef>
+          <a:effectRef idx="0">
+            <a:schemeClr val="accent1"/>
+          </a:effectRef>
+          <a:fontRef idx="minor">
+            <a:schemeClr val="tx1"/>
+          </a:fontRef>
+        </p:style>
+      </p:cxnSp>
+      <p:sp>
+        <p:nvSpPr>
+          <p:cNvPr id="18" name="テキスト ボックス 17"/>
           <p:cNvSpPr txBox="1"/>
           <p:nvPr/>
         </p:nvSpPr>
         <p:spPr>
           <a:xfrm>
-            <a:off x="3868578" y="5233659"/>
-            <a:ext cx="2984167" cy="943997"/>
+            <a:off x="2775502" y="5412353"/>
+            <a:ext cx="2763759" cy="943997"/>
           </a:xfrm>
           <a:prstGeom prst="rect">
             <a:avLst/>
@@ -6805,26 +7000,7 @@
           <a:p>
             <a:r>
               <a:rPr kumimoji="1" lang="ja-JP" altLang="en-US" dirty="0"/>
-              <a:t>例</a:t>
-            </a:r>
-            <a:r>
-              <a:rPr kumimoji="1" lang="en-US" altLang="ja-JP" dirty="0"/>
-              <a:t>: </a:t>
-            </a:r>
-            <a:r>
-              <a:rPr kumimoji="1" lang="ja-JP" altLang="en-US" dirty="0"/>
-              <a:t>観光地から明るい印象を受けるので，“元気が出る”</a:t>
-            </a:r>
-            <a:r>
-              <a:rPr kumimoji="1" lang="en-US" altLang="ja-JP" dirty="0"/>
-              <a:t/>
-            </a:r>
-            <a:br>
-              <a:rPr kumimoji="1" lang="en-US" altLang="ja-JP" dirty="0"/>
-            </a:br>
-            <a:r>
-              <a:rPr kumimoji="1" lang="ja-JP" altLang="en-US" dirty="0"/>
-              <a:t>楽曲とマッチング</a:t>
+              <a:t>観光地から明るい印象を受けるので，“元気が出る”音楽とマッチング</a:t>
             </a:r>
           </a:p>
         </p:txBody>
@@ -6832,7 +7008,7 @@
     </p:spTree>
     <p:extLst>
       <p:ext uri="{BB962C8B-B14F-4D97-AF65-F5344CB8AC3E}">
-        <p14:creationId xmlns:p14="http://schemas.microsoft.com/office/powerpoint/2010/main" val="1923407823"/>
+        <p14:creationId xmlns:p14="http://schemas.microsoft.com/office/powerpoint/2010/main" val="4224668961"/>
       </p:ext>
     </p:extLst>
   </p:cSld>
@@ -6878,14 +7054,16 @@
         </p:nvSpPr>
         <p:spPr/>
         <p:txBody>
-          <a:bodyPr/>
-          <a:lstStyle/>
-          <a:p>
-            <a:r>
-              <a:rPr kumimoji="1" lang="ja-JP" altLang="en-US" dirty="0" smtClean="0"/>
-              <a:t>前期までの進捗</a:t>
-            </a:r>
-            <a:endParaRPr kumimoji="1" lang="ja-JP" altLang="en-US" dirty="0"/>
+          <a:bodyPr>
+            <a:normAutofit/>
+          </a:bodyPr>
+          <a:lstStyle/>
+          <a:p>
+            <a:r>
+              <a:rPr lang="ja-JP" altLang="en-US" sz="4000" dirty="0"/>
+              <a:t>印象による楽曲と動画のマッチング</a:t>
+            </a:r>
+            <a:endParaRPr kumimoji="1" lang="ja-JP" altLang="en-US" sz="4000" dirty="0"/>
           </a:p>
         </p:txBody>
       </p:sp>
@@ -6899,9 +7077,16 @@
             <p:ph idx="1"/>
           </p:nvPr>
         </p:nvSpPr>
-        <p:spPr/>
-        <p:txBody>
-          <a:bodyPr/>
+        <p:spPr>
+          <a:xfrm>
+            <a:off x="314325" y="1847851"/>
+            <a:ext cx="8515350" cy="3228646"/>
+          </a:xfrm>
+        </p:spPr>
+        <p:txBody>
+          <a:bodyPr>
+            <a:normAutofit/>
+          </a:bodyPr>
           <a:lstStyle/>
           <a:p>
             <a:r>
@@ -6910,51 +7095,82 @@
             </a:r>
             <a:r>
               <a:rPr kumimoji="1" lang="ja-JP" altLang="en-US" dirty="0"/>
-              <a:t>データを横軸に時間</a:t>
-            </a:r>
+              <a:t>と動画を印象によりマッチングする．</a:t>
+            </a:r>
+            <a:r>
+              <a:rPr kumimoji="1" lang="en-US" altLang="ja-JP" dirty="0"/>
+              <a:t>	</a:t>
+            </a:r>
+          </a:p>
+          <a:p>
+            <a:pPr lvl="1"/>
             <a:r>
               <a:rPr lang="ja-JP" altLang="en-US" dirty="0"/>
-              <a:t>，</a:t>
+              <a:t>動画</a:t>
+            </a:r>
+            <a:r>
+              <a:rPr lang="en-US" altLang="ja-JP" dirty="0"/>
+              <a:t>:</a:t>
             </a:r>
             <a:r>
               <a:rPr kumimoji="1" lang="ja-JP" altLang="en-US" dirty="0"/>
-              <a:t>縦軸に周波数を表した</a:t>
+              <a:t>観光地動画</a:t>
+            </a:r>
+            <a:endParaRPr kumimoji="1" lang="en-US" altLang="ja-JP" dirty="0"/>
+          </a:p>
+          <a:p>
+            <a:pPr lvl="1"/>
+            <a:r>
+              <a:rPr lang="ja-JP" altLang="en-US" dirty="0"/>
+              <a:t>楽曲</a:t>
             </a:r>
             <a:r>
               <a:rPr lang="en-US" altLang="ja-JP" dirty="0"/>
-              <a:t/>
-            </a:r>
-            <a:br>
-              <a:rPr lang="en-US" altLang="ja-JP" dirty="0"/>
-            </a:br>
-            <a:r>
-              <a:rPr kumimoji="1" lang="ja-JP" altLang="en-US" dirty="0"/>
-              <a:t>スペクトログラム</a:t>
+              <a:t>: </a:t>
             </a:r>
             <a:r>
               <a:rPr lang="ja-JP" altLang="en-US" dirty="0"/>
-              <a:t>に</a:t>
-            </a:r>
-            <a:r>
-              <a:rPr kumimoji="1" lang="ja-JP" altLang="en-US" dirty="0"/>
-              <a:t>するプログラムの作成をした．</a:t>
-            </a:r>
-            <a:endParaRPr kumimoji="1" lang="en-US" altLang="ja-JP" dirty="0"/>
-          </a:p>
-          <a:p>
+              <a:t>クラシックや</a:t>
+            </a:r>
+            <a:r>
+              <a:rPr lang="ja-JP" altLang="en-US" dirty="0" smtClean="0"/>
+              <a:t>インストルメンタル</a:t>
+            </a:r>
+            <a:r>
+              <a:rPr lang="ja-JP" altLang="en-US" dirty="0" smtClean="0"/>
+              <a:t>など</a:t>
+            </a:r>
+          </a:p>
+          <a:p>
+            <a:r>
+              <a:rPr lang="ja-JP" altLang="en-US" dirty="0" smtClean="0"/>
+              <a:t>一時的に自分の主観で動画にジャンル分けをし</a:t>
+            </a:r>
+            <a:r>
+              <a:rPr lang="en-US" altLang="ja-JP" dirty="0" smtClean="0"/>
+              <a:t>,</a:t>
+            </a:r>
             <a:r>
               <a:rPr lang="ja-JP" altLang="en-US" dirty="0"/>
-              <a:t>深層学習</a:t>
-            </a:r>
-            <a:r>
-              <a:rPr lang="en-US" altLang="ja-JP" dirty="0"/>
-              <a:t>(Convolutional Neural Network)</a:t>
-            </a:r>
-            <a:r>
-              <a:rPr lang="ja-JP" altLang="en-US" dirty="0"/>
-              <a:t>で，印象の学習を行う予定である．</a:t>
-            </a:r>
-            <a:endParaRPr kumimoji="1" lang="ja-JP" altLang="en-US" dirty="0"/>
+              <a:t>ジャンル分け</a:t>
+            </a:r>
+            <a:r>
+              <a:rPr lang="ja-JP" altLang="en-US" dirty="0" smtClean="0"/>
+              <a:t>した音楽とのマッチングをする</a:t>
+            </a:r>
+            <a:r>
+              <a:rPr lang="en-US" altLang="ja-JP" dirty="0" smtClean="0"/>
+              <a:t>.</a:t>
+            </a:r>
+            <a:r>
+              <a:rPr lang="ja-JP" altLang="en-US" dirty="0" smtClean="0"/>
+              <a:t>ある程度完成し次第印象マッチングに挑戦する</a:t>
+            </a:r>
+            <a:r>
+              <a:rPr lang="en-US" altLang="ja-JP" dirty="0" smtClean="0"/>
+              <a:t>.</a:t>
+            </a:r>
+            <a:endParaRPr lang="en-US" altLang="ja-JP" dirty="0" smtClean="0"/>
           </a:p>
         </p:txBody>
       </p:sp>
@@ -6974,48 +7190,17 @@
           <a:lstStyle/>
           <a:p>
             <a:fld id="{B4451160-128F-4DAD-AE29-4A8CC0E7B9E9}" type="slidenum">
-              <a:rPr lang="ja-JP" altLang="en-US" smtClean="0"/>
-              <a:pPr/>
+              <a:rPr kumimoji="1" lang="ja-JP" altLang="en-US" smtClean="0"/>
               <a:t>7</a:t>
             </a:fld>
-            <a:endParaRPr lang="ja-JP" altLang="en-US" dirty="0"/>
-          </a:p>
-        </p:txBody>
-      </p:sp>
-      <p:pic>
-        <p:nvPicPr>
-          <p:cNvPr id="6" name="図 5"/>
-          <p:cNvPicPr>
-            <a:picLocks noChangeAspect="1"/>
-          </p:cNvPicPr>
-          <p:nvPr/>
-        </p:nvPicPr>
-        <p:blipFill>
-          <a:blip r:embed="rId2">
-            <a:extLst>
-              <a:ext uri="{28A0092B-C50C-407E-A947-70E740481C1C}">
-                <a14:useLocalDpi xmlns:a14="http://schemas.microsoft.com/office/drawing/2010/main" val="0"/>
-              </a:ext>
-            </a:extLst>
-          </a:blip>
-          <a:stretch>
-            <a:fillRect/>
-          </a:stretch>
-        </p:blipFill>
-        <p:spPr>
-          <a:xfrm>
-            <a:off x="628650" y="3735002"/>
-            <a:ext cx="7324760" cy="2621349"/>
-          </a:xfrm>
-          <a:prstGeom prst="rect">
-            <a:avLst/>
-          </a:prstGeom>
-        </p:spPr>
-      </p:pic>
+            <a:endParaRPr kumimoji="1" lang="ja-JP" altLang="en-US"/>
+          </a:p>
+        </p:txBody>
+      </p:sp>
     </p:spTree>
     <p:extLst>
       <p:ext uri="{BB962C8B-B14F-4D97-AF65-F5344CB8AC3E}">
-        <p14:creationId xmlns:p14="http://schemas.microsoft.com/office/powerpoint/2010/main" val="3872963283"/>
+        <p14:creationId xmlns:p14="http://schemas.microsoft.com/office/powerpoint/2010/main" val="1923407823"/>
       </p:ext>
     </p:extLst>
   </p:cSld>
@@ -7065,106 +7250,78 @@
           <a:lstStyle/>
           <a:p>
             <a:r>
+              <a:rPr kumimoji="1" lang="ja-JP" altLang="en-US" dirty="0" smtClean="0"/>
+              <a:t>前期までの進捗</a:t>
+            </a:r>
+            <a:endParaRPr kumimoji="1" lang="ja-JP" altLang="en-US" dirty="0"/>
+          </a:p>
+        </p:txBody>
+      </p:sp>
+      <p:sp>
+        <p:nvSpPr>
+          <p:cNvPr id="3" name="コンテンツ プレースホルダー 2"/>
+          <p:cNvSpPr>
+            <a:spLocks noGrp="1"/>
+          </p:cNvSpPr>
+          <p:nvPr>
+            <p:ph idx="1"/>
+          </p:nvPr>
+        </p:nvSpPr>
+        <p:spPr/>
+        <p:txBody>
+          <a:bodyPr/>
+          <a:lstStyle/>
+          <a:p>
+            <a:r>
               <a:rPr lang="ja-JP" altLang="en-US" dirty="0"/>
-              <a:t>今週</a:t>
-            </a:r>
-            <a:r>
-              <a:rPr lang="ja-JP" altLang="en-US" dirty="0" smtClean="0"/>
-              <a:t>の進捗</a:t>
-            </a:r>
-            <a:endParaRPr kumimoji="1" lang="ja-JP" altLang="en-US" dirty="0"/>
-          </a:p>
-        </p:txBody>
-      </p:sp>
-      <p:sp>
-        <p:nvSpPr>
-          <p:cNvPr id="3" name="コンテンツ プレースホルダー 2"/>
-          <p:cNvSpPr>
-            <a:spLocks noGrp="1"/>
-          </p:cNvSpPr>
-          <p:nvPr>
-            <p:ph idx="1"/>
-          </p:nvPr>
-        </p:nvSpPr>
-        <p:spPr>
-          <a:xfrm>
-            <a:off x="628650" y="1463040"/>
-            <a:ext cx="7886700" cy="1311965"/>
-          </a:xfrm>
-        </p:spPr>
-        <p:txBody>
-          <a:bodyPr>
-            <a:normAutofit/>
-          </a:bodyPr>
-          <a:lstStyle/>
-          <a:p>
-            <a:pPr marL="0" indent="0">
-              <a:buNone/>
-            </a:pPr>
-            <a:r>
-              <a:rPr kumimoji="1" lang="ja-JP" altLang="en-US" dirty="0" smtClean="0"/>
-              <a:t>水曜日に借りたラズベリーパイ</a:t>
-            </a:r>
-            <a:r>
-              <a:rPr kumimoji="1" lang="en-US" altLang="ja-JP" dirty="0" smtClean="0"/>
-              <a:t>2</a:t>
-            </a:r>
-            <a:r>
-              <a:rPr kumimoji="1" lang="ja-JP" altLang="en-US" dirty="0" smtClean="0"/>
-              <a:t>機のセットアップ</a:t>
-            </a:r>
-            <a:r>
-              <a:rPr lang="en-US" altLang="ja-JP" dirty="0" smtClean="0"/>
-              <a:t>(</a:t>
-            </a:r>
-            <a:r>
-              <a:rPr lang="en-US" altLang="ja-JP" dirty="0" err="1" smtClean="0"/>
-              <a:t>ssh</a:t>
-            </a:r>
-            <a:r>
-              <a:rPr lang="ja-JP" altLang="en-US" dirty="0" smtClean="0"/>
-              <a:t>接続で作業できるように</a:t>
-            </a:r>
-            <a:r>
-              <a:rPr lang="en-US" altLang="ja-JP" dirty="0" smtClean="0"/>
-              <a:t>)</a:t>
-            </a:r>
-            <a:r>
-              <a:rPr kumimoji="1" lang="ja-JP" altLang="en-US" dirty="0" smtClean="0"/>
-              <a:t>及び</a:t>
-            </a:r>
-            <a:r>
-              <a:rPr kumimoji="1" lang="en-US" altLang="ja-JP" dirty="0" err="1" smtClean="0"/>
-              <a:t>nginx</a:t>
-            </a:r>
-            <a:r>
-              <a:rPr kumimoji="1" lang="ja-JP" altLang="en-US" dirty="0" smtClean="0"/>
-              <a:t>の</a:t>
-            </a:r>
-            <a:r>
-              <a:rPr kumimoji="1" lang="ja-JP" altLang="en-US" dirty="0" smtClean="0"/>
-              <a:t>インストール</a:t>
-            </a:r>
-            <a:r>
-              <a:rPr kumimoji="1" lang="en-US" altLang="ja-JP" smtClean="0"/>
-              <a:t>//</a:t>
-            </a:r>
-            <a:r>
-              <a:rPr kumimoji="1" lang="ja-JP" altLang="en-US" smtClean="0"/>
-              <a:t>エラーの件書く</a:t>
-            </a:r>
-            <a:endParaRPr kumimoji="1" lang="en-US" altLang="ja-JP" dirty="0" smtClean="0"/>
-          </a:p>
-          <a:p>
-            <a:pPr marL="0" indent="0">
-              <a:buNone/>
-            </a:pPr>
-            <a:endParaRPr kumimoji="1" lang="en-US" altLang="ja-JP" dirty="0" smtClean="0"/>
-          </a:p>
-          <a:p>
-            <a:pPr marL="0" indent="0">
-              <a:buNone/>
-            </a:pPr>
+              <a:t>楽曲</a:t>
+            </a:r>
+            <a:r>
+              <a:rPr kumimoji="1" lang="ja-JP" altLang="en-US" dirty="0"/>
+              <a:t>データを横軸に時間</a:t>
+            </a:r>
+            <a:r>
+              <a:rPr lang="ja-JP" altLang="en-US" dirty="0"/>
+              <a:t>，</a:t>
+            </a:r>
+            <a:r>
+              <a:rPr kumimoji="1" lang="ja-JP" altLang="en-US" dirty="0"/>
+              <a:t>縦軸に周波数を表した</a:t>
+            </a:r>
+            <a:r>
+              <a:rPr lang="en-US" altLang="ja-JP" dirty="0"/>
+              <a:t/>
+            </a:r>
+            <a:br>
+              <a:rPr lang="en-US" altLang="ja-JP" dirty="0"/>
+            </a:br>
+            <a:r>
+              <a:rPr kumimoji="1" lang="ja-JP" altLang="en-US" dirty="0"/>
+              <a:t>スペクトログラム</a:t>
+            </a:r>
+            <a:r>
+              <a:rPr lang="ja-JP" altLang="en-US" dirty="0"/>
+              <a:t>に</a:t>
+            </a:r>
+            <a:r>
+              <a:rPr kumimoji="1" lang="ja-JP" altLang="en-US" dirty="0"/>
+              <a:t>するプログラムの作成をした．</a:t>
+            </a:r>
+            <a:endParaRPr kumimoji="1" lang="en-US" altLang="ja-JP" dirty="0"/>
+          </a:p>
+          <a:p>
+            <a:r>
+              <a:rPr lang="ja-JP" altLang="en-US" dirty="0"/>
+              <a:t>深層学習</a:t>
+            </a:r>
+            <a:r>
+              <a:rPr lang="en-US" altLang="ja-JP" dirty="0"/>
+              <a:t>(Convolutional Neural Network)</a:t>
+            </a:r>
+            <a:r>
+              <a:rPr lang="ja-JP" altLang="en-US" dirty="0"/>
+              <a:t>で，印象の学習を行う予定である．</a:t>
+            </a:r>
             <a:endParaRPr kumimoji="1" lang="ja-JP" altLang="en-US" dirty="0"/>
           </a:p>
         </p:txBody>
@@ -7195,21 +7352,28 @@
       </p:sp>
       <p:pic>
         <p:nvPicPr>
-          <p:cNvPr id="11" name="図 10"/>
+          <p:cNvPr id="6" name="図 5"/>
           <p:cNvPicPr>
             <a:picLocks noChangeAspect="1"/>
           </p:cNvPicPr>
           <p:nvPr/>
         </p:nvPicPr>
-        <p:blipFill rotWithShape="1">
-          <a:blip r:embed="rId2"/>
-          <a:srcRect l="297" t="-602" r="-297" b="61438"/>
-          <a:stretch/>
+        <p:blipFill>
+          <a:blip r:embed="rId2">
+            <a:extLst>
+              <a:ext uri="{28A0092B-C50C-407E-A947-70E740481C1C}">
+                <a14:useLocalDpi xmlns:a14="http://schemas.microsoft.com/office/drawing/2010/main" val="0"/>
+              </a:ext>
+            </a:extLst>
+          </a:blip>
+          <a:stretch>
+            <a:fillRect/>
+          </a:stretch>
         </p:blipFill>
         <p:spPr>
           <a:xfrm>
-            <a:off x="486222" y="2997404"/>
-            <a:ext cx="8029128" cy="2067979"/>
+            <a:off x="628650" y="3735002"/>
+            <a:ext cx="7324760" cy="2621349"/>
           </a:xfrm>
           <a:prstGeom prst="rect">
             <a:avLst/>
@@ -7219,7 +7383,7 @@
     </p:spTree>
     <p:extLst>
       <p:ext uri="{BB962C8B-B14F-4D97-AF65-F5344CB8AC3E}">
-        <p14:creationId xmlns:p14="http://schemas.microsoft.com/office/powerpoint/2010/main" val="2020481824"/>
+        <p14:creationId xmlns:p14="http://schemas.microsoft.com/office/powerpoint/2010/main" val="3872963283"/>
       </p:ext>
     </p:extLst>
   </p:cSld>
@@ -7270,7 +7434,11 @@
           <a:p>
             <a:r>
               <a:rPr lang="ja-JP" altLang="en-US" dirty="0"/>
-              <a:t>次回までの作業予定</a:t>
+              <a:t>今週</a:t>
+            </a:r>
+            <a:r>
+              <a:rPr lang="ja-JP" altLang="en-US" dirty="0" smtClean="0"/>
+              <a:t>の進捗</a:t>
             </a:r>
             <a:endParaRPr kumimoji="1" lang="ja-JP" altLang="en-US" dirty="0"/>
           </a:p>
@@ -7286,21 +7454,40 @@
             <p:ph idx="1"/>
           </p:nvPr>
         </p:nvSpPr>
-        <p:spPr/>
-        <p:txBody>
-          <a:bodyPr/>
+        <p:spPr>
+          <a:xfrm>
+            <a:off x="628650" y="1463040"/>
+            <a:ext cx="7886700" cy="4643562"/>
+          </a:xfrm>
+        </p:spPr>
+        <p:txBody>
+          <a:bodyPr>
+            <a:normAutofit/>
+          </a:bodyPr>
           <a:lstStyle/>
           <a:p>
             <a:pPr marL="0" indent="0">
               <a:buNone/>
             </a:pPr>
             <a:r>
-              <a:rPr kumimoji="1" lang="en-US" altLang="ja-JP" dirty="0" smtClean="0"/>
-              <a:t>raspberrypi1</a:t>
-            </a:r>
-            <a:r>
-              <a:rPr kumimoji="1" lang="ja-JP" altLang="en-US" dirty="0" smtClean="0"/>
-              <a:t>台に実際に処理をさせてみて、どれほどの速度になるかを実験してみる。</a:t>
+              <a:rPr lang="ja-JP" altLang="en-US" dirty="0" smtClean="0"/>
+              <a:t>・</a:t>
+            </a:r>
+            <a:r>
+              <a:rPr lang="en-US" altLang="ja-JP" dirty="0" err="1" smtClean="0"/>
+              <a:t>raspberrypi</a:t>
+            </a:r>
+            <a:r>
+              <a:rPr lang="ja-JP" altLang="en-US" dirty="0" smtClean="0"/>
+              <a:t>に</a:t>
+            </a:r>
+            <a:r>
+              <a:rPr lang="en-US" altLang="ja-JP" dirty="0" err="1" smtClean="0"/>
+              <a:t>github</a:t>
+            </a:r>
+            <a:r>
+              <a:rPr lang="ja-JP" altLang="en-US" dirty="0" smtClean="0"/>
+              <a:t>からクローンしてディレクトリを作成</a:t>
             </a:r>
             <a:endParaRPr kumimoji="1" lang="en-US" altLang="ja-JP" dirty="0" smtClean="0"/>
           </a:p>
@@ -7316,9 +7503,62 @@
             </a:pPr>
             <a:r>
               <a:rPr kumimoji="1" lang="ja-JP" altLang="en-US" dirty="0" smtClean="0"/>
-              <a:t>音楽のジャンル分けプログラムを実際にラズパイで動かしてみる。</a:t>
+              <a:t>・ジュピターノートブックで作成したプログラムを</a:t>
+            </a:r>
+            <a:r>
+              <a:rPr kumimoji="1" lang="en-US" altLang="ja-JP" dirty="0" smtClean="0"/>
+              <a:t>raspberry pi</a:t>
+            </a:r>
+            <a:r>
+              <a:rPr kumimoji="1" lang="ja-JP" altLang="en-US" dirty="0" smtClean="0"/>
+              <a:t>で動作するかの確認</a:t>
             </a:r>
             <a:endParaRPr kumimoji="1" lang="en-US" altLang="ja-JP" dirty="0" smtClean="0"/>
+          </a:p>
+          <a:p>
+            <a:pPr marL="0" indent="0">
+              <a:buNone/>
+            </a:pPr>
+            <a:r>
+              <a:rPr lang="ja-JP" altLang="en-US" dirty="0" smtClean="0"/>
+              <a:t>→パッケージのインストールでエラーがいくつか</a:t>
+            </a:r>
+            <a:endParaRPr kumimoji="1" lang="en-US" altLang="ja-JP" dirty="0" smtClean="0"/>
+          </a:p>
+          <a:p>
+            <a:pPr marL="0" indent="0">
+              <a:buNone/>
+            </a:pPr>
+            <a:endParaRPr kumimoji="1" lang="en-US" altLang="ja-JP" dirty="0" smtClean="0"/>
+          </a:p>
+          <a:p>
+            <a:pPr marL="0" indent="0">
+              <a:buNone/>
+            </a:pPr>
+            <a:r>
+              <a:rPr lang="ja-JP" altLang="en-US" dirty="0" smtClean="0"/>
+              <a:t>・</a:t>
+            </a:r>
+            <a:r>
+              <a:rPr lang="en-US" altLang="ja-JP" dirty="0" smtClean="0"/>
+              <a:t>heatmap.py</a:t>
+            </a:r>
+            <a:r>
+              <a:rPr lang="ja-JP" altLang="en-US" dirty="0" smtClean="0"/>
+              <a:t>と</a:t>
+            </a:r>
+            <a:r>
+              <a:rPr lang="en-US" altLang="ja-JP" dirty="0" smtClean="0"/>
+              <a:t>Categorize.py</a:t>
+            </a:r>
+            <a:r>
+              <a:rPr lang="ja-JP" altLang="en-US" dirty="0" smtClean="0"/>
+              <a:t>のディレクトリに関するソースコードの変更</a:t>
+            </a:r>
+            <a:r>
+              <a:rPr lang="en-US" altLang="ja-JP" dirty="0" smtClean="0"/>
+              <a:t>.</a:t>
+            </a:r>
           </a:p>
           <a:p>
             <a:pPr marL="0" indent="0">
@@ -7330,14 +7570,18 @@
             <a:pPr marL="0" indent="0">
               <a:buNone/>
             </a:pPr>
-            <a:r>
-              <a:rPr kumimoji="1" lang="en-US" altLang="ja-JP" dirty="0" smtClean="0"/>
-              <a:t>Windows</a:t>
-            </a:r>
-            <a:r>
-              <a:rPr kumimoji="1" lang="ja-JP" altLang="en-US" dirty="0" smtClean="0"/>
-              <a:t>で動いたプログラムがラズパイで実際に動くか。</a:t>
-            </a:r>
+            <a:endParaRPr lang="en-US" altLang="ja-JP" dirty="0" smtClean="0"/>
+          </a:p>
+          <a:p>
+            <a:pPr marL="0" indent="0">
+              <a:buNone/>
+            </a:pPr>
+            <a:endParaRPr kumimoji="1" lang="en-US" altLang="ja-JP" dirty="0"/>
+          </a:p>
+          <a:p>
+            <a:pPr marL="0" indent="0">
+              <a:buNone/>
+            </a:pPr>
             <a:endParaRPr kumimoji="1" lang="en-US" altLang="ja-JP" dirty="0" smtClean="0"/>
           </a:p>
           <a:p>
@@ -7375,7 +7619,7 @@
     </p:spTree>
     <p:extLst>
       <p:ext uri="{BB962C8B-B14F-4D97-AF65-F5344CB8AC3E}">
-        <p14:creationId xmlns:p14="http://schemas.microsoft.com/office/powerpoint/2010/main" val="1182900550"/>
+        <p14:creationId xmlns:p14="http://schemas.microsoft.com/office/powerpoint/2010/main" val="2020481824"/>
       </p:ext>
     </p:extLst>
   </p:cSld>
